--- a/Laminator Block Diagram.pptx
+++ b/Laminator Block Diagram.pptx
@@ -2,18 +2,19 @@
 <file path=ppt/presentation.xml><?xml version="1.0" encoding="utf-8"?>
 <p:presentation xmlns:a="http://schemas.openxmlformats.org/drawingml/2006/main" xmlns:r="http://schemas.openxmlformats.org/officeDocument/2006/relationships" xmlns:p="http://schemas.openxmlformats.org/presentationml/2006/main" saveSubsetFonts="1">
   <p:sldMasterIdLst>
-    <p:sldMasterId id="2147483648" r:id="rId1"/>
+    <p:sldMasterId id="2147483660" r:id="rId1"/>
   </p:sldMasterIdLst>
   <p:sldIdLst>
     <p:sldId id="257" r:id="rId2"/>
+    <p:sldId id="258" r:id="rId3"/>
   </p:sldIdLst>
-  <p:sldSz cx="12192000" cy="6858000"/>
-  <p:notesSz cx="6858000" cy="9144000"/>
+  <p:sldSz cx="15544800" cy="10058400"/>
+  <p:notesSz cx="7102475" cy="9388475"/>
   <p:defaultTextStyle>
     <a:defPPr>
       <a:defRPr lang="en-US"/>
     </a:defPPr>
-    <a:lvl1pPr marL="0" algn="l" defTabSz="914400" rtl="0" eaLnBrk="1" latinLnBrk="0" hangingPunct="1">
+    <a:lvl1pPr marL="0" algn="l" defTabSz="457200" rtl="0" eaLnBrk="1" latinLnBrk="0" hangingPunct="1">
       <a:defRPr sz="1800" kern="1200">
         <a:solidFill>
           <a:schemeClr val="tx1"/>
@@ -23,7 +24,7 @@
         <a:cs typeface="+mn-cs"/>
       </a:defRPr>
     </a:lvl1pPr>
-    <a:lvl2pPr marL="457200" algn="l" defTabSz="914400" rtl="0" eaLnBrk="1" latinLnBrk="0" hangingPunct="1">
+    <a:lvl2pPr marL="457200" algn="l" defTabSz="457200" rtl="0" eaLnBrk="1" latinLnBrk="0" hangingPunct="1">
       <a:defRPr sz="1800" kern="1200">
         <a:solidFill>
           <a:schemeClr val="tx1"/>
@@ -33,7 +34,7 @@
         <a:cs typeface="+mn-cs"/>
       </a:defRPr>
     </a:lvl2pPr>
-    <a:lvl3pPr marL="914400" algn="l" defTabSz="914400" rtl="0" eaLnBrk="1" latinLnBrk="0" hangingPunct="1">
+    <a:lvl3pPr marL="914400" algn="l" defTabSz="457200" rtl="0" eaLnBrk="1" latinLnBrk="0" hangingPunct="1">
       <a:defRPr sz="1800" kern="1200">
         <a:solidFill>
           <a:schemeClr val="tx1"/>
@@ -43,7 +44,7 @@
         <a:cs typeface="+mn-cs"/>
       </a:defRPr>
     </a:lvl3pPr>
-    <a:lvl4pPr marL="1371600" algn="l" defTabSz="914400" rtl="0" eaLnBrk="1" latinLnBrk="0" hangingPunct="1">
+    <a:lvl4pPr marL="1371600" algn="l" defTabSz="457200" rtl="0" eaLnBrk="1" latinLnBrk="0" hangingPunct="1">
       <a:defRPr sz="1800" kern="1200">
         <a:solidFill>
           <a:schemeClr val="tx1"/>
@@ -53,7 +54,7 @@
         <a:cs typeface="+mn-cs"/>
       </a:defRPr>
     </a:lvl4pPr>
-    <a:lvl5pPr marL="1828800" algn="l" defTabSz="914400" rtl="0" eaLnBrk="1" latinLnBrk="0" hangingPunct="1">
+    <a:lvl5pPr marL="1828800" algn="l" defTabSz="457200" rtl="0" eaLnBrk="1" latinLnBrk="0" hangingPunct="1">
       <a:defRPr sz="1800" kern="1200">
         <a:solidFill>
           <a:schemeClr val="tx1"/>
@@ -63,7 +64,7 @@
         <a:cs typeface="+mn-cs"/>
       </a:defRPr>
     </a:lvl5pPr>
-    <a:lvl6pPr marL="2286000" algn="l" defTabSz="914400" rtl="0" eaLnBrk="1" latinLnBrk="0" hangingPunct="1">
+    <a:lvl6pPr marL="2286000" algn="l" defTabSz="457200" rtl="0" eaLnBrk="1" latinLnBrk="0" hangingPunct="1">
       <a:defRPr sz="1800" kern="1200">
         <a:solidFill>
           <a:schemeClr val="tx1"/>
@@ -73,7 +74,7 @@
         <a:cs typeface="+mn-cs"/>
       </a:defRPr>
     </a:lvl6pPr>
-    <a:lvl7pPr marL="2743200" algn="l" defTabSz="914400" rtl="0" eaLnBrk="1" latinLnBrk="0" hangingPunct="1">
+    <a:lvl7pPr marL="2743200" algn="l" defTabSz="457200" rtl="0" eaLnBrk="1" latinLnBrk="0" hangingPunct="1">
       <a:defRPr sz="1800" kern="1200">
         <a:solidFill>
           <a:schemeClr val="tx1"/>
@@ -83,7 +84,7 @@
         <a:cs typeface="+mn-cs"/>
       </a:defRPr>
     </a:lvl7pPr>
-    <a:lvl8pPr marL="3200400" algn="l" defTabSz="914400" rtl="0" eaLnBrk="1" latinLnBrk="0" hangingPunct="1">
+    <a:lvl8pPr marL="3200400" algn="l" defTabSz="457200" rtl="0" eaLnBrk="1" latinLnBrk="0" hangingPunct="1">
       <a:defRPr sz="1800" kern="1200">
         <a:solidFill>
           <a:schemeClr val="tx1"/>
@@ -93,7 +94,7 @@
         <a:cs typeface="+mn-cs"/>
       </a:defRPr>
     </a:lvl8pPr>
-    <a:lvl9pPr marL="3657600" algn="l" defTabSz="914400" rtl="0" eaLnBrk="1" latinLnBrk="0" hangingPunct="1">
+    <a:lvl9pPr marL="3657600" algn="l" defTabSz="457200" rtl="0" eaLnBrk="1" latinLnBrk="0" hangingPunct="1">
       <a:defRPr sz="1800" kern="1200">
         <a:solidFill>
           <a:schemeClr val="tx1"/>
@@ -104,6 +105,11 @@
       </a:defRPr>
     </a:lvl9pPr>
   </p:defaultTextStyle>
+  <p:extLst>
+    <p:ext uri="{EFAFB233-063F-42B5-8137-9DF3F51BA10A}">
+      <p15:sldGuideLst xmlns:p15="http://schemas.microsoft.com/office/powerpoint/2012/main"/>
+    </p:ext>
+  </p:extLst>
 </p:presentation>
 </file>
 
@@ -126,13 +132,7 @@
       </p:grpSpPr>
       <p:sp>
         <p:nvSpPr>
-          <p:cNvPr id="2" name="Title 1">
-            <a:extLst>
-              <a:ext uri="{FF2B5EF4-FFF2-40B4-BE49-F238E27FC236}">
-                <a16:creationId xmlns:a16="http://schemas.microsoft.com/office/drawing/2014/main" id="{56B89A90-85A0-4655-BFFD-5F90372B1FCB}"/>
-              </a:ext>
-            </a:extLst>
-          </p:cNvPr>
+          <p:cNvPr id="2" name="Title 1"/>
           <p:cNvSpPr>
             <a:spLocks noGrp="1"/>
           </p:cNvSpPr>
@@ -142,15 +142,15 @@
         </p:nvSpPr>
         <p:spPr>
           <a:xfrm>
-            <a:off x="1524000" y="1122363"/>
-            <a:ext cx="9144000" cy="2387600"/>
+            <a:off x="1165860" y="1646133"/>
+            <a:ext cx="13213080" cy="3501813"/>
           </a:xfrm>
         </p:spPr>
         <p:txBody>
           <a:bodyPr anchor="b"/>
           <a:lstStyle>
             <a:lvl1pPr algn="ctr">
-              <a:defRPr sz="6000"/>
+              <a:defRPr sz="8800"/>
             </a:lvl1pPr>
           </a:lstStyle>
           <a:p>
@@ -158,18 +158,13 @@
               <a:rPr lang="en-US"/>
               <a:t>Click to edit Master title style</a:t>
             </a:r>
-          </a:p>
-        </p:txBody>
-      </p:sp>
-      <p:sp>
-        <p:nvSpPr>
-          <p:cNvPr id="3" name="Subtitle 2">
-            <a:extLst>
-              <a:ext uri="{FF2B5EF4-FFF2-40B4-BE49-F238E27FC236}">
-                <a16:creationId xmlns:a16="http://schemas.microsoft.com/office/drawing/2014/main" id="{BFE72F09-C001-BB77-F6A8-05131E5E0FF2}"/>
-              </a:ext>
-            </a:extLst>
-          </p:cNvPr>
+            <a:endParaRPr lang="en-US" dirty="0"/>
+          </a:p>
+        </p:txBody>
+      </p:sp>
+      <p:sp>
+        <p:nvSpPr>
+          <p:cNvPr id="3" name="Subtitle 2"/>
           <p:cNvSpPr>
             <a:spLocks noGrp="1"/>
           </p:cNvSpPr>
@@ -179,8 +174,8 @@
         </p:nvSpPr>
         <p:spPr>
           <a:xfrm>
-            <a:off x="1524000" y="3602038"/>
-            <a:ext cx="9144000" cy="1655762"/>
+            <a:off x="1943100" y="5282989"/>
+            <a:ext cx="11658600" cy="2428451"/>
           </a:xfrm>
         </p:spPr>
         <p:txBody>
@@ -188,39 +183,39 @@
           <a:lstStyle>
             <a:lvl1pPr marL="0" indent="0" algn="ctr">
               <a:buNone/>
-              <a:defRPr sz="2400"/>
+              <a:defRPr sz="3520"/>
             </a:lvl1pPr>
-            <a:lvl2pPr marL="457200" indent="0" algn="ctr">
+            <a:lvl2pPr marL="670575" indent="0" algn="ctr">
               <a:buNone/>
-              <a:defRPr sz="2000"/>
+              <a:defRPr sz="2933"/>
             </a:lvl2pPr>
-            <a:lvl3pPr marL="914400" indent="0" algn="ctr">
+            <a:lvl3pPr marL="1341150" indent="0" algn="ctr">
               <a:buNone/>
-              <a:defRPr sz="1800"/>
+              <a:defRPr sz="2640"/>
             </a:lvl3pPr>
-            <a:lvl4pPr marL="1371600" indent="0" algn="ctr">
+            <a:lvl4pPr marL="2011726" indent="0" algn="ctr">
               <a:buNone/>
-              <a:defRPr sz="1600"/>
+              <a:defRPr sz="2347"/>
             </a:lvl4pPr>
-            <a:lvl5pPr marL="1828800" indent="0" algn="ctr">
+            <a:lvl5pPr marL="2682301" indent="0" algn="ctr">
               <a:buNone/>
-              <a:defRPr sz="1600"/>
+              <a:defRPr sz="2347"/>
             </a:lvl5pPr>
-            <a:lvl6pPr marL="2286000" indent="0" algn="ctr">
+            <a:lvl6pPr marL="3352876" indent="0" algn="ctr">
               <a:buNone/>
-              <a:defRPr sz="1600"/>
+              <a:defRPr sz="2347"/>
             </a:lvl6pPr>
-            <a:lvl7pPr marL="2743200" indent="0" algn="ctr">
+            <a:lvl7pPr marL="4023451" indent="0" algn="ctr">
               <a:buNone/>
-              <a:defRPr sz="1600"/>
+              <a:defRPr sz="2347"/>
             </a:lvl7pPr>
-            <a:lvl8pPr marL="3200400" indent="0" algn="ctr">
+            <a:lvl8pPr marL="4694027" indent="0" algn="ctr">
               <a:buNone/>
-              <a:defRPr sz="1600"/>
+              <a:defRPr sz="2347"/>
             </a:lvl8pPr>
-            <a:lvl9pPr marL="3657600" indent="0" algn="ctr">
+            <a:lvl9pPr marL="5364602" indent="0" algn="ctr">
               <a:buNone/>
-              <a:defRPr sz="1600"/>
+              <a:defRPr sz="2347"/>
             </a:lvl9pPr>
           </a:lstStyle>
           <a:p>
@@ -228,18 +223,13 @@
               <a:rPr lang="en-US"/>
               <a:t>Click to edit Master subtitle style</a:t>
             </a:r>
-          </a:p>
-        </p:txBody>
-      </p:sp>
-      <p:sp>
-        <p:nvSpPr>
-          <p:cNvPr id="4" name="Date Placeholder 3">
-            <a:extLst>
-              <a:ext uri="{FF2B5EF4-FFF2-40B4-BE49-F238E27FC236}">
-                <a16:creationId xmlns:a16="http://schemas.microsoft.com/office/drawing/2014/main" id="{E7955D2C-A01F-D604-03DF-60AFA042AED1}"/>
-              </a:ext>
-            </a:extLst>
-          </p:cNvPr>
+            <a:endParaRPr lang="en-US" dirty="0"/>
+          </a:p>
+        </p:txBody>
+      </p:sp>
+      <p:sp>
+        <p:nvSpPr>
+          <p:cNvPr id="4" name="Date Placeholder 3"/>
           <p:cNvSpPr>
             <a:spLocks noGrp="1"/>
           </p:cNvSpPr>
@@ -254,7 +244,7 @@
           <a:p>
             <a:fld id="{C5AA4219-73D4-4596-88D5-5D687887D893}" type="datetimeFigureOut">
               <a:rPr lang="en-US" smtClean="0"/>
-              <a:t>3/6/2023</a:t>
+              <a:t>4/29/2023</a:t>
             </a:fld>
             <a:endParaRPr lang="en-US"/>
           </a:p>
@@ -262,13 +252,7 @@
       </p:sp>
       <p:sp>
         <p:nvSpPr>
-          <p:cNvPr id="5" name="Footer Placeholder 4">
-            <a:extLst>
-              <a:ext uri="{FF2B5EF4-FFF2-40B4-BE49-F238E27FC236}">
-                <a16:creationId xmlns:a16="http://schemas.microsoft.com/office/drawing/2014/main" id="{BF845F2B-C385-E071-78B0-211ACB010E8B}"/>
-              </a:ext>
-            </a:extLst>
-          </p:cNvPr>
+          <p:cNvPr id="5" name="Footer Placeholder 4"/>
           <p:cNvSpPr>
             <a:spLocks noGrp="1"/>
           </p:cNvSpPr>
@@ -287,13 +271,7 @@
       </p:sp>
       <p:sp>
         <p:nvSpPr>
-          <p:cNvPr id="6" name="Slide Number Placeholder 5">
-            <a:extLst>
-              <a:ext uri="{FF2B5EF4-FFF2-40B4-BE49-F238E27FC236}">
-                <a16:creationId xmlns:a16="http://schemas.microsoft.com/office/drawing/2014/main" id="{5BD65B38-A0F5-7F92-14F2-30037623491E}"/>
-              </a:ext>
-            </a:extLst>
-          </p:cNvPr>
+          <p:cNvPr id="6" name="Slide Number Placeholder 5"/>
           <p:cNvSpPr>
             <a:spLocks noGrp="1"/>
           </p:cNvSpPr>
@@ -317,7 +295,7 @@
     </p:spTree>
     <p:extLst>
       <p:ext uri="{BB962C8B-B14F-4D97-AF65-F5344CB8AC3E}">
-        <p14:creationId xmlns:p14="http://schemas.microsoft.com/office/powerpoint/2010/main" val="3888915215"/>
+        <p14:creationId xmlns:p14="http://schemas.microsoft.com/office/powerpoint/2010/main" val="1032875799"/>
       </p:ext>
     </p:extLst>
   </p:cSld>
@@ -346,13 +324,7 @@
       </p:grpSpPr>
       <p:sp>
         <p:nvSpPr>
-          <p:cNvPr id="2" name="Title 1">
-            <a:extLst>
-              <a:ext uri="{FF2B5EF4-FFF2-40B4-BE49-F238E27FC236}">
-                <a16:creationId xmlns:a16="http://schemas.microsoft.com/office/drawing/2014/main" id="{7E9D61BB-493B-574B-57A0-2301FAA27041}"/>
-              </a:ext>
-            </a:extLst>
-          </p:cNvPr>
+          <p:cNvPr id="2" name="Title 1"/>
           <p:cNvSpPr>
             <a:spLocks noGrp="1"/>
           </p:cNvSpPr>
@@ -369,18 +341,13 @@
               <a:rPr lang="en-US"/>
               <a:t>Click to edit Master title style</a:t>
             </a:r>
-          </a:p>
-        </p:txBody>
-      </p:sp>
-      <p:sp>
-        <p:nvSpPr>
-          <p:cNvPr id="3" name="Vertical Text Placeholder 2">
-            <a:extLst>
-              <a:ext uri="{FF2B5EF4-FFF2-40B4-BE49-F238E27FC236}">
-                <a16:creationId xmlns:a16="http://schemas.microsoft.com/office/drawing/2014/main" id="{746F80F6-C180-6067-A489-CF6C15FE33EA}"/>
-              </a:ext>
-            </a:extLst>
-          </p:cNvPr>
+            <a:endParaRPr lang="en-US" dirty="0"/>
+          </a:p>
+        </p:txBody>
+      </p:sp>
+      <p:sp>
+        <p:nvSpPr>
+          <p:cNvPr id="3" name="Vertical Text Placeholder 2"/>
           <p:cNvSpPr>
             <a:spLocks noGrp="1"/>
           </p:cNvSpPr>
@@ -426,18 +393,13 @@
               <a:rPr lang="en-US"/>
               <a:t>Fifth level</a:t>
             </a:r>
-          </a:p>
-        </p:txBody>
-      </p:sp>
-      <p:sp>
-        <p:nvSpPr>
-          <p:cNvPr id="4" name="Date Placeholder 3">
-            <a:extLst>
-              <a:ext uri="{FF2B5EF4-FFF2-40B4-BE49-F238E27FC236}">
-                <a16:creationId xmlns:a16="http://schemas.microsoft.com/office/drawing/2014/main" id="{5FAF8C59-B98F-4768-0F59-5E0A4CA82A07}"/>
-              </a:ext>
-            </a:extLst>
-          </p:cNvPr>
+            <a:endParaRPr lang="en-US" dirty="0"/>
+          </a:p>
+        </p:txBody>
+      </p:sp>
+      <p:sp>
+        <p:nvSpPr>
+          <p:cNvPr id="4" name="Date Placeholder 3"/>
           <p:cNvSpPr>
             <a:spLocks noGrp="1"/>
           </p:cNvSpPr>
@@ -452,7 +414,7 @@
           <a:p>
             <a:fld id="{C5AA4219-73D4-4596-88D5-5D687887D893}" type="datetimeFigureOut">
               <a:rPr lang="en-US" smtClean="0"/>
-              <a:t>3/6/2023</a:t>
+              <a:t>4/29/2023</a:t>
             </a:fld>
             <a:endParaRPr lang="en-US"/>
           </a:p>
@@ -460,13 +422,7 @@
       </p:sp>
       <p:sp>
         <p:nvSpPr>
-          <p:cNvPr id="5" name="Footer Placeholder 4">
-            <a:extLst>
-              <a:ext uri="{FF2B5EF4-FFF2-40B4-BE49-F238E27FC236}">
-                <a16:creationId xmlns:a16="http://schemas.microsoft.com/office/drawing/2014/main" id="{15803795-36B3-A27C-E37B-25F40FB96AA2}"/>
-              </a:ext>
-            </a:extLst>
-          </p:cNvPr>
+          <p:cNvPr id="5" name="Footer Placeholder 4"/>
           <p:cNvSpPr>
             <a:spLocks noGrp="1"/>
           </p:cNvSpPr>
@@ -485,13 +441,7 @@
       </p:sp>
       <p:sp>
         <p:nvSpPr>
-          <p:cNvPr id="6" name="Slide Number Placeholder 5">
-            <a:extLst>
-              <a:ext uri="{FF2B5EF4-FFF2-40B4-BE49-F238E27FC236}">
-                <a16:creationId xmlns:a16="http://schemas.microsoft.com/office/drawing/2014/main" id="{96070157-517F-F272-FA72-481FC5538B1D}"/>
-              </a:ext>
-            </a:extLst>
-          </p:cNvPr>
+          <p:cNvPr id="6" name="Slide Number Placeholder 5"/>
           <p:cNvSpPr>
             <a:spLocks noGrp="1"/>
           </p:cNvSpPr>
@@ -515,7 +465,7 @@
     </p:spTree>
     <p:extLst>
       <p:ext uri="{BB962C8B-B14F-4D97-AF65-F5344CB8AC3E}">
-        <p14:creationId xmlns:p14="http://schemas.microsoft.com/office/powerpoint/2010/main" val="1690981508"/>
+        <p14:creationId xmlns:p14="http://schemas.microsoft.com/office/powerpoint/2010/main" val="793082124"/>
       </p:ext>
     </p:extLst>
   </p:cSld>
@@ -544,13 +494,7 @@
       </p:grpSpPr>
       <p:sp>
         <p:nvSpPr>
-          <p:cNvPr id="2" name="Vertical Title 1">
-            <a:extLst>
-              <a:ext uri="{FF2B5EF4-FFF2-40B4-BE49-F238E27FC236}">
-                <a16:creationId xmlns:a16="http://schemas.microsoft.com/office/drawing/2014/main" id="{0B1A7475-C849-41E4-A03E-DCAE3E02382E}"/>
-              </a:ext>
-            </a:extLst>
-          </p:cNvPr>
+          <p:cNvPr id="2" name="Vertical Title 1"/>
           <p:cNvSpPr>
             <a:spLocks noGrp="1"/>
           </p:cNvSpPr>
@@ -560,8 +504,8 @@
         </p:nvSpPr>
         <p:spPr>
           <a:xfrm>
-            <a:off x="8724900" y="365125"/>
-            <a:ext cx="2628900" cy="5811838"/>
+            <a:off x="11124248" y="535517"/>
+            <a:ext cx="3351848" cy="8524029"/>
           </a:xfrm>
         </p:spPr>
         <p:txBody>
@@ -572,18 +516,13 @@
               <a:rPr lang="en-US"/>
               <a:t>Click to edit Master title style</a:t>
             </a:r>
-          </a:p>
-        </p:txBody>
-      </p:sp>
-      <p:sp>
-        <p:nvSpPr>
-          <p:cNvPr id="3" name="Vertical Text Placeholder 2">
-            <a:extLst>
-              <a:ext uri="{FF2B5EF4-FFF2-40B4-BE49-F238E27FC236}">
-                <a16:creationId xmlns:a16="http://schemas.microsoft.com/office/drawing/2014/main" id="{A5D56396-86EB-5B84-F0FE-87C302DC2B30}"/>
-              </a:ext>
-            </a:extLst>
-          </p:cNvPr>
+            <a:endParaRPr lang="en-US" dirty="0"/>
+          </a:p>
+        </p:txBody>
+      </p:sp>
+      <p:sp>
+        <p:nvSpPr>
+          <p:cNvPr id="3" name="Vertical Text Placeholder 2"/>
           <p:cNvSpPr>
             <a:spLocks noGrp="1"/>
           </p:cNvSpPr>
@@ -593,8 +532,8 @@
         </p:nvSpPr>
         <p:spPr>
           <a:xfrm>
-            <a:off x="838200" y="365125"/>
-            <a:ext cx="7734300" cy="5811838"/>
+            <a:off x="1068706" y="535517"/>
+            <a:ext cx="9861233" cy="8524029"/>
           </a:xfrm>
         </p:spPr>
         <p:txBody>
@@ -634,18 +573,13 @@
               <a:rPr lang="en-US"/>
               <a:t>Fifth level</a:t>
             </a:r>
-          </a:p>
-        </p:txBody>
-      </p:sp>
-      <p:sp>
-        <p:nvSpPr>
-          <p:cNvPr id="4" name="Date Placeholder 3">
-            <a:extLst>
-              <a:ext uri="{FF2B5EF4-FFF2-40B4-BE49-F238E27FC236}">
-                <a16:creationId xmlns:a16="http://schemas.microsoft.com/office/drawing/2014/main" id="{BA2C5249-E322-94C6-C1AD-E0F84EA86DC4}"/>
-              </a:ext>
-            </a:extLst>
-          </p:cNvPr>
+            <a:endParaRPr lang="en-US" dirty="0"/>
+          </a:p>
+        </p:txBody>
+      </p:sp>
+      <p:sp>
+        <p:nvSpPr>
+          <p:cNvPr id="4" name="Date Placeholder 3"/>
           <p:cNvSpPr>
             <a:spLocks noGrp="1"/>
           </p:cNvSpPr>
@@ -660,7 +594,7 @@
           <a:p>
             <a:fld id="{C5AA4219-73D4-4596-88D5-5D687887D893}" type="datetimeFigureOut">
               <a:rPr lang="en-US" smtClean="0"/>
-              <a:t>3/6/2023</a:t>
+              <a:t>4/29/2023</a:t>
             </a:fld>
             <a:endParaRPr lang="en-US"/>
           </a:p>
@@ -668,13 +602,7 @@
       </p:sp>
       <p:sp>
         <p:nvSpPr>
-          <p:cNvPr id="5" name="Footer Placeholder 4">
-            <a:extLst>
-              <a:ext uri="{FF2B5EF4-FFF2-40B4-BE49-F238E27FC236}">
-                <a16:creationId xmlns:a16="http://schemas.microsoft.com/office/drawing/2014/main" id="{FBF55FC8-DE71-F7BE-9560-BA769B5D68B9}"/>
-              </a:ext>
-            </a:extLst>
-          </p:cNvPr>
+          <p:cNvPr id="5" name="Footer Placeholder 4"/>
           <p:cNvSpPr>
             <a:spLocks noGrp="1"/>
           </p:cNvSpPr>
@@ -693,13 +621,7 @@
       </p:sp>
       <p:sp>
         <p:nvSpPr>
-          <p:cNvPr id="6" name="Slide Number Placeholder 5">
-            <a:extLst>
-              <a:ext uri="{FF2B5EF4-FFF2-40B4-BE49-F238E27FC236}">
-                <a16:creationId xmlns:a16="http://schemas.microsoft.com/office/drawing/2014/main" id="{A3335C71-FEF8-943C-D8FF-5BE7F05B7BE0}"/>
-              </a:ext>
-            </a:extLst>
-          </p:cNvPr>
+          <p:cNvPr id="6" name="Slide Number Placeholder 5"/>
           <p:cNvSpPr>
             <a:spLocks noGrp="1"/>
           </p:cNvSpPr>
@@ -723,7 +645,7 @@
     </p:spTree>
     <p:extLst>
       <p:ext uri="{BB962C8B-B14F-4D97-AF65-F5344CB8AC3E}">
-        <p14:creationId xmlns:p14="http://schemas.microsoft.com/office/powerpoint/2010/main" val="2695240650"/>
+        <p14:creationId xmlns:p14="http://schemas.microsoft.com/office/powerpoint/2010/main" val="3891357505"/>
       </p:ext>
     </p:extLst>
   </p:cSld>
@@ -752,13 +674,7 @@
       </p:grpSpPr>
       <p:sp>
         <p:nvSpPr>
-          <p:cNvPr id="2" name="Title 1">
-            <a:extLst>
-              <a:ext uri="{FF2B5EF4-FFF2-40B4-BE49-F238E27FC236}">
-                <a16:creationId xmlns:a16="http://schemas.microsoft.com/office/drawing/2014/main" id="{C45393A4-33A5-F914-78E5-F7FF23170CBB}"/>
-              </a:ext>
-            </a:extLst>
-          </p:cNvPr>
+          <p:cNvPr id="2" name="Title 1"/>
           <p:cNvSpPr>
             <a:spLocks noGrp="1"/>
           </p:cNvSpPr>
@@ -775,18 +691,13 @@
               <a:rPr lang="en-US"/>
               <a:t>Click to edit Master title style</a:t>
             </a:r>
-          </a:p>
-        </p:txBody>
-      </p:sp>
-      <p:sp>
-        <p:nvSpPr>
-          <p:cNvPr id="3" name="Content Placeholder 2">
-            <a:extLst>
-              <a:ext uri="{FF2B5EF4-FFF2-40B4-BE49-F238E27FC236}">
-                <a16:creationId xmlns:a16="http://schemas.microsoft.com/office/drawing/2014/main" id="{6ED0A595-7DD8-4F9E-60C7-43C3687543C9}"/>
-              </a:ext>
-            </a:extLst>
-          </p:cNvPr>
+            <a:endParaRPr lang="en-US" dirty="0"/>
+          </a:p>
+        </p:txBody>
+      </p:sp>
+      <p:sp>
+        <p:nvSpPr>
+          <p:cNvPr id="3" name="Content Placeholder 2"/>
           <p:cNvSpPr>
             <a:spLocks noGrp="1"/>
           </p:cNvSpPr>
@@ -832,18 +743,13 @@
               <a:rPr lang="en-US"/>
               <a:t>Fifth level</a:t>
             </a:r>
-          </a:p>
-        </p:txBody>
-      </p:sp>
-      <p:sp>
-        <p:nvSpPr>
-          <p:cNvPr id="4" name="Date Placeholder 3">
-            <a:extLst>
-              <a:ext uri="{FF2B5EF4-FFF2-40B4-BE49-F238E27FC236}">
-                <a16:creationId xmlns:a16="http://schemas.microsoft.com/office/drawing/2014/main" id="{159697B4-ED59-2FA2-E1D5-5F3E7C49EF27}"/>
-              </a:ext>
-            </a:extLst>
-          </p:cNvPr>
+            <a:endParaRPr lang="en-US" dirty="0"/>
+          </a:p>
+        </p:txBody>
+      </p:sp>
+      <p:sp>
+        <p:nvSpPr>
+          <p:cNvPr id="4" name="Date Placeholder 3"/>
           <p:cNvSpPr>
             <a:spLocks noGrp="1"/>
           </p:cNvSpPr>
@@ -858,7 +764,7 @@
           <a:p>
             <a:fld id="{C5AA4219-73D4-4596-88D5-5D687887D893}" type="datetimeFigureOut">
               <a:rPr lang="en-US" smtClean="0"/>
-              <a:t>3/6/2023</a:t>
+              <a:t>4/29/2023</a:t>
             </a:fld>
             <a:endParaRPr lang="en-US"/>
           </a:p>
@@ -866,13 +772,7 @@
       </p:sp>
       <p:sp>
         <p:nvSpPr>
-          <p:cNvPr id="5" name="Footer Placeholder 4">
-            <a:extLst>
-              <a:ext uri="{FF2B5EF4-FFF2-40B4-BE49-F238E27FC236}">
-                <a16:creationId xmlns:a16="http://schemas.microsoft.com/office/drawing/2014/main" id="{A5963BEF-E404-F1E4-E85D-FC1DAC06D94E}"/>
-              </a:ext>
-            </a:extLst>
-          </p:cNvPr>
+          <p:cNvPr id="5" name="Footer Placeholder 4"/>
           <p:cNvSpPr>
             <a:spLocks noGrp="1"/>
           </p:cNvSpPr>
@@ -891,13 +791,7 @@
       </p:sp>
       <p:sp>
         <p:nvSpPr>
-          <p:cNvPr id="6" name="Slide Number Placeholder 5">
-            <a:extLst>
-              <a:ext uri="{FF2B5EF4-FFF2-40B4-BE49-F238E27FC236}">
-                <a16:creationId xmlns:a16="http://schemas.microsoft.com/office/drawing/2014/main" id="{F57CE049-015C-444C-4373-C0FDEB6F4F02}"/>
-              </a:ext>
-            </a:extLst>
-          </p:cNvPr>
+          <p:cNvPr id="6" name="Slide Number Placeholder 5"/>
           <p:cNvSpPr>
             <a:spLocks noGrp="1"/>
           </p:cNvSpPr>
@@ -921,7 +815,7 @@
     </p:spTree>
     <p:extLst>
       <p:ext uri="{BB962C8B-B14F-4D97-AF65-F5344CB8AC3E}">
-        <p14:creationId xmlns:p14="http://schemas.microsoft.com/office/powerpoint/2010/main" val="4102037220"/>
+        <p14:creationId xmlns:p14="http://schemas.microsoft.com/office/powerpoint/2010/main" val="2891531973"/>
       </p:ext>
     </p:extLst>
   </p:cSld>
@@ -950,13 +844,7 @@
       </p:grpSpPr>
       <p:sp>
         <p:nvSpPr>
-          <p:cNvPr id="2" name="Title 1">
-            <a:extLst>
-              <a:ext uri="{FF2B5EF4-FFF2-40B4-BE49-F238E27FC236}">
-                <a16:creationId xmlns:a16="http://schemas.microsoft.com/office/drawing/2014/main" id="{E3EC941E-3365-6333-4887-FD505CEE91FC}"/>
-              </a:ext>
-            </a:extLst>
-          </p:cNvPr>
+          <p:cNvPr id="2" name="Title 1"/>
           <p:cNvSpPr>
             <a:spLocks noGrp="1"/>
           </p:cNvSpPr>
@@ -966,15 +854,15 @@
         </p:nvSpPr>
         <p:spPr>
           <a:xfrm>
-            <a:off x="831850" y="1709738"/>
-            <a:ext cx="10515600" cy="2852737"/>
+            <a:off x="1060610" y="2507618"/>
+            <a:ext cx="13407390" cy="4184014"/>
           </a:xfrm>
         </p:spPr>
         <p:txBody>
           <a:bodyPr anchor="b"/>
           <a:lstStyle>
             <a:lvl1pPr>
-              <a:defRPr sz="6000"/>
+              <a:defRPr sz="8800"/>
             </a:lvl1pPr>
           </a:lstStyle>
           <a:p>
@@ -982,18 +870,13 @@
               <a:rPr lang="en-US"/>
               <a:t>Click to edit Master title style</a:t>
             </a:r>
-          </a:p>
-        </p:txBody>
-      </p:sp>
-      <p:sp>
-        <p:nvSpPr>
-          <p:cNvPr id="3" name="Text Placeholder 2">
-            <a:extLst>
-              <a:ext uri="{FF2B5EF4-FFF2-40B4-BE49-F238E27FC236}">
-                <a16:creationId xmlns:a16="http://schemas.microsoft.com/office/drawing/2014/main" id="{28693680-541B-874B-43E1-03C72B8F1AAD}"/>
-              </a:ext>
-            </a:extLst>
-          </p:cNvPr>
+            <a:endParaRPr lang="en-US" dirty="0"/>
+          </a:p>
+        </p:txBody>
+      </p:sp>
+      <p:sp>
+        <p:nvSpPr>
+          <p:cNvPr id="3" name="Text Placeholder 2"/>
           <p:cNvSpPr>
             <a:spLocks noGrp="1"/>
           </p:cNvSpPr>
@@ -1003,8 +886,8 @@
         </p:nvSpPr>
         <p:spPr>
           <a:xfrm>
-            <a:off x="831850" y="4589463"/>
-            <a:ext cx="10515600" cy="1500187"/>
+            <a:off x="1060610" y="6731215"/>
+            <a:ext cx="13407390" cy="2200274"/>
           </a:xfrm>
         </p:spPr>
         <p:txBody>
@@ -1012,17 +895,15 @@
           <a:lstStyle>
             <a:lvl1pPr marL="0" indent="0">
               <a:buNone/>
-              <a:defRPr sz="2400">
+              <a:defRPr sz="3520">
                 <a:solidFill>
-                  <a:schemeClr val="tx1">
-                    <a:tint val="75000"/>
-                  </a:schemeClr>
+                  <a:schemeClr val="tx1"/>
                 </a:solidFill>
               </a:defRPr>
             </a:lvl1pPr>
-            <a:lvl2pPr marL="457200" indent="0">
+            <a:lvl2pPr marL="670575" indent="0">
               <a:buNone/>
-              <a:defRPr sz="2000">
+              <a:defRPr sz="2933">
                 <a:solidFill>
                   <a:schemeClr val="tx1">
                     <a:tint val="75000"/>
@@ -1030,9 +911,9 @@
                 </a:solidFill>
               </a:defRPr>
             </a:lvl2pPr>
-            <a:lvl3pPr marL="914400" indent="0">
+            <a:lvl3pPr marL="1341150" indent="0">
               <a:buNone/>
-              <a:defRPr sz="1800">
+              <a:defRPr sz="2640">
                 <a:solidFill>
                   <a:schemeClr val="tx1">
                     <a:tint val="75000"/>
@@ -1040,9 +921,9 @@
                 </a:solidFill>
               </a:defRPr>
             </a:lvl3pPr>
-            <a:lvl4pPr marL="1371600" indent="0">
+            <a:lvl4pPr marL="2011726" indent="0">
               <a:buNone/>
-              <a:defRPr sz="1600">
+              <a:defRPr sz="2347">
                 <a:solidFill>
                   <a:schemeClr val="tx1">
                     <a:tint val="75000"/>
@@ -1050,9 +931,9 @@
                 </a:solidFill>
               </a:defRPr>
             </a:lvl4pPr>
-            <a:lvl5pPr marL="1828800" indent="0">
+            <a:lvl5pPr marL="2682301" indent="0">
               <a:buNone/>
-              <a:defRPr sz="1600">
+              <a:defRPr sz="2347">
                 <a:solidFill>
                   <a:schemeClr val="tx1">
                     <a:tint val="75000"/>
@@ -1060,9 +941,9 @@
                 </a:solidFill>
               </a:defRPr>
             </a:lvl5pPr>
-            <a:lvl6pPr marL="2286000" indent="0">
+            <a:lvl6pPr marL="3352876" indent="0">
               <a:buNone/>
-              <a:defRPr sz="1600">
+              <a:defRPr sz="2347">
                 <a:solidFill>
                   <a:schemeClr val="tx1">
                     <a:tint val="75000"/>
@@ -1070,9 +951,9 @@
                 </a:solidFill>
               </a:defRPr>
             </a:lvl6pPr>
-            <a:lvl7pPr marL="2743200" indent="0">
+            <a:lvl7pPr marL="4023451" indent="0">
               <a:buNone/>
-              <a:defRPr sz="1600">
+              <a:defRPr sz="2347">
                 <a:solidFill>
                   <a:schemeClr val="tx1">
                     <a:tint val="75000"/>
@@ -1080,9 +961,9 @@
                 </a:solidFill>
               </a:defRPr>
             </a:lvl7pPr>
-            <a:lvl8pPr marL="3200400" indent="0">
+            <a:lvl8pPr marL="4694027" indent="0">
               <a:buNone/>
-              <a:defRPr sz="1600">
+              <a:defRPr sz="2347">
                 <a:solidFill>
                   <a:schemeClr val="tx1">
                     <a:tint val="75000"/>
@@ -1090,9 +971,9 @@
                 </a:solidFill>
               </a:defRPr>
             </a:lvl8pPr>
-            <a:lvl9pPr marL="3657600" indent="0">
+            <a:lvl9pPr marL="5364602" indent="0">
               <a:buNone/>
-              <a:defRPr sz="1600">
+              <a:defRPr sz="2347">
                 <a:solidFill>
                   <a:schemeClr val="tx1">
                     <a:tint val="75000"/>
@@ -1112,13 +993,7 @@
       </p:sp>
       <p:sp>
         <p:nvSpPr>
-          <p:cNvPr id="4" name="Date Placeholder 3">
-            <a:extLst>
-              <a:ext uri="{FF2B5EF4-FFF2-40B4-BE49-F238E27FC236}">
-                <a16:creationId xmlns:a16="http://schemas.microsoft.com/office/drawing/2014/main" id="{3D78E371-E414-8D3B-052D-9E5D0E42D5F4}"/>
-              </a:ext>
-            </a:extLst>
-          </p:cNvPr>
+          <p:cNvPr id="4" name="Date Placeholder 3"/>
           <p:cNvSpPr>
             <a:spLocks noGrp="1"/>
           </p:cNvSpPr>
@@ -1133,7 +1008,7 @@
           <a:p>
             <a:fld id="{C5AA4219-73D4-4596-88D5-5D687887D893}" type="datetimeFigureOut">
               <a:rPr lang="en-US" smtClean="0"/>
-              <a:t>3/6/2023</a:t>
+              <a:t>4/29/2023</a:t>
             </a:fld>
             <a:endParaRPr lang="en-US"/>
           </a:p>
@@ -1141,13 +1016,7 @@
       </p:sp>
       <p:sp>
         <p:nvSpPr>
-          <p:cNvPr id="5" name="Footer Placeholder 4">
-            <a:extLst>
-              <a:ext uri="{FF2B5EF4-FFF2-40B4-BE49-F238E27FC236}">
-                <a16:creationId xmlns:a16="http://schemas.microsoft.com/office/drawing/2014/main" id="{DFFCD59B-0BCF-47BB-5228-1A49A05AEF43}"/>
-              </a:ext>
-            </a:extLst>
-          </p:cNvPr>
+          <p:cNvPr id="5" name="Footer Placeholder 4"/>
           <p:cNvSpPr>
             <a:spLocks noGrp="1"/>
           </p:cNvSpPr>
@@ -1166,13 +1035,7 @@
       </p:sp>
       <p:sp>
         <p:nvSpPr>
-          <p:cNvPr id="6" name="Slide Number Placeholder 5">
-            <a:extLst>
-              <a:ext uri="{FF2B5EF4-FFF2-40B4-BE49-F238E27FC236}">
-                <a16:creationId xmlns:a16="http://schemas.microsoft.com/office/drawing/2014/main" id="{FA9BD82D-A46C-7D76-98C9-0765F490740C}"/>
-              </a:ext>
-            </a:extLst>
-          </p:cNvPr>
+          <p:cNvPr id="6" name="Slide Number Placeholder 5"/>
           <p:cNvSpPr>
             <a:spLocks noGrp="1"/>
           </p:cNvSpPr>
@@ -1196,7 +1059,7 @@
     </p:spTree>
     <p:extLst>
       <p:ext uri="{BB962C8B-B14F-4D97-AF65-F5344CB8AC3E}">
-        <p14:creationId xmlns:p14="http://schemas.microsoft.com/office/powerpoint/2010/main" val="2715635556"/>
+        <p14:creationId xmlns:p14="http://schemas.microsoft.com/office/powerpoint/2010/main" val="3622524105"/>
       </p:ext>
     </p:extLst>
   </p:cSld>
@@ -1225,13 +1088,7 @@
       </p:grpSpPr>
       <p:sp>
         <p:nvSpPr>
-          <p:cNvPr id="2" name="Title 1">
-            <a:extLst>
-              <a:ext uri="{FF2B5EF4-FFF2-40B4-BE49-F238E27FC236}">
-                <a16:creationId xmlns:a16="http://schemas.microsoft.com/office/drawing/2014/main" id="{6922FE96-FF75-1E0A-EF1F-94E3E55C271B}"/>
-              </a:ext>
-            </a:extLst>
-          </p:cNvPr>
+          <p:cNvPr id="2" name="Title 1"/>
           <p:cNvSpPr>
             <a:spLocks noGrp="1"/>
           </p:cNvSpPr>
@@ -1248,18 +1105,13 @@
               <a:rPr lang="en-US"/>
               <a:t>Click to edit Master title style</a:t>
             </a:r>
-          </a:p>
-        </p:txBody>
-      </p:sp>
-      <p:sp>
-        <p:nvSpPr>
-          <p:cNvPr id="3" name="Content Placeholder 2">
-            <a:extLst>
-              <a:ext uri="{FF2B5EF4-FFF2-40B4-BE49-F238E27FC236}">
-                <a16:creationId xmlns:a16="http://schemas.microsoft.com/office/drawing/2014/main" id="{6D120A6E-8D36-1DE3-AA0F-A9A684222411}"/>
-              </a:ext>
-            </a:extLst>
-          </p:cNvPr>
+            <a:endParaRPr lang="en-US" dirty="0"/>
+          </a:p>
+        </p:txBody>
+      </p:sp>
+      <p:sp>
+        <p:nvSpPr>
+          <p:cNvPr id="3" name="Content Placeholder 2"/>
           <p:cNvSpPr>
             <a:spLocks noGrp="1"/>
           </p:cNvSpPr>
@@ -1269,8 +1121,8 @@
         </p:nvSpPr>
         <p:spPr>
           <a:xfrm>
-            <a:off x="838200" y="1825625"/>
-            <a:ext cx="5181600" cy="4351338"/>
+            <a:off x="1068705" y="2677584"/>
+            <a:ext cx="6606540" cy="6381962"/>
           </a:xfrm>
         </p:spPr>
         <p:txBody>
@@ -1310,18 +1162,13 @@
               <a:rPr lang="en-US"/>
               <a:t>Fifth level</a:t>
             </a:r>
-          </a:p>
-        </p:txBody>
-      </p:sp>
-      <p:sp>
-        <p:nvSpPr>
-          <p:cNvPr id="4" name="Content Placeholder 3">
-            <a:extLst>
-              <a:ext uri="{FF2B5EF4-FFF2-40B4-BE49-F238E27FC236}">
-                <a16:creationId xmlns:a16="http://schemas.microsoft.com/office/drawing/2014/main" id="{444FC18A-4E5A-66A7-44BC-41B89BCA363B}"/>
-              </a:ext>
-            </a:extLst>
-          </p:cNvPr>
+            <a:endParaRPr lang="en-US" dirty="0"/>
+          </a:p>
+        </p:txBody>
+      </p:sp>
+      <p:sp>
+        <p:nvSpPr>
+          <p:cNvPr id="4" name="Content Placeholder 3"/>
           <p:cNvSpPr>
             <a:spLocks noGrp="1"/>
           </p:cNvSpPr>
@@ -1331,8 +1178,8 @@
         </p:nvSpPr>
         <p:spPr>
           <a:xfrm>
-            <a:off x="6172200" y="1825625"/>
-            <a:ext cx="5181600" cy="4351338"/>
+            <a:off x="7869555" y="2677584"/>
+            <a:ext cx="6606540" cy="6381962"/>
           </a:xfrm>
         </p:spPr>
         <p:txBody>
@@ -1372,18 +1219,13 @@
               <a:rPr lang="en-US"/>
               <a:t>Fifth level</a:t>
             </a:r>
-          </a:p>
-        </p:txBody>
-      </p:sp>
-      <p:sp>
-        <p:nvSpPr>
-          <p:cNvPr id="5" name="Date Placeholder 4">
-            <a:extLst>
-              <a:ext uri="{FF2B5EF4-FFF2-40B4-BE49-F238E27FC236}">
-                <a16:creationId xmlns:a16="http://schemas.microsoft.com/office/drawing/2014/main" id="{CFB9F65B-372F-B66C-366F-C0ED4C6E417D}"/>
-              </a:ext>
-            </a:extLst>
-          </p:cNvPr>
+            <a:endParaRPr lang="en-US" dirty="0"/>
+          </a:p>
+        </p:txBody>
+      </p:sp>
+      <p:sp>
+        <p:nvSpPr>
+          <p:cNvPr id="5" name="Date Placeholder 4"/>
           <p:cNvSpPr>
             <a:spLocks noGrp="1"/>
           </p:cNvSpPr>
@@ -1398,7 +1240,7 @@
           <a:p>
             <a:fld id="{C5AA4219-73D4-4596-88D5-5D687887D893}" type="datetimeFigureOut">
               <a:rPr lang="en-US" smtClean="0"/>
-              <a:t>3/6/2023</a:t>
+              <a:t>4/29/2023</a:t>
             </a:fld>
             <a:endParaRPr lang="en-US"/>
           </a:p>
@@ -1406,13 +1248,7 @@
       </p:sp>
       <p:sp>
         <p:nvSpPr>
-          <p:cNvPr id="6" name="Footer Placeholder 5">
-            <a:extLst>
-              <a:ext uri="{FF2B5EF4-FFF2-40B4-BE49-F238E27FC236}">
-                <a16:creationId xmlns:a16="http://schemas.microsoft.com/office/drawing/2014/main" id="{A39BECC8-1C63-9E6E-B2C6-15EBA40D4A73}"/>
-              </a:ext>
-            </a:extLst>
-          </p:cNvPr>
+          <p:cNvPr id="6" name="Footer Placeholder 5"/>
           <p:cNvSpPr>
             <a:spLocks noGrp="1"/>
           </p:cNvSpPr>
@@ -1431,13 +1267,7 @@
       </p:sp>
       <p:sp>
         <p:nvSpPr>
-          <p:cNvPr id="7" name="Slide Number Placeholder 6">
-            <a:extLst>
-              <a:ext uri="{FF2B5EF4-FFF2-40B4-BE49-F238E27FC236}">
-                <a16:creationId xmlns:a16="http://schemas.microsoft.com/office/drawing/2014/main" id="{E5D3DE7A-F707-D1AB-7371-78FD9850F4F8}"/>
-              </a:ext>
-            </a:extLst>
-          </p:cNvPr>
+          <p:cNvPr id="7" name="Slide Number Placeholder 6"/>
           <p:cNvSpPr>
             <a:spLocks noGrp="1"/>
           </p:cNvSpPr>
@@ -1461,7 +1291,7 @@
     </p:spTree>
     <p:extLst>
       <p:ext uri="{BB962C8B-B14F-4D97-AF65-F5344CB8AC3E}">
-        <p14:creationId xmlns:p14="http://schemas.microsoft.com/office/powerpoint/2010/main" val="3149617371"/>
+        <p14:creationId xmlns:p14="http://schemas.microsoft.com/office/powerpoint/2010/main" val="1812378528"/>
       </p:ext>
     </p:extLst>
   </p:cSld>
@@ -1490,13 +1320,7 @@
       </p:grpSpPr>
       <p:sp>
         <p:nvSpPr>
-          <p:cNvPr id="2" name="Title 1">
-            <a:extLst>
-              <a:ext uri="{FF2B5EF4-FFF2-40B4-BE49-F238E27FC236}">
-                <a16:creationId xmlns:a16="http://schemas.microsoft.com/office/drawing/2014/main" id="{A4004C1C-B2B6-B7AC-4F59-6CA09936B103}"/>
-              </a:ext>
-            </a:extLst>
-          </p:cNvPr>
+          <p:cNvPr id="2" name="Title 1"/>
           <p:cNvSpPr>
             <a:spLocks noGrp="1"/>
           </p:cNvSpPr>
@@ -1506,8 +1330,8 @@
         </p:nvSpPr>
         <p:spPr>
           <a:xfrm>
-            <a:off x="839788" y="365125"/>
-            <a:ext cx="10515600" cy="1325563"/>
+            <a:off x="1070730" y="535519"/>
+            <a:ext cx="13407390" cy="1944159"/>
           </a:xfrm>
         </p:spPr>
         <p:txBody>
@@ -1518,18 +1342,13 @@
               <a:rPr lang="en-US"/>
               <a:t>Click to edit Master title style</a:t>
             </a:r>
-          </a:p>
-        </p:txBody>
-      </p:sp>
-      <p:sp>
-        <p:nvSpPr>
-          <p:cNvPr id="3" name="Text Placeholder 2">
-            <a:extLst>
-              <a:ext uri="{FF2B5EF4-FFF2-40B4-BE49-F238E27FC236}">
-                <a16:creationId xmlns:a16="http://schemas.microsoft.com/office/drawing/2014/main" id="{E27C83F5-C49C-7194-16F3-2152A36B9ED3}"/>
-              </a:ext>
-            </a:extLst>
-          </p:cNvPr>
+            <a:endParaRPr lang="en-US" dirty="0"/>
+          </a:p>
+        </p:txBody>
+      </p:sp>
+      <p:sp>
+        <p:nvSpPr>
+          <p:cNvPr id="3" name="Text Placeholder 2"/>
           <p:cNvSpPr>
             <a:spLocks noGrp="1"/>
           </p:cNvSpPr>
@@ -1539,8 +1358,8 @@
         </p:nvSpPr>
         <p:spPr>
           <a:xfrm>
-            <a:off x="839788" y="1681163"/>
-            <a:ext cx="5157787" cy="823912"/>
+            <a:off x="1070731" y="2465706"/>
+            <a:ext cx="6576178" cy="1208404"/>
           </a:xfrm>
         </p:spPr>
         <p:txBody>
@@ -1548,39 +1367,39 @@
           <a:lstStyle>
             <a:lvl1pPr marL="0" indent="0">
               <a:buNone/>
-              <a:defRPr sz="2400" b="1"/>
+              <a:defRPr sz="3520" b="1"/>
             </a:lvl1pPr>
-            <a:lvl2pPr marL="457200" indent="0">
+            <a:lvl2pPr marL="670575" indent="0">
               <a:buNone/>
-              <a:defRPr sz="2000" b="1"/>
+              <a:defRPr sz="2933" b="1"/>
             </a:lvl2pPr>
-            <a:lvl3pPr marL="914400" indent="0">
+            <a:lvl3pPr marL="1341150" indent="0">
               <a:buNone/>
-              <a:defRPr sz="1800" b="1"/>
+              <a:defRPr sz="2640" b="1"/>
             </a:lvl3pPr>
-            <a:lvl4pPr marL="1371600" indent="0">
+            <a:lvl4pPr marL="2011726" indent="0">
               <a:buNone/>
-              <a:defRPr sz="1600" b="1"/>
+              <a:defRPr sz="2347" b="1"/>
             </a:lvl4pPr>
-            <a:lvl5pPr marL="1828800" indent="0">
+            <a:lvl5pPr marL="2682301" indent="0">
               <a:buNone/>
-              <a:defRPr sz="1600" b="1"/>
+              <a:defRPr sz="2347" b="1"/>
             </a:lvl5pPr>
-            <a:lvl6pPr marL="2286000" indent="0">
+            <a:lvl6pPr marL="3352876" indent="0">
               <a:buNone/>
-              <a:defRPr sz="1600" b="1"/>
+              <a:defRPr sz="2347" b="1"/>
             </a:lvl6pPr>
-            <a:lvl7pPr marL="2743200" indent="0">
+            <a:lvl7pPr marL="4023451" indent="0">
               <a:buNone/>
-              <a:defRPr sz="1600" b="1"/>
+              <a:defRPr sz="2347" b="1"/>
             </a:lvl7pPr>
-            <a:lvl8pPr marL="3200400" indent="0">
+            <a:lvl8pPr marL="4694027" indent="0">
               <a:buNone/>
-              <a:defRPr sz="1600" b="1"/>
+              <a:defRPr sz="2347" b="1"/>
             </a:lvl8pPr>
-            <a:lvl9pPr marL="3657600" indent="0">
+            <a:lvl9pPr marL="5364602" indent="0">
               <a:buNone/>
-              <a:defRPr sz="1600" b="1"/>
+              <a:defRPr sz="2347" b="1"/>
             </a:lvl9pPr>
           </a:lstStyle>
           <a:p>
@@ -1594,13 +1413,7 @@
       </p:sp>
       <p:sp>
         <p:nvSpPr>
-          <p:cNvPr id="4" name="Content Placeholder 3">
-            <a:extLst>
-              <a:ext uri="{FF2B5EF4-FFF2-40B4-BE49-F238E27FC236}">
-                <a16:creationId xmlns:a16="http://schemas.microsoft.com/office/drawing/2014/main" id="{03C2E460-7D73-5DCD-87B5-8BD77D266FF8}"/>
-              </a:ext>
-            </a:extLst>
-          </p:cNvPr>
+          <p:cNvPr id="4" name="Content Placeholder 3"/>
           <p:cNvSpPr>
             <a:spLocks noGrp="1"/>
           </p:cNvSpPr>
@@ -1610,8 +1423,8 @@
         </p:nvSpPr>
         <p:spPr>
           <a:xfrm>
-            <a:off x="839788" y="2505075"/>
-            <a:ext cx="5157787" cy="3684588"/>
+            <a:off x="1070731" y="3674110"/>
+            <a:ext cx="6576178" cy="5404062"/>
           </a:xfrm>
         </p:spPr>
         <p:txBody>
@@ -1651,18 +1464,13 @@
               <a:rPr lang="en-US"/>
               <a:t>Fifth level</a:t>
             </a:r>
-          </a:p>
-        </p:txBody>
-      </p:sp>
-      <p:sp>
-        <p:nvSpPr>
-          <p:cNvPr id="5" name="Text Placeholder 4">
-            <a:extLst>
-              <a:ext uri="{FF2B5EF4-FFF2-40B4-BE49-F238E27FC236}">
-                <a16:creationId xmlns:a16="http://schemas.microsoft.com/office/drawing/2014/main" id="{E9D4B148-4F42-7C2F-2848-9416CD1FF35D}"/>
-              </a:ext>
-            </a:extLst>
-          </p:cNvPr>
+            <a:endParaRPr lang="en-US" dirty="0"/>
+          </a:p>
+        </p:txBody>
+      </p:sp>
+      <p:sp>
+        <p:nvSpPr>
+          <p:cNvPr id="5" name="Text Placeholder 4"/>
           <p:cNvSpPr>
             <a:spLocks noGrp="1"/>
           </p:cNvSpPr>
@@ -1672,8 +1480,8 @@
         </p:nvSpPr>
         <p:spPr>
           <a:xfrm>
-            <a:off x="6172200" y="1681163"/>
-            <a:ext cx="5183188" cy="823912"/>
+            <a:off x="7869556" y="2465706"/>
+            <a:ext cx="6608565" cy="1208404"/>
           </a:xfrm>
         </p:spPr>
         <p:txBody>
@@ -1681,39 +1489,39 @@
           <a:lstStyle>
             <a:lvl1pPr marL="0" indent="0">
               <a:buNone/>
-              <a:defRPr sz="2400" b="1"/>
+              <a:defRPr sz="3520" b="1"/>
             </a:lvl1pPr>
-            <a:lvl2pPr marL="457200" indent="0">
+            <a:lvl2pPr marL="670575" indent="0">
               <a:buNone/>
-              <a:defRPr sz="2000" b="1"/>
+              <a:defRPr sz="2933" b="1"/>
             </a:lvl2pPr>
-            <a:lvl3pPr marL="914400" indent="0">
+            <a:lvl3pPr marL="1341150" indent="0">
               <a:buNone/>
-              <a:defRPr sz="1800" b="1"/>
+              <a:defRPr sz="2640" b="1"/>
             </a:lvl3pPr>
-            <a:lvl4pPr marL="1371600" indent="0">
+            <a:lvl4pPr marL="2011726" indent="0">
               <a:buNone/>
-              <a:defRPr sz="1600" b="1"/>
+              <a:defRPr sz="2347" b="1"/>
             </a:lvl4pPr>
-            <a:lvl5pPr marL="1828800" indent="0">
+            <a:lvl5pPr marL="2682301" indent="0">
               <a:buNone/>
-              <a:defRPr sz="1600" b="1"/>
+              <a:defRPr sz="2347" b="1"/>
             </a:lvl5pPr>
-            <a:lvl6pPr marL="2286000" indent="0">
+            <a:lvl6pPr marL="3352876" indent="0">
               <a:buNone/>
-              <a:defRPr sz="1600" b="1"/>
+              <a:defRPr sz="2347" b="1"/>
             </a:lvl6pPr>
-            <a:lvl7pPr marL="2743200" indent="0">
+            <a:lvl7pPr marL="4023451" indent="0">
               <a:buNone/>
-              <a:defRPr sz="1600" b="1"/>
+              <a:defRPr sz="2347" b="1"/>
             </a:lvl7pPr>
-            <a:lvl8pPr marL="3200400" indent="0">
+            <a:lvl8pPr marL="4694027" indent="0">
               <a:buNone/>
-              <a:defRPr sz="1600" b="1"/>
+              <a:defRPr sz="2347" b="1"/>
             </a:lvl8pPr>
-            <a:lvl9pPr marL="3657600" indent="0">
+            <a:lvl9pPr marL="5364602" indent="0">
               <a:buNone/>
-              <a:defRPr sz="1600" b="1"/>
+              <a:defRPr sz="2347" b="1"/>
             </a:lvl9pPr>
           </a:lstStyle>
           <a:p>
@@ -1727,13 +1535,7 @@
       </p:sp>
       <p:sp>
         <p:nvSpPr>
-          <p:cNvPr id="6" name="Content Placeholder 5">
-            <a:extLst>
-              <a:ext uri="{FF2B5EF4-FFF2-40B4-BE49-F238E27FC236}">
-                <a16:creationId xmlns:a16="http://schemas.microsoft.com/office/drawing/2014/main" id="{543F5032-BD1D-9215-4139-768B5A882531}"/>
-              </a:ext>
-            </a:extLst>
-          </p:cNvPr>
+          <p:cNvPr id="6" name="Content Placeholder 5"/>
           <p:cNvSpPr>
             <a:spLocks noGrp="1"/>
           </p:cNvSpPr>
@@ -1743,8 +1545,8 @@
         </p:nvSpPr>
         <p:spPr>
           <a:xfrm>
-            <a:off x="6172200" y="2505075"/>
-            <a:ext cx="5183188" cy="3684588"/>
+            <a:off x="7869556" y="3674110"/>
+            <a:ext cx="6608565" cy="5404062"/>
           </a:xfrm>
         </p:spPr>
         <p:txBody>
@@ -1784,18 +1586,13 @@
               <a:rPr lang="en-US"/>
               <a:t>Fifth level</a:t>
             </a:r>
-          </a:p>
-        </p:txBody>
-      </p:sp>
-      <p:sp>
-        <p:nvSpPr>
-          <p:cNvPr id="7" name="Date Placeholder 6">
-            <a:extLst>
-              <a:ext uri="{FF2B5EF4-FFF2-40B4-BE49-F238E27FC236}">
-                <a16:creationId xmlns:a16="http://schemas.microsoft.com/office/drawing/2014/main" id="{8014395C-7E8E-2A40-E12E-5352D6968715}"/>
-              </a:ext>
-            </a:extLst>
-          </p:cNvPr>
+            <a:endParaRPr lang="en-US" dirty="0"/>
+          </a:p>
+        </p:txBody>
+      </p:sp>
+      <p:sp>
+        <p:nvSpPr>
+          <p:cNvPr id="7" name="Date Placeholder 6"/>
           <p:cNvSpPr>
             <a:spLocks noGrp="1"/>
           </p:cNvSpPr>
@@ -1810,7 +1607,7 @@
           <a:p>
             <a:fld id="{C5AA4219-73D4-4596-88D5-5D687887D893}" type="datetimeFigureOut">
               <a:rPr lang="en-US" smtClean="0"/>
-              <a:t>3/6/2023</a:t>
+              <a:t>4/29/2023</a:t>
             </a:fld>
             <a:endParaRPr lang="en-US"/>
           </a:p>
@@ -1818,13 +1615,7 @@
       </p:sp>
       <p:sp>
         <p:nvSpPr>
-          <p:cNvPr id="8" name="Footer Placeholder 7">
-            <a:extLst>
-              <a:ext uri="{FF2B5EF4-FFF2-40B4-BE49-F238E27FC236}">
-                <a16:creationId xmlns:a16="http://schemas.microsoft.com/office/drawing/2014/main" id="{40395AED-7B35-7D37-15C0-1D6361DE2066}"/>
-              </a:ext>
-            </a:extLst>
-          </p:cNvPr>
+          <p:cNvPr id="8" name="Footer Placeholder 7"/>
           <p:cNvSpPr>
             <a:spLocks noGrp="1"/>
           </p:cNvSpPr>
@@ -1843,13 +1634,7 @@
       </p:sp>
       <p:sp>
         <p:nvSpPr>
-          <p:cNvPr id="9" name="Slide Number Placeholder 8">
-            <a:extLst>
-              <a:ext uri="{FF2B5EF4-FFF2-40B4-BE49-F238E27FC236}">
-                <a16:creationId xmlns:a16="http://schemas.microsoft.com/office/drawing/2014/main" id="{FD012D8C-63FD-B1EC-21DA-88E114E532AC}"/>
-              </a:ext>
-            </a:extLst>
-          </p:cNvPr>
+          <p:cNvPr id="9" name="Slide Number Placeholder 8"/>
           <p:cNvSpPr>
             <a:spLocks noGrp="1"/>
           </p:cNvSpPr>
@@ -1873,7 +1658,7 @@
     </p:spTree>
     <p:extLst>
       <p:ext uri="{BB962C8B-B14F-4D97-AF65-F5344CB8AC3E}">
-        <p14:creationId xmlns:p14="http://schemas.microsoft.com/office/powerpoint/2010/main" val="2433792021"/>
+        <p14:creationId xmlns:p14="http://schemas.microsoft.com/office/powerpoint/2010/main" val="4011233573"/>
       </p:ext>
     </p:extLst>
   </p:cSld>
@@ -1902,13 +1687,7 @@
       </p:grpSpPr>
       <p:sp>
         <p:nvSpPr>
-          <p:cNvPr id="2" name="Title 1">
-            <a:extLst>
-              <a:ext uri="{FF2B5EF4-FFF2-40B4-BE49-F238E27FC236}">
-                <a16:creationId xmlns:a16="http://schemas.microsoft.com/office/drawing/2014/main" id="{E1F118AB-8BBB-3FFA-E0DE-15C4FD07A1BE}"/>
-              </a:ext>
-            </a:extLst>
-          </p:cNvPr>
+          <p:cNvPr id="2" name="Title 1"/>
           <p:cNvSpPr>
             <a:spLocks noGrp="1"/>
           </p:cNvSpPr>
@@ -1925,18 +1704,13 @@
               <a:rPr lang="en-US"/>
               <a:t>Click to edit Master title style</a:t>
             </a:r>
-          </a:p>
-        </p:txBody>
-      </p:sp>
-      <p:sp>
-        <p:nvSpPr>
-          <p:cNvPr id="3" name="Date Placeholder 2">
-            <a:extLst>
-              <a:ext uri="{FF2B5EF4-FFF2-40B4-BE49-F238E27FC236}">
-                <a16:creationId xmlns:a16="http://schemas.microsoft.com/office/drawing/2014/main" id="{F343CDE1-F5E3-F577-9CA2-71542FF06E17}"/>
-              </a:ext>
-            </a:extLst>
-          </p:cNvPr>
+            <a:endParaRPr lang="en-US" dirty="0"/>
+          </a:p>
+        </p:txBody>
+      </p:sp>
+      <p:sp>
+        <p:nvSpPr>
+          <p:cNvPr id="3" name="Date Placeholder 2"/>
           <p:cNvSpPr>
             <a:spLocks noGrp="1"/>
           </p:cNvSpPr>
@@ -1951,7 +1725,7 @@
           <a:p>
             <a:fld id="{C5AA4219-73D4-4596-88D5-5D687887D893}" type="datetimeFigureOut">
               <a:rPr lang="en-US" smtClean="0"/>
-              <a:t>3/6/2023</a:t>
+              <a:t>4/29/2023</a:t>
             </a:fld>
             <a:endParaRPr lang="en-US"/>
           </a:p>
@@ -1959,13 +1733,7 @@
       </p:sp>
       <p:sp>
         <p:nvSpPr>
-          <p:cNvPr id="4" name="Footer Placeholder 3">
-            <a:extLst>
-              <a:ext uri="{FF2B5EF4-FFF2-40B4-BE49-F238E27FC236}">
-                <a16:creationId xmlns:a16="http://schemas.microsoft.com/office/drawing/2014/main" id="{786C91BC-BB7B-4389-8D49-7AC93D4B74FB}"/>
-              </a:ext>
-            </a:extLst>
-          </p:cNvPr>
+          <p:cNvPr id="4" name="Footer Placeholder 3"/>
           <p:cNvSpPr>
             <a:spLocks noGrp="1"/>
           </p:cNvSpPr>
@@ -1984,13 +1752,7 @@
       </p:sp>
       <p:sp>
         <p:nvSpPr>
-          <p:cNvPr id="5" name="Slide Number Placeholder 4">
-            <a:extLst>
-              <a:ext uri="{FF2B5EF4-FFF2-40B4-BE49-F238E27FC236}">
-                <a16:creationId xmlns:a16="http://schemas.microsoft.com/office/drawing/2014/main" id="{CE3CD640-97BE-5356-67D3-DC1FE05D6F05}"/>
-              </a:ext>
-            </a:extLst>
-          </p:cNvPr>
+          <p:cNvPr id="5" name="Slide Number Placeholder 4"/>
           <p:cNvSpPr>
             <a:spLocks noGrp="1"/>
           </p:cNvSpPr>
@@ -2014,7 +1776,7 @@
     </p:spTree>
     <p:extLst>
       <p:ext uri="{BB962C8B-B14F-4D97-AF65-F5344CB8AC3E}">
-        <p14:creationId xmlns:p14="http://schemas.microsoft.com/office/powerpoint/2010/main" val="2377802177"/>
+        <p14:creationId xmlns:p14="http://schemas.microsoft.com/office/powerpoint/2010/main" val="2914460610"/>
       </p:ext>
     </p:extLst>
   </p:cSld>
@@ -2043,13 +1805,7 @@
       </p:grpSpPr>
       <p:sp>
         <p:nvSpPr>
-          <p:cNvPr id="2" name="Date Placeholder 1">
-            <a:extLst>
-              <a:ext uri="{FF2B5EF4-FFF2-40B4-BE49-F238E27FC236}">
-                <a16:creationId xmlns:a16="http://schemas.microsoft.com/office/drawing/2014/main" id="{808F8E23-813B-EF5A-D53C-1E57EE0EF38D}"/>
-              </a:ext>
-            </a:extLst>
-          </p:cNvPr>
+          <p:cNvPr id="2" name="Date Placeholder 1"/>
           <p:cNvSpPr>
             <a:spLocks noGrp="1"/>
           </p:cNvSpPr>
@@ -2064,7 +1820,7 @@
           <a:p>
             <a:fld id="{C5AA4219-73D4-4596-88D5-5D687887D893}" type="datetimeFigureOut">
               <a:rPr lang="en-US" smtClean="0"/>
-              <a:t>3/6/2023</a:t>
+              <a:t>4/29/2023</a:t>
             </a:fld>
             <a:endParaRPr lang="en-US"/>
           </a:p>
@@ -2072,13 +1828,7 @@
       </p:sp>
       <p:sp>
         <p:nvSpPr>
-          <p:cNvPr id="3" name="Footer Placeholder 2">
-            <a:extLst>
-              <a:ext uri="{FF2B5EF4-FFF2-40B4-BE49-F238E27FC236}">
-                <a16:creationId xmlns:a16="http://schemas.microsoft.com/office/drawing/2014/main" id="{09654B3D-B26D-E60A-57DD-79FB0D6CFA90}"/>
-              </a:ext>
-            </a:extLst>
-          </p:cNvPr>
+          <p:cNvPr id="3" name="Footer Placeholder 2"/>
           <p:cNvSpPr>
             <a:spLocks noGrp="1"/>
           </p:cNvSpPr>
@@ -2097,13 +1847,7 @@
       </p:sp>
       <p:sp>
         <p:nvSpPr>
-          <p:cNvPr id="4" name="Slide Number Placeholder 3">
-            <a:extLst>
-              <a:ext uri="{FF2B5EF4-FFF2-40B4-BE49-F238E27FC236}">
-                <a16:creationId xmlns:a16="http://schemas.microsoft.com/office/drawing/2014/main" id="{2A68E04A-4E4B-0536-B176-1DEA3AB1DDCA}"/>
-              </a:ext>
-            </a:extLst>
-          </p:cNvPr>
+          <p:cNvPr id="4" name="Slide Number Placeholder 3"/>
           <p:cNvSpPr>
             <a:spLocks noGrp="1"/>
           </p:cNvSpPr>
@@ -2127,7 +1871,7 @@
     </p:spTree>
     <p:extLst>
       <p:ext uri="{BB962C8B-B14F-4D97-AF65-F5344CB8AC3E}">
-        <p14:creationId xmlns:p14="http://schemas.microsoft.com/office/powerpoint/2010/main" val="423223762"/>
+        <p14:creationId xmlns:p14="http://schemas.microsoft.com/office/powerpoint/2010/main" val="124541210"/>
       </p:ext>
     </p:extLst>
   </p:cSld>
@@ -2156,13 +1900,7 @@
       </p:grpSpPr>
       <p:sp>
         <p:nvSpPr>
-          <p:cNvPr id="2" name="Title 1">
-            <a:extLst>
-              <a:ext uri="{FF2B5EF4-FFF2-40B4-BE49-F238E27FC236}">
-                <a16:creationId xmlns:a16="http://schemas.microsoft.com/office/drawing/2014/main" id="{E2A96F03-9A82-56E1-A83B-4913995420CF}"/>
-              </a:ext>
-            </a:extLst>
-          </p:cNvPr>
+          <p:cNvPr id="2" name="Title 1"/>
           <p:cNvSpPr>
             <a:spLocks noGrp="1"/>
           </p:cNvSpPr>
@@ -2172,15 +1910,15 @@
         </p:nvSpPr>
         <p:spPr>
           <a:xfrm>
-            <a:off x="839788" y="457200"/>
-            <a:ext cx="3932237" cy="1600200"/>
+            <a:off x="1070730" y="670560"/>
+            <a:ext cx="5013603" cy="2346960"/>
           </a:xfrm>
         </p:spPr>
         <p:txBody>
           <a:bodyPr anchor="b"/>
           <a:lstStyle>
             <a:lvl1pPr>
-              <a:defRPr sz="3200"/>
+              <a:defRPr sz="4693"/>
             </a:lvl1pPr>
           </a:lstStyle>
           <a:p>
@@ -2188,18 +1926,13 @@
               <a:rPr lang="en-US"/>
               <a:t>Click to edit Master title style</a:t>
             </a:r>
-          </a:p>
-        </p:txBody>
-      </p:sp>
-      <p:sp>
-        <p:nvSpPr>
-          <p:cNvPr id="3" name="Content Placeholder 2">
-            <a:extLst>
-              <a:ext uri="{FF2B5EF4-FFF2-40B4-BE49-F238E27FC236}">
-                <a16:creationId xmlns:a16="http://schemas.microsoft.com/office/drawing/2014/main" id="{713DD879-6C62-3505-9950-3E2E691F1784}"/>
-              </a:ext>
-            </a:extLst>
-          </p:cNvPr>
+            <a:endParaRPr lang="en-US" dirty="0"/>
+          </a:p>
+        </p:txBody>
+      </p:sp>
+      <p:sp>
+        <p:nvSpPr>
+          <p:cNvPr id="3" name="Content Placeholder 2"/>
           <p:cNvSpPr>
             <a:spLocks noGrp="1"/>
           </p:cNvSpPr>
@@ -2209,39 +1942,39 @@
         </p:nvSpPr>
         <p:spPr>
           <a:xfrm>
-            <a:off x="5183188" y="987425"/>
-            <a:ext cx="6172200" cy="4873625"/>
+            <a:off x="6608565" y="1448226"/>
+            <a:ext cx="7869555" cy="7147983"/>
           </a:xfrm>
         </p:spPr>
         <p:txBody>
           <a:bodyPr/>
           <a:lstStyle>
             <a:lvl1pPr>
-              <a:defRPr sz="3200"/>
+              <a:defRPr sz="4693"/>
             </a:lvl1pPr>
             <a:lvl2pPr>
-              <a:defRPr sz="2800"/>
+              <a:defRPr sz="4107"/>
             </a:lvl2pPr>
             <a:lvl3pPr>
-              <a:defRPr sz="2400"/>
+              <a:defRPr sz="3520"/>
             </a:lvl3pPr>
             <a:lvl4pPr>
-              <a:defRPr sz="2000"/>
+              <a:defRPr sz="2933"/>
             </a:lvl4pPr>
             <a:lvl5pPr>
-              <a:defRPr sz="2000"/>
+              <a:defRPr sz="2933"/>
             </a:lvl5pPr>
             <a:lvl6pPr>
-              <a:defRPr sz="2000"/>
+              <a:defRPr sz="2933"/>
             </a:lvl6pPr>
             <a:lvl7pPr>
-              <a:defRPr sz="2000"/>
+              <a:defRPr sz="2933"/>
             </a:lvl7pPr>
             <a:lvl8pPr>
-              <a:defRPr sz="2000"/>
+              <a:defRPr sz="2933"/>
             </a:lvl8pPr>
             <a:lvl9pPr>
-              <a:defRPr sz="2000"/>
+              <a:defRPr sz="2933"/>
             </a:lvl9pPr>
           </a:lstStyle>
           <a:p>
@@ -2278,18 +2011,13 @@
               <a:rPr lang="en-US"/>
               <a:t>Fifth level</a:t>
             </a:r>
-          </a:p>
-        </p:txBody>
-      </p:sp>
-      <p:sp>
-        <p:nvSpPr>
-          <p:cNvPr id="4" name="Text Placeholder 3">
-            <a:extLst>
-              <a:ext uri="{FF2B5EF4-FFF2-40B4-BE49-F238E27FC236}">
-                <a16:creationId xmlns:a16="http://schemas.microsoft.com/office/drawing/2014/main" id="{009A2DAA-7594-F908-5993-8A72C69C92BB}"/>
-              </a:ext>
-            </a:extLst>
-          </p:cNvPr>
+            <a:endParaRPr lang="en-US" dirty="0"/>
+          </a:p>
+        </p:txBody>
+      </p:sp>
+      <p:sp>
+        <p:nvSpPr>
+          <p:cNvPr id="4" name="Text Placeholder 3"/>
           <p:cNvSpPr>
             <a:spLocks noGrp="1"/>
           </p:cNvSpPr>
@@ -2299,8 +2027,8 @@
         </p:nvSpPr>
         <p:spPr>
           <a:xfrm>
-            <a:off x="839788" y="2057400"/>
-            <a:ext cx="3932237" cy="3811588"/>
+            <a:off x="1070730" y="3017520"/>
+            <a:ext cx="5013603" cy="5590329"/>
           </a:xfrm>
         </p:spPr>
         <p:txBody>
@@ -2308,39 +2036,39 @@
           <a:lstStyle>
             <a:lvl1pPr marL="0" indent="0">
               <a:buNone/>
-              <a:defRPr sz="1600"/>
+              <a:defRPr sz="2347"/>
             </a:lvl1pPr>
-            <a:lvl2pPr marL="457200" indent="0">
+            <a:lvl2pPr marL="670575" indent="0">
               <a:buNone/>
-              <a:defRPr sz="1400"/>
+              <a:defRPr sz="2053"/>
             </a:lvl2pPr>
-            <a:lvl3pPr marL="914400" indent="0">
+            <a:lvl3pPr marL="1341150" indent="0">
               <a:buNone/>
-              <a:defRPr sz="1200"/>
+              <a:defRPr sz="1760"/>
             </a:lvl3pPr>
-            <a:lvl4pPr marL="1371600" indent="0">
+            <a:lvl4pPr marL="2011726" indent="0">
               <a:buNone/>
-              <a:defRPr sz="1000"/>
+              <a:defRPr sz="1467"/>
             </a:lvl4pPr>
-            <a:lvl5pPr marL="1828800" indent="0">
+            <a:lvl5pPr marL="2682301" indent="0">
               <a:buNone/>
-              <a:defRPr sz="1000"/>
+              <a:defRPr sz="1467"/>
             </a:lvl5pPr>
-            <a:lvl6pPr marL="2286000" indent="0">
+            <a:lvl6pPr marL="3352876" indent="0">
               <a:buNone/>
-              <a:defRPr sz="1000"/>
+              <a:defRPr sz="1467"/>
             </a:lvl6pPr>
-            <a:lvl7pPr marL="2743200" indent="0">
+            <a:lvl7pPr marL="4023451" indent="0">
               <a:buNone/>
-              <a:defRPr sz="1000"/>
+              <a:defRPr sz="1467"/>
             </a:lvl7pPr>
-            <a:lvl8pPr marL="3200400" indent="0">
+            <a:lvl8pPr marL="4694027" indent="0">
               <a:buNone/>
-              <a:defRPr sz="1000"/>
+              <a:defRPr sz="1467"/>
             </a:lvl8pPr>
-            <a:lvl9pPr marL="3657600" indent="0">
+            <a:lvl9pPr marL="5364602" indent="0">
               <a:buNone/>
-              <a:defRPr sz="1000"/>
+              <a:defRPr sz="1467"/>
             </a:lvl9pPr>
           </a:lstStyle>
           <a:p>
@@ -2354,13 +2082,7 @@
       </p:sp>
       <p:sp>
         <p:nvSpPr>
-          <p:cNvPr id="5" name="Date Placeholder 4">
-            <a:extLst>
-              <a:ext uri="{FF2B5EF4-FFF2-40B4-BE49-F238E27FC236}">
-                <a16:creationId xmlns:a16="http://schemas.microsoft.com/office/drawing/2014/main" id="{50393956-F353-3BE2-6B55-9C95C825A5D2}"/>
-              </a:ext>
-            </a:extLst>
-          </p:cNvPr>
+          <p:cNvPr id="5" name="Date Placeholder 4"/>
           <p:cNvSpPr>
             <a:spLocks noGrp="1"/>
           </p:cNvSpPr>
@@ -2375,7 +2097,7 @@
           <a:p>
             <a:fld id="{C5AA4219-73D4-4596-88D5-5D687887D893}" type="datetimeFigureOut">
               <a:rPr lang="en-US" smtClean="0"/>
-              <a:t>3/6/2023</a:t>
+              <a:t>4/29/2023</a:t>
             </a:fld>
             <a:endParaRPr lang="en-US"/>
           </a:p>
@@ -2383,13 +2105,7 @@
       </p:sp>
       <p:sp>
         <p:nvSpPr>
-          <p:cNvPr id="6" name="Footer Placeholder 5">
-            <a:extLst>
-              <a:ext uri="{FF2B5EF4-FFF2-40B4-BE49-F238E27FC236}">
-                <a16:creationId xmlns:a16="http://schemas.microsoft.com/office/drawing/2014/main" id="{ED4899CA-BB06-5BBB-452F-533B76637E1E}"/>
-              </a:ext>
-            </a:extLst>
-          </p:cNvPr>
+          <p:cNvPr id="6" name="Footer Placeholder 5"/>
           <p:cNvSpPr>
             <a:spLocks noGrp="1"/>
           </p:cNvSpPr>
@@ -2408,13 +2124,7 @@
       </p:sp>
       <p:sp>
         <p:nvSpPr>
-          <p:cNvPr id="7" name="Slide Number Placeholder 6">
-            <a:extLst>
-              <a:ext uri="{FF2B5EF4-FFF2-40B4-BE49-F238E27FC236}">
-                <a16:creationId xmlns:a16="http://schemas.microsoft.com/office/drawing/2014/main" id="{D3F92054-268A-C8EB-EFCF-18CBB88660BD}"/>
-              </a:ext>
-            </a:extLst>
-          </p:cNvPr>
+          <p:cNvPr id="7" name="Slide Number Placeholder 6"/>
           <p:cNvSpPr>
             <a:spLocks noGrp="1"/>
           </p:cNvSpPr>
@@ -2438,7 +2148,7 @@
     </p:spTree>
     <p:extLst>
       <p:ext uri="{BB962C8B-B14F-4D97-AF65-F5344CB8AC3E}">
-        <p14:creationId xmlns:p14="http://schemas.microsoft.com/office/powerpoint/2010/main" val="3956267428"/>
+        <p14:creationId xmlns:p14="http://schemas.microsoft.com/office/powerpoint/2010/main" val="4192216350"/>
       </p:ext>
     </p:extLst>
   </p:cSld>
@@ -2467,13 +2177,7 @@
       </p:grpSpPr>
       <p:sp>
         <p:nvSpPr>
-          <p:cNvPr id="2" name="Title 1">
-            <a:extLst>
-              <a:ext uri="{FF2B5EF4-FFF2-40B4-BE49-F238E27FC236}">
-                <a16:creationId xmlns:a16="http://schemas.microsoft.com/office/drawing/2014/main" id="{F4DA505B-FDC8-4E4D-6BC8-C58527D84149}"/>
-              </a:ext>
-            </a:extLst>
-          </p:cNvPr>
+          <p:cNvPr id="2" name="Title 1"/>
           <p:cNvSpPr>
             <a:spLocks noGrp="1"/>
           </p:cNvSpPr>
@@ -2483,15 +2187,15 @@
         </p:nvSpPr>
         <p:spPr>
           <a:xfrm>
-            <a:off x="839788" y="457200"/>
-            <a:ext cx="3932237" cy="1600200"/>
+            <a:off x="1070730" y="670560"/>
+            <a:ext cx="5013603" cy="2346960"/>
           </a:xfrm>
         </p:spPr>
         <p:txBody>
           <a:bodyPr anchor="b"/>
           <a:lstStyle>
             <a:lvl1pPr>
-              <a:defRPr sz="3200"/>
+              <a:defRPr sz="4693"/>
             </a:lvl1pPr>
           </a:lstStyle>
           <a:p>
@@ -2499,20 +2203,15 @@
               <a:rPr lang="en-US"/>
               <a:t>Click to edit Master title style</a:t>
             </a:r>
-          </a:p>
-        </p:txBody>
-      </p:sp>
-      <p:sp>
-        <p:nvSpPr>
-          <p:cNvPr id="3" name="Picture Placeholder 2">
-            <a:extLst>
-              <a:ext uri="{FF2B5EF4-FFF2-40B4-BE49-F238E27FC236}">
-                <a16:creationId xmlns:a16="http://schemas.microsoft.com/office/drawing/2014/main" id="{C2BB338B-FD53-5F15-CE18-8E24C2D5F9D2}"/>
-              </a:ext>
-            </a:extLst>
-          </p:cNvPr>
-          <p:cNvSpPr>
-            <a:spLocks noGrp="1"/>
+            <a:endParaRPr lang="en-US" dirty="0"/>
+          </a:p>
+        </p:txBody>
+      </p:sp>
+      <p:sp>
+        <p:nvSpPr>
+          <p:cNvPr id="3" name="Picture Placeholder 2"/>
+          <p:cNvSpPr>
+            <a:spLocks noGrp="1" noChangeAspect="1"/>
           </p:cNvSpPr>
           <p:nvPr>
             <p:ph type="pic" idx="1"/>
@@ -2520,8 +2219,73 @@
         </p:nvSpPr>
         <p:spPr>
           <a:xfrm>
-            <a:off x="5183188" y="987425"/>
-            <a:ext cx="6172200" cy="4873625"/>
+            <a:off x="6608565" y="1448226"/>
+            <a:ext cx="7869555" cy="7147983"/>
+          </a:xfrm>
+        </p:spPr>
+        <p:txBody>
+          <a:bodyPr anchor="t"/>
+          <a:lstStyle>
+            <a:lvl1pPr marL="0" indent="0">
+              <a:buNone/>
+              <a:defRPr sz="4693"/>
+            </a:lvl1pPr>
+            <a:lvl2pPr marL="670575" indent="0">
+              <a:buNone/>
+              <a:defRPr sz="4107"/>
+            </a:lvl2pPr>
+            <a:lvl3pPr marL="1341150" indent="0">
+              <a:buNone/>
+              <a:defRPr sz="3520"/>
+            </a:lvl3pPr>
+            <a:lvl4pPr marL="2011726" indent="0">
+              <a:buNone/>
+              <a:defRPr sz="2933"/>
+            </a:lvl4pPr>
+            <a:lvl5pPr marL="2682301" indent="0">
+              <a:buNone/>
+              <a:defRPr sz="2933"/>
+            </a:lvl5pPr>
+            <a:lvl6pPr marL="3352876" indent="0">
+              <a:buNone/>
+              <a:defRPr sz="2933"/>
+            </a:lvl6pPr>
+            <a:lvl7pPr marL="4023451" indent="0">
+              <a:buNone/>
+              <a:defRPr sz="2933"/>
+            </a:lvl7pPr>
+            <a:lvl8pPr marL="4694027" indent="0">
+              <a:buNone/>
+              <a:defRPr sz="2933"/>
+            </a:lvl8pPr>
+            <a:lvl9pPr marL="5364602" indent="0">
+              <a:buNone/>
+              <a:defRPr sz="2933"/>
+            </a:lvl9pPr>
+          </a:lstStyle>
+          <a:p>
+            <a:r>
+              <a:rPr lang="en-US"/>
+              <a:t>Click icon to add picture</a:t>
+            </a:r>
+            <a:endParaRPr lang="en-US" dirty="0"/>
+          </a:p>
+        </p:txBody>
+      </p:sp>
+      <p:sp>
+        <p:nvSpPr>
+          <p:cNvPr id="4" name="Text Placeholder 3"/>
+          <p:cNvSpPr>
+            <a:spLocks noGrp="1"/>
+          </p:cNvSpPr>
+          <p:nvPr>
+            <p:ph type="body" sz="half" idx="2"/>
+          </p:nvPr>
+        </p:nvSpPr>
+        <p:spPr>
+          <a:xfrm>
+            <a:off x="1070730" y="3017520"/>
+            <a:ext cx="5013603" cy="5590329"/>
           </a:xfrm>
         </p:spPr>
         <p:txBody>
@@ -2529,109 +2293,42 @@
           <a:lstStyle>
             <a:lvl1pPr marL="0" indent="0">
               <a:buNone/>
-              <a:defRPr sz="3200"/>
+              <a:defRPr sz="2347"/>
             </a:lvl1pPr>
-            <a:lvl2pPr marL="457200" indent="0">
+            <a:lvl2pPr marL="670575" indent="0">
               <a:buNone/>
-              <a:defRPr sz="2800"/>
+              <a:defRPr sz="2053"/>
             </a:lvl2pPr>
-            <a:lvl3pPr marL="914400" indent="0">
+            <a:lvl3pPr marL="1341150" indent="0">
               <a:buNone/>
-              <a:defRPr sz="2400"/>
+              <a:defRPr sz="1760"/>
             </a:lvl3pPr>
-            <a:lvl4pPr marL="1371600" indent="0">
+            <a:lvl4pPr marL="2011726" indent="0">
               <a:buNone/>
-              <a:defRPr sz="2000"/>
+              <a:defRPr sz="1467"/>
             </a:lvl4pPr>
-            <a:lvl5pPr marL="1828800" indent="0">
+            <a:lvl5pPr marL="2682301" indent="0">
               <a:buNone/>
-              <a:defRPr sz="2000"/>
+              <a:defRPr sz="1467"/>
             </a:lvl5pPr>
-            <a:lvl6pPr marL="2286000" indent="0">
+            <a:lvl6pPr marL="3352876" indent="0">
               <a:buNone/>
-              <a:defRPr sz="2000"/>
+              <a:defRPr sz="1467"/>
             </a:lvl6pPr>
-            <a:lvl7pPr marL="2743200" indent="0">
+            <a:lvl7pPr marL="4023451" indent="0">
               <a:buNone/>
-              <a:defRPr sz="2000"/>
+              <a:defRPr sz="1467"/>
             </a:lvl7pPr>
-            <a:lvl8pPr marL="3200400" indent="0">
+            <a:lvl8pPr marL="4694027" indent="0">
               <a:buNone/>
-              <a:defRPr sz="2000"/>
+              <a:defRPr sz="1467"/>
             </a:lvl8pPr>
-            <a:lvl9pPr marL="3657600" indent="0">
+            <a:lvl9pPr marL="5364602" indent="0">
               <a:buNone/>
-              <a:defRPr sz="2000"/>
+              <a:defRPr sz="1467"/>
             </a:lvl9pPr>
           </a:lstStyle>
           <a:p>
-            <a:endParaRPr lang="en-US"/>
-          </a:p>
-        </p:txBody>
-      </p:sp>
-      <p:sp>
-        <p:nvSpPr>
-          <p:cNvPr id="4" name="Text Placeholder 3">
-            <a:extLst>
-              <a:ext uri="{FF2B5EF4-FFF2-40B4-BE49-F238E27FC236}">
-                <a16:creationId xmlns:a16="http://schemas.microsoft.com/office/drawing/2014/main" id="{AD0C08A9-9FEA-4AF1-32EB-26F9BF0627BC}"/>
-              </a:ext>
-            </a:extLst>
-          </p:cNvPr>
-          <p:cNvSpPr>
-            <a:spLocks noGrp="1"/>
-          </p:cNvSpPr>
-          <p:nvPr>
-            <p:ph type="body" sz="half" idx="2"/>
-          </p:nvPr>
-        </p:nvSpPr>
-        <p:spPr>
-          <a:xfrm>
-            <a:off x="839788" y="2057400"/>
-            <a:ext cx="3932237" cy="3811588"/>
-          </a:xfrm>
-        </p:spPr>
-        <p:txBody>
-          <a:bodyPr/>
-          <a:lstStyle>
-            <a:lvl1pPr marL="0" indent="0">
-              <a:buNone/>
-              <a:defRPr sz="1600"/>
-            </a:lvl1pPr>
-            <a:lvl2pPr marL="457200" indent="0">
-              <a:buNone/>
-              <a:defRPr sz="1400"/>
-            </a:lvl2pPr>
-            <a:lvl3pPr marL="914400" indent="0">
-              <a:buNone/>
-              <a:defRPr sz="1200"/>
-            </a:lvl3pPr>
-            <a:lvl4pPr marL="1371600" indent="0">
-              <a:buNone/>
-              <a:defRPr sz="1000"/>
-            </a:lvl4pPr>
-            <a:lvl5pPr marL="1828800" indent="0">
-              <a:buNone/>
-              <a:defRPr sz="1000"/>
-            </a:lvl5pPr>
-            <a:lvl6pPr marL="2286000" indent="0">
-              <a:buNone/>
-              <a:defRPr sz="1000"/>
-            </a:lvl6pPr>
-            <a:lvl7pPr marL="2743200" indent="0">
-              <a:buNone/>
-              <a:defRPr sz="1000"/>
-            </a:lvl7pPr>
-            <a:lvl8pPr marL="3200400" indent="0">
-              <a:buNone/>
-              <a:defRPr sz="1000"/>
-            </a:lvl8pPr>
-            <a:lvl9pPr marL="3657600" indent="0">
-              <a:buNone/>
-              <a:defRPr sz="1000"/>
-            </a:lvl9pPr>
-          </a:lstStyle>
-          <a:p>
             <a:pPr lvl="0"/>
             <a:r>
               <a:rPr lang="en-US"/>
@@ -2642,13 +2339,7 @@
       </p:sp>
       <p:sp>
         <p:nvSpPr>
-          <p:cNvPr id="5" name="Date Placeholder 4">
-            <a:extLst>
-              <a:ext uri="{FF2B5EF4-FFF2-40B4-BE49-F238E27FC236}">
-                <a16:creationId xmlns:a16="http://schemas.microsoft.com/office/drawing/2014/main" id="{4EB33DC2-E324-0663-384D-C39ED99AF5CE}"/>
-              </a:ext>
-            </a:extLst>
-          </p:cNvPr>
+          <p:cNvPr id="5" name="Date Placeholder 4"/>
           <p:cNvSpPr>
             <a:spLocks noGrp="1"/>
           </p:cNvSpPr>
@@ -2663,7 +2354,7 @@
           <a:p>
             <a:fld id="{C5AA4219-73D4-4596-88D5-5D687887D893}" type="datetimeFigureOut">
               <a:rPr lang="en-US" smtClean="0"/>
-              <a:t>3/6/2023</a:t>
+              <a:t>4/29/2023</a:t>
             </a:fld>
             <a:endParaRPr lang="en-US"/>
           </a:p>
@@ -2671,13 +2362,7 @@
       </p:sp>
       <p:sp>
         <p:nvSpPr>
-          <p:cNvPr id="6" name="Footer Placeholder 5">
-            <a:extLst>
-              <a:ext uri="{FF2B5EF4-FFF2-40B4-BE49-F238E27FC236}">
-                <a16:creationId xmlns:a16="http://schemas.microsoft.com/office/drawing/2014/main" id="{2E01C244-6996-EEB5-32F0-1BC310E8BDA0}"/>
-              </a:ext>
-            </a:extLst>
-          </p:cNvPr>
+          <p:cNvPr id="6" name="Footer Placeholder 5"/>
           <p:cNvSpPr>
             <a:spLocks noGrp="1"/>
           </p:cNvSpPr>
@@ -2696,13 +2381,7 @@
       </p:sp>
       <p:sp>
         <p:nvSpPr>
-          <p:cNvPr id="7" name="Slide Number Placeholder 6">
-            <a:extLst>
-              <a:ext uri="{FF2B5EF4-FFF2-40B4-BE49-F238E27FC236}">
-                <a16:creationId xmlns:a16="http://schemas.microsoft.com/office/drawing/2014/main" id="{7FAFA8DB-8172-629A-9124-40B07B23B45B}"/>
-              </a:ext>
-            </a:extLst>
-          </p:cNvPr>
+          <p:cNvPr id="7" name="Slide Number Placeholder 6"/>
           <p:cNvSpPr>
             <a:spLocks noGrp="1"/>
           </p:cNvSpPr>
@@ -2726,7 +2405,7 @@
     </p:spTree>
     <p:extLst>
       <p:ext uri="{BB962C8B-B14F-4D97-AF65-F5344CB8AC3E}">
-        <p14:creationId xmlns:p14="http://schemas.microsoft.com/office/powerpoint/2010/main" val="2396532504"/>
+        <p14:creationId xmlns:p14="http://schemas.microsoft.com/office/powerpoint/2010/main" val="2360950657"/>
       </p:ext>
     </p:extLst>
   </p:cSld>
@@ -2760,13 +2439,7 @@
       </p:grpSpPr>
       <p:sp>
         <p:nvSpPr>
-          <p:cNvPr id="2" name="Title Placeholder 1">
-            <a:extLst>
-              <a:ext uri="{FF2B5EF4-FFF2-40B4-BE49-F238E27FC236}">
-                <a16:creationId xmlns:a16="http://schemas.microsoft.com/office/drawing/2014/main" id="{E53E62D4-EE21-4A33-F0B7-3F4ED92AA197}"/>
-              </a:ext>
-            </a:extLst>
-          </p:cNvPr>
+          <p:cNvPr id="2" name="Title Placeholder 1"/>
           <p:cNvSpPr>
             <a:spLocks noGrp="1"/>
           </p:cNvSpPr>
@@ -2776,8 +2449,8 @@
         </p:nvSpPr>
         <p:spPr>
           <a:xfrm>
-            <a:off x="838200" y="365125"/>
-            <a:ext cx="10515600" cy="1325563"/>
+            <a:off x="1068705" y="535519"/>
+            <a:ext cx="13407390" cy="1944159"/>
           </a:xfrm>
           <a:prstGeom prst="rect">
             <a:avLst/>
@@ -2793,18 +2466,13 @@
               <a:rPr lang="en-US"/>
               <a:t>Click to edit Master title style</a:t>
             </a:r>
-          </a:p>
-        </p:txBody>
-      </p:sp>
-      <p:sp>
-        <p:nvSpPr>
-          <p:cNvPr id="3" name="Text Placeholder 2">
-            <a:extLst>
-              <a:ext uri="{FF2B5EF4-FFF2-40B4-BE49-F238E27FC236}">
-                <a16:creationId xmlns:a16="http://schemas.microsoft.com/office/drawing/2014/main" id="{E0D570E4-7295-148C-654A-8C4607D9356B}"/>
-              </a:ext>
-            </a:extLst>
-          </p:cNvPr>
+            <a:endParaRPr lang="en-US" dirty="0"/>
+          </a:p>
+        </p:txBody>
+      </p:sp>
+      <p:sp>
+        <p:nvSpPr>
+          <p:cNvPr id="3" name="Text Placeholder 2"/>
           <p:cNvSpPr>
             <a:spLocks noGrp="1"/>
           </p:cNvSpPr>
@@ -2814,8 +2482,8 @@
         </p:nvSpPr>
         <p:spPr>
           <a:xfrm>
-            <a:off x="838200" y="1825625"/>
-            <a:ext cx="10515600" cy="4351338"/>
+            <a:off x="1068705" y="2677584"/>
+            <a:ext cx="13407390" cy="6381962"/>
           </a:xfrm>
           <a:prstGeom prst="rect">
             <a:avLst/>
@@ -2860,18 +2528,13 @@
               <a:rPr lang="en-US"/>
               <a:t>Fifth level</a:t>
             </a:r>
-          </a:p>
-        </p:txBody>
-      </p:sp>
-      <p:sp>
-        <p:nvSpPr>
-          <p:cNvPr id="4" name="Date Placeholder 3">
-            <a:extLst>
-              <a:ext uri="{FF2B5EF4-FFF2-40B4-BE49-F238E27FC236}">
-                <a16:creationId xmlns:a16="http://schemas.microsoft.com/office/drawing/2014/main" id="{A0C6B606-C556-9117-F03C-1CEB88C87178}"/>
-              </a:ext>
-            </a:extLst>
-          </p:cNvPr>
+            <a:endParaRPr lang="en-US" dirty="0"/>
+          </a:p>
+        </p:txBody>
+      </p:sp>
+      <p:sp>
+        <p:nvSpPr>
+          <p:cNvPr id="4" name="Date Placeholder 3"/>
           <p:cNvSpPr>
             <a:spLocks noGrp="1"/>
           </p:cNvSpPr>
@@ -2881,8 +2544,8 @@
         </p:nvSpPr>
         <p:spPr>
           <a:xfrm>
-            <a:off x="838200" y="6356350"/>
-            <a:ext cx="2743200" cy="365125"/>
+            <a:off x="1068705" y="9322649"/>
+            <a:ext cx="3497580" cy="535517"/>
           </a:xfrm>
           <a:prstGeom prst="rect">
             <a:avLst/>
@@ -2892,7 +2555,7 @@
           <a:bodyPr vert="horz" lIns="91440" tIns="45720" rIns="91440" bIns="45720" rtlCol="0" anchor="ctr"/>
           <a:lstStyle>
             <a:lvl1pPr algn="l">
-              <a:defRPr sz="1200">
+              <a:defRPr sz="1760">
                 <a:solidFill>
                   <a:schemeClr val="tx1">
                     <a:tint val="75000"/>
@@ -2904,7 +2567,7 @@
           <a:p>
             <a:fld id="{C5AA4219-73D4-4596-88D5-5D687887D893}" type="datetimeFigureOut">
               <a:rPr lang="en-US" smtClean="0"/>
-              <a:t>3/6/2023</a:t>
+              <a:t>4/29/2023</a:t>
             </a:fld>
             <a:endParaRPr lang="en-US"/>
           </a:p>
@@ -2912,13 +2575,7 @@
       </p:sp>
       <p:sp>
         <p:nvSpPr>
-          <p:cNvPr id="5" name="Footer Placeholder 4">
-            <a:extLst>
-              <a:ext uri="{FF2B5EF4-FFF2-40B4-BE49-F238E27FC236}">
-                <a16:creationId xmlns:a16="http://schemas.microsoft.com/office/drawing/2014/main" id="{DE941836-3B51-19CF-B18C-95DE23041B8E}"/>
-              </a:ext>
-            </a:extLst>
-          </p:cNvPr>
+          <p:cNvPr id="5" name="Footer Placeholder 4"/>
           <p:cNvSpPr>
             <a:spLocks noGrp="1"/>
           </p:cNvSpPr>
@@ -2928,8 +2585,8 @@
         </p:nvSpPr>
         <p:spPr>
           <a:xfrm>
-            <a:off x="4038600" y="6356350"/>
-            <a:ext cx="4114800" cy="365125"/>
+            <a:off x="5149215" y="9322649"/>
+            <a:ext cx="5246370" cy="535517"/>
           </a:xfrm>
           <a:prstGeom prst="rect">
             <a:avLst/>
@@ -2939,7 +2596,7 @@
           <a:bodyPr vert="horz" lIns="91440" tIns="45720" rIns="91440" bIns="45720" rtlCol="0" anchor="ctr"/>
           <a:lstStyle>
             <a:lvl1pPr algn="ctr">
-              <a:defRPr sz="1200">
+              <a:defRPr sz="1760">
                 <a:solidFill>
                   <a:schemeClr val="tx1">
                     <a:tint val="75000"/>
@@ -2955,13 +2612,7 @@
       </p:sp>
       <p:sp>
         <p:nvSpPr>
-          <p:cNvPr id="6" name="Slide Number Placeholder 5">
-            <a:extLst>
-              <a:ext uri="{FF2B5EF4-FFF2-40B4-BE49-F238E27FC236}">
-                <a16:creationId xmlns:a16="http://schemas.microsoft.com/office/drawing/2014/main" id="{BF75F6C1-ABB7-FE88-02BC-03C245AE992B}"/>
-              </a:ext>
-            </a:extLst>
-          </p:cNvPr>
+          <p:cNvPr id="6" name="Slide Number Placeholder 5"/>
           <p:cNvSpPr>
             <a:spLocks noGrp="1"/>
           </p:cNvSpPr>
@@ -2971,8 +2622,8 @@
         </p:nvSpPr>
         <p:spPr>
           <a:xfrm>
-            <a:off x="8610600" y="6356350"/>
-            <a:ext cx="2743200" cy="365125"/>
+            <a:off x="10978515" y="9322649"/>
+            <a:ext cx="3497580" cy="535517"/>
           </a:xfrm>
           <a:prstGeom prst="rect">
             <a:avLst/>
@@ -2982,7 +2633,7 @@
           <a:bodyPr vert="horz" lIns="91440" tIns="45720" rIns="91440" bIns="45720" rtlCol="0" anchor="ctr"/>
           <a:lstStyle>
             <a:lvl1pPr algn="r">
-              <a:defRPr sz="1200">
+              <a:defRPr sz="1760">
                 <a:solidFill>
                   <a:schemeClr val="tx1">
                     <a:tint val="75000"/>
@@ -3003,27 +2654,27 @@
     </p:spTree>
     <p:extLst>
       <p:ext uri="{BB962C8B-B14F-4D97-AF65-F5344CB8AC3E}">
-        <p14:creationId xmlns:p14="http://schemas.microsoft.com/office/powerpoint/2010/main" val="2469208682"/>
+        <p14:creationId xmlns:p14="http://schemas.microsoft.com/office/powerpoint/2010/main" val="25621089"/>
       </p:ext>
     </p:extLst>
   </p:cSld>
   <p:clrMap bg1="lt1" tx1="dk1" bg2="lt2" tx2="dk2" accent1="accent1" accent2="accent2" accent3="accent3" accent4="accent4" accent5="accent5" accent6="accent6" hlink="hlink" folHlink="folHlink"/>
   <p:sldLayoutIdLst>
-    <p:sldLayoutId id="2147483649" r:id="rId1"/>
-    <p:sldLayoutId id="2147483650" r:id="rId2"/>
-    <p:sldLayoutId id="2147483651" r:id="rId3"/>
-    <p:sldLayoutId id="2147483652" r:id="rId4"/>
-    <p:sldLayoutId id="2147483653" r:id="rId5"/>
-    <p:sldLayoutId id="2147483654" r:id="rId6"/>
-    <p:sldLayoutId id="2147483655" r:id="rId7"/>
-    <p:sldLayoutId id="2147483656" r:id="rId8"/>
-    <p:sldLayoutId id="2147483657" r:id="rId9"/>
-    <p:sldLayoutId id="2147483658" r:id="rId10"/>
-    <p:sldLayoutId id="2147483659" r:id="rId11"/>
+    <p:sldLayoutId id="2147483661" r:id="rId1"/>
+    <p:sldLayoutId id="2147483662" r:id="rId2"/>
+    <p:sldLayoutId id="2147483663" r:id="rId3"/>
+    <p:sldLayoutId id="2147483664" r:id="rId4"/>
+    <p:sldLayoutId id="2147483665" r:id="rId5"/>
+    <p:sldLayoutId id="2147483666" r:id="rId6"/>
+    <p:sldLayoutId id="2147483667" r:id="rId7"/>
+    <p:sldLayoutId id="2147483668" r:id="rId8"/>
+    <p:sldLayoutId id="2147483669" r:id="rId9"/>
+    <p:sldLayoutId id="2147483670" r:id="rId10"/>
+    <p:sldLayoutId id="2147483671" r:id="rId11"/>
   </p:sldLayoutIdLst>
   <p:txStyles>
     <p:titleStyle>
-      <a:lvl1pPr algn="l" defTabSz="914400" rtl="0" eaLnBrk="1" latinLnBrk="0" hangingPunct="1">
+      <a:lvl1pPr algn="l" defTabSz="1341150" rtl="0" eaLnBrk="1" latinLnBrk="0" hangingPunct="1">
         <a:lnSpc>
           <a:spcPct val="90000"/>
         </a:lnSpc>
@@ -3031,7 +2682,7 @@
           <a:spcPct val="0"/>
         </a:spcBef>
         <a:buNone/>
-        <a:defRPr sz="4400" kern="1200">
+        <a:defRPr sz="6453" kern="1200">
           <a:solidFill>
             <a:schemeClr val="tx1"/>
           </a:solidFill>
@@ -3042,16 +2693,16 @@
       </a:lvl1pPr>
     </p:titleStyle>
     <p:bodyStyle>
-      <a:lvl1pPr marL="228600" indent="-228600" algn="l" defTabSz="914400" rtl="0" eaLnBrk="1" latinLnBrk="0" hangingPunct="1">
+      <a:lvl1pPr marL="335288" indent="-335288" algn="l" defTabSz="1341150" rtl="0" eaLnBrk="1" latinLnBrk="0" hangingPunct="1">
         <a:lnSpc>
           <a:spcPct val="90000"/>
         </a:lnSpc>
         <a:spcBef>
-          <a:spcPts val="1000"/>
+          <a:spcPts val="1467"/>
         </a:spcBef>
         <a:buFont typeface="Arial" panose="020B0604020202020204" pitchFamily="34" charset="0"/>
         <a:buChar char="•"/>
-        <a:defRPr sz="2800" kern="1200">
+        <a:defRPr sz="4107" kern="1200">
           <a:solidFill>
             <a:schemeClr val="tx1"/>
           </a:solidFill>
@@ -3060,16 +2711,16 @@
           <a:cs typeface="+mn-cs"/>
         </a:defRPr>
       </a:lvl1pPr>
-      <a:lvl2pPr marL="685800" indent="-228600" algn="l" defTabSz="914400" rtl="0" eaLnBrk="1" latinLnBrk="0" hangingPunct="1">
+      <a:lvl2pPr marL="1005863" indent="-335288" algn="l" defTabSz="1341150" rtl="0" eaLnBrk="1" latinLnBrk="0" hangingPunct="1">
         <a:lnSpc>
           <a:spcPct val="90000"/>
         </a:lnSpc>
         <a:spcBef>
-          <a:spcPts val="500"/>
+          <a:spcPts val="733"/>
         </a:spcBef>
         <a:buFont typeface="Arial" panose="020B0604020202020204" pitchFamily="34" charset="0"/>
         <a:buChar char="•"/>
-        <a:defRPr sz="2400" kern="1200">
+        <a:defRPr sz="3520" kern="1200">
           <a:solidFill>
             <a:schemeClr val="tx1"/>
           </a:solidFill>
@@ -3078,16 +2729,16 @@
           <a:cs typeface="+mn-cs"/>
         </a:defRPr>
       </a:lvl2pPr>
-      <a:lvl3pPr marL="1143000" indent="-228600" algn="l" defTabSz="914400" rtl="0" eaLnBrk="1" latinLnBrk="0" hangingPunct="1">
+      <a:lvl3pPr marL="1676438" indent="-335288" algn="l" defTabSz="1341150" rtl="0" eaLnBrk="1" latinLnBrk="0" hangingPunct="1">
         <a:lnSpc>
           <a:spcPct val="90000"/>
         </a:lnSpc>
         <a:spcBef>
-          <a:spcPts val="500"/>
+          <a:spcPts val="733"/>
         </a:spcBef>
         <a:buFont typeface="Arial" panose="020B0604020202020204" pitchFamily="34" charset="0"/>
         <a:buChar char="•"/>
-        <a:defRPr sz="2000" kern="1200">
+        <a:defRPr sz="2933" kern="1200">
           <a:solidFill>
             <a:schemeClr val="tx1"/>
           </a:solidFill>
@@ -3096,16 +2747,16 @@
           <a:cs typeface="+mn-cs"/>
         </a:defRPr>
       </a:lvl3pPr>
-      <a:lvl4pPr marL="1600200" indent="-228600" algn="l" defTabSz="914400" rtl="0" eaLnBrk="1" latinLnBrk="0" hangingPunct="1">
+      <a:lvl4pPr marL="2347013" indent="-335288" algn="l" defTabSz="1341150" rtl="0" eaLnBrk="1" latinLnBrk="0" hangingPunct="1">
         <a:lnSpc>
           <a:spcPct val="90000"/>
         </a:lnSpc>
         <a:spcBef>
-          <a:spcPts val="500"/>
+          <a:spcPts val="733"/>
         </a:spcBef>
         <a:buFont typeface="Arial" panose="020B0604020202020204" pitchFamily="34" charset="0"/>
         <a:buChar char="•"/>
-        <a:defRPr sz="1800" kern="1200">
+        <a:defRPr sz="2640" kern="1200">
           <a:solidFill>
             <a:schemeClr val="tx1"/>
           </a:solidFill>
@@ -3114,16 +2765,16 @@
           <a:cs typeface="+mn-cs"/>
         </a:defRPr>
       </a:lvl4pPr>
-      <a:lvl5pPr marL="2057400" indent="-228600" algn="l" defTabSz="914400" rtl="0" eaLnBrk="1" latinLnBrk="0" hangingPunct="1">
+      <a:lvl5pPr marL="3017589" indent="-335288" algn="l" defTabSz="1341150" rtl="0" eaLnBrk="1" latinLnBrk="0" hangingPunct="1">
         <a:lnSpc>
           <a:spcPct val="90000"/>
         </a:lnSpc>
         <a:spcBef>
-          <a:spcPts val="500"/>
+          <a:spcPts val="733"/>
         </a:spcBef>
         <a:buFont typeface="Arial" panose="020B0604020202020204" pitchFamily="34" charset="0"/>
         <a:buChar char="•"/>
-        <a:defRPr sz="1800" kern="1200">
+        <a:defRPr sz="2640" kern="1200">
           <a:solidFill>
             <a:schemeClr val="tx1"/>
           </a:solidFill>
@@ -3132,16 +2783,16 @@
           <a:cs typeface="+mn-cs"/>
         </a:defRPr>
       </a:lvl5pPr>
-      <a:lvl6pPr marL="2514600" indent="-228600" algn="l" defTabSz="914400" rtl="0" eaLnBrk="1" latinLnBrk="0" hangingPunct="1">
+      <a:lvl6pPr marL="3688164" indent="-335288" algn="l" defTabSz="1341150" rtl="0" eaLnBrk="1" latinLnBrk="0" hangingPunct="1">
         <a:lnSpc>
           <a:spcPct val="90000"/>
         </a:lnSpc>
         <a:spcBef>
-          <a:spcPts val="500"/>
+          <a:spcPts val="733"/>
         </a:spcBef>
         <a:buFont typeface="Arial" panose="020B0604020202020204" pitchFamily="34" charset="0"/>
         <a:buChar char="•"/>
-        <a:defRPr sz="1800" kern="1200">
+        <a:defRPr sz="2640" kern="1200">
           <a:solidFill>
             <a:schemeClr val="tx1"/>
           </a:solidFill>
@@ -3150,16 +2801,16 @@
           <a:cs typeface="+mn-cs"/>
         </a:defRPr>
       </a:lvl6pPr>
-      <a:lvl7pPr marL="2971800" indent="-228600" algn="l" defTabSz="914400" rtl="0" eaLnBrk="1" latinLnBrk="0" hangingPunct="1">
+      <a:lvl7pPr marL="4358739" indent="-335288" algn="l" defTabSz="1341150" rtl="0" eaLnBrk="1" latinLnBrk="0" hangingPunct="1">
         <a:lnSpc>
           <a:spcPct val="90000"/>
         </a:lnSpc>
         <a:spcBef>
-          <a:spcPts val="500"/>
+          <a:spcPts val="733"/>
         </a:spcBef>
         <a:buFont typeface="Arial" panose="020B0604020202020204" pitchFamily="34" charset="0"/>
         <a:buChar char="•"/>
-        <a:defRPr sz="1800" kern="1200">
+        <a:defRPr sz="2640" kern="1200">
           <a:solidFill>
             <a:schemeClr val="tx1"/>
           </a:solidFill>
@@ -3168,16 +2819,16 @@
           <a:cs typeface="+mn-cs"/>
         </a:defRPr>
       </a:lvl7pPr>
-      <a:lvl8pPr marL="3429000" indent="-228600" algn="l" defTabSz="914400" rtl="0" eaLnBrk="1" latinLnBrk="0" hangingPunct="1">
+      <a:lvl8pPr marL="5029314" indent="-335288" algn="l" defTabSz="1341150" rtl="0" eaLnBrk="1" latinLnBrk="0" hangingPunct="1">
         <a:lnSpc>
           <a:spcPct val="90000"/>
         </a:lnSpc>
         <a:spcBef>
-          <a:spcPts val="500"/>
+          <a:spcPts val="733"/>
         </a:spcBef>
         <a:buFont typeface="Arial" panose="020B0604020202020204" pitchFamily="34" charset="0"/>
         <a:buChar char="•"/>
-        <a:defRPr sz="1800" kern="1200">
+        <a:defRPr sz="2640" kern="1200">
           <a:solidFill>
             <a:schemeClr val="tx1"/>
           </a:solidFill>
@@ -3186,16 +2837,16 @@
           <a:cs typeface="+mn-cs"/>
         </a:defRPr>
       </a:lvl8pPr>
-      <a:lvl9pPr marL="3886200" indent="-228600" algn="l" defTabSz="914400" rtl="0" eaLnBrk="1" latinLnBrk="0" hangingPunct="1">
+      <a:lvl9pPr marL="5699890" indent="-335288" algn="l" defTabSz="1341150" rtl="0" eaLnBrk="1" latinLnBrk="0" hangingPunct="1">
         <a:lnSpc>
           <a:spcPct val="90000"/>
         </a:lnSpc>
         <a:spcBef>
-          <a:spcPts val="500"/>
+          <a:spcPts val="733"/>
         </a:spcBef>
         <a:buFont typeface="Arial" panose="020B0604020202020204" pitchFamily="34" charset="0"/>
         <a:buChar char="•"/>
-        <a:defRPr sz="1800" kern="1200">
+        <a:defRPr sz="2640" kern="1200">
           <a:solidFill>
             <a:schemeClr val="tx1"/>
           </a:solidFill>
@@ -3209,8 +2860,8 @@
       <a:defPPr>
         <a:defRPr lang="en-US"/>
       </a:defPPr>
-      <a:lvl1pPr marL="0" algn="l" defTabSz="914400" rtl="0" eaLnBrk="1" latinLnBrk="0" hangingPunct="1">
-        <a:defRPr sz="1800" kern="1200">
+      <a:lvl1pPr marL="0" algn="l" defTabSz="1341150" rtl="0" eaLnBrk="1" latinLnBrk="0" hangingPunct="1">
+        <a:defRPr sz="2640" kern="1200">
           <a:solidFill>
             <a:schemeClr val="tx1"/>
           </a:solidFill>
@@ -3219,8 +2870,8 @@
           <a:cs typeface="+mn-cs"/>
         </a:defRPr>
       </a:lvl1pPr>
-      <a:lvl2pPr marL="457200" algn="l" defTabSz="914400" rtl="0" eaLnBrk="1" latinLnBrk="0" hangingPunct="1">
-        <a:defRPr sz="1800" kern="1200">
+      <a:lvl2pPr marL="670575" algn="l" defTabSz="1341150" rtl="0" eaLnBrk="1" latinLnBrk="0" hangingPunct="1">
+        <a:defRPr sz="2640" kern="1200">
           <a:solidFill>
             <a:schemeClr val="tx1"/>
           </a:solidFill>
@@ -3229,8 +2880,8 @@
           <a:cs typeface="+mn-cs"/>
         </a:defRPr>
       </a:lvl2pPr>
-      <a:lvl3pPr marL="914400" algn="l" defTabSz="914400" rtl="0" eaLnBrk="1" latinLnBrk="0" hangingPunct="1">
-        <a:defRPr sz="1800" kern="1200">
+      <a:lvl3pPr marL="1341150" algn="l" defTabSz="1341150" rtl="0" eaLnBrk="1" latinLnBrk="0" hangingPunct="1">
+        <a:defRPr sz="2640" kern="1200">
           <a:solidFill>
             <a:schemeClr val="tx1"/>
           </a:solidFill>
@@ -3239,8 +2890,8 @@
           <a:cs typeface="+mn-cs"/>
         </a:defRPr>
       </a:lvl3pPr>
-      <a:lvl4pPr marL="1371600" algn="l" defTabSz="914400" rtl="0" eaLnBrk="1" latinLnBrk="0" hangingPunct="1">
-        <a:defRPr sz="1800" kern="1200">
+      <a:lvl4pPr marL="2011726" algn="l" defTabSz="1341150" rtl="0" eaLnBrk="1" latinLnBrk="0" hangingPunct="1">
+        <a:defRPr sz="2640" kern="1200">
           <a:solidFill>
             <a:schemeClr val="tx1"/>
           </a:solidFill>
@@ -3249,8 +2900,8 @@
           <a:cs typeface="+mn-cs"/>
         </a:defRPr>
       </a:lvl4pPr>
-      <a:lvl5pPr marL="1828800" algn="l" defTabSz="914400" rtl="0" eaLnBrk="1" latinLnBrk="0" hangingPunct="1">
-        <a:defRPr sz="1800" kern="1200">
+      <a:lvl5pPr marL="2682301" algn="l" defTabSz="1341150" rtl="0" eaLnBrk="1" latinLnBrk="0" hangingPunct="1">
+        <a:defRPr sz="2640" kern="1200">
           <a:solidFill>
             <a:schemeClr val="tx1"/>
           </a:solidFill>
@@ -3259,8 +2910,8 @@
           <a:cs typeface="+mn-cs"/>
         </a:defRPr>
       </a:lvl5pPr>
-      <a:lvl6pPr marL="2286000" algn="l" defTabSz="914400" rtl="0" eaLnBrk="1" latinLnBrk="0" hangingPunct="1">
-        <a:defRPr sz="1800" kern="1200">
+      <a:lvl6pPr marL="3352876" algn="l" defTabSz="1341150" rtl="0" eaLnBrk="1" latinLnBrk="0" hangingPunct="1">
+        <a:defRPr sz="2640" kern="1200">
           <a:solidFill>
             <a:schemeClr val="tx1"/>
           </a:solidFill>
@@ -3269,8 +2920,8 @@
           <a:cs typeface="+mn-cs"/>
         </a:defRPr>
       </a:lvl6pPr>
-      <a:lvl7pPr marL="2743200" algn="l" defTabSz="914400" rtl="0" eaLnBrk="1" latinLnBrk="0" hangingPunct="1">
-        <a:defRPr sz="1800" kern="1200">
+      <a:lvl7pPr marL="4023451" algn="l" defTabSz="1341150" rtl="0" eaLnBrk="1" latinLnBrk="0" hangingPunct="1">
+        <a:defRPr sz="2640" kern="1200">
           <a:solidFill>
             <a:schemeClr val="tx1"/>
           </a:solidFill>
@@ -3279,8 +2930,8 @@
           <a:cs typeface="+mn-cs"/>
         </a:defRPr>
       </a:lvl7pPr>
-      <a:lvl8pPr marL="3200400" algn="l" defTabSz="914400" rtl="0" eaLnBrk="1" latinLnBrk="0" hangingPunct="1">
-        <a:defRPr sz="1800" kern="1200">
+      <a:lvl8pPr marL="4694027" algn="l" defTabSz="1341150" rtl="0" eaLnBrk="1" latinLnBrk="0" hangingPunct="1">
+        <a:defRPr sz="2640" kern="1200">
           <a:solidFill>
             <a:schemeClr val="tx1"/>
           </a:solidFill>
@@ -3289,8 +2940,8 @@
           <a:cs typeface="+mn-cs"/>
         </a:defRPr>
       </a:lvl8pPr>
-      <a:lvl9pPr marL="3657600" algn="l" defTabSz="914400" rtl="0" eaLnBrk="1" latinLnBrk="0" hangingPunct="1">
-        <a:defRPr sz="1800" kern="1200">
+      <a:lvl9pPr marL="5364602" algn="l" defTabSz="1341150" rtl="0" eaLnBrk="1" latinLnBrk="0" hangingPunct="1">
+        <a:defRPr sz="2640" kern="1200">
           <a:solidFill>
             <a:schemeClr val="tx1"/>
           </a:solidFill>
@@ -3330,13 +2981,15 @@
               </a:ext>
             </a:extLst>
           </p:cNvPr>
-          <p:cNvSpPr/>
-          <p:nvPr/>
-        </p:nvSpPr>
-        <p:spPr>
-          <a:xfrm>
-            <a:off x="5524500" y="1143000"/>
-            <a:ext cx="2114550" cy="3200398"/>
+          <p:cNvSpPr>
+            <a:spLocks noChangeAspect="1"/>
+          </p:cNvSpPr>
+          <p:nvPr/>
+        </p:nvSpPr>
+        <p:spPr>
+          <a:xfrm>
+            <a:off x="7200900" y="2743199"/>
+            <a:ext cx="2114550" cy="4743449"/>
           </a:xfrm>
           <a:prstGeom prst="rect">
             <a:avLst/>
@@ -3363,7 +3016,7 @@
             <a:pPr algn="ctr"/>
             <a:r>
               <a:rPr lang="en-US" dirty="0"/>
-              <a:t>Main Pico</a:t>
+              <a:t>Pico W</a:t>
             </a:r>
           </a:p>
           <a:p>
@@ -3391,12 +3044,14 @@
               </a:ext>
             </a:extLst>
           </p:cNvPr>
-          <p:cNvSpPr/>
-          <p:nvPr/>
-        </p:nvSpPr>
-        <p:spPr>
-          <a:xfrm>
-            <a:off x="3324694" y="1314449"/>
+          <p:cNvSpPr>
+            <a:spLocks noChangeAspect="1"/>
+          </p:cNvSpPr>
+          <p:nvPr/>
+        </p:nvSpPr>
+        <p:spPr>
+          <a:xfrm>
+            <a:off x="5001094" y="2914650"/>
             <a:ext cx="1332126" cy="2857500"/>
           </a:xfrm>
           <a:prstGeom prst="rect">
@@ -3461,13 +3116,13 @@
             </a:extLst>
           </p:cNvPr>
           <p:cNvCxnSpPr>
-            <a:cxnSpLocks/>
+            <a:cxnSpLocks noChangeAspect="1"/>
           </p:cNvCxnSpPr>
           <p:nvPr/>
         </p:nvCxnSpPr>
         <p:spPr>
           <a:xfrm flipH="1">
-            <a:off x="4647295" y="2402476"/>
+            <a:off x="6323697" y="4002676"/>
             <a:ext cx="877205" cy="0"/>
           </a:xfrm>
           <a:prstGeom prst="straightConnector1">
@@ -3502,13 +3157,13 @@
             </a:extLst>
           </p:cNvPr>
           <p:cNvCxnSpPr>
-            <a:cxnSpLocks/>
+            <a:cxnSpLocks noChangeAspect="1"/>
           </p:cNvCxnSpPr>
           <p:nvPr/>
         </p:nvCxnSpPr>
         <p:spPr>
           <a:xfrm>
-            <a:off x="4656820" y="3031125"/>
+            <a:off x="6333222" y="4631325"/>
             <a:ext cx="858155" cy="0"/>
           </a:xfrm>
           <a:prstGeom prst="straightConnector1">
@@ -3542,12 +3197,14 @@
               </a:ext>
             </a:extLst>
           </p:cNvPr>
-          <p:cNvSpPr txBox="1"/>
-          <p:nvPr/>
-        </p:nvSpPr>
-        <p:spPr>
-          <a:xfrm>
-            <a:off x="4747567" y="2118924"/>
+          <p:cNvSpPr txBox="1">
+            <a:spLocks noChangeAspect="1"/>
+          </p:cNvSpPr>
+          <p:nvPr/>
+        </p:nvSpPr>
+        <p:spPr>
+          <a:xfrm>
+            <a:off x="6423968" y="3719125"/>
             <a:ext cx="676660" cy="276999"/>
           </a:xfrm>
           <a:prstGeom prst="rect">
@@ -3577,12 +3234,14 @@
               </a:ext>
             </a:extLst>
           </p:cNvPr>
-          <p:cNvSpPr txBox="1"/>
-          <p:nvPr/>
-        </p:nvSpPr>
-        <p:spPr>
-          <a:xfrm>
-            <a:off x="4607167" y="3024528"/>
+          <p:cNvSpPr txBox="1">
+            <a:spLocks noChangeAspect="1"/>
+          </p:cNvSpPr>
+          <p:nvPr/>
+        </p:nvSpPr>
+        <p:spPr>
+          <a:xfrm>
+            <a:off x="6283568" y="4624730"/>
             <a:ext cx="793807" cy="461665"/>
           </a:xfrm>
           <a:prstGeom prst="rect">
@@ -3624,12 +3283,14 @@
               </a:ext>
             </a:extLst>
           </p:cNvPr>
-          <p:cNvSpPr/>
-          <p:nvPr/>
-        </p:nvSpPr>
-        <p:spPr>
-          <a:xfrm>
-            <a:off x="2099891" y="2257424"/>
+          <p:cNvSpPr>
+            <a:spLocks noChangeAspect="1"/>
+          </p:cNvSpPr>
+          <p:nvPr/>
+        </p:nvSpPr>
+        <p:spPr>
+          <a:xfrm>
+            <a:off x="3485936" y="3833654"/>
             <a:ext cx="857250" cy="971550"/>
           </a:xfrm>
           <a:prstGeom prst="rect">
@@ -3657,16 +3318,17 @@
             <a:pPr algn="ctr"/>
             <a:r>
               <a:rPr lang="en-US" dirty="0"/>
+              <a:t>RPi</a:t>
+            </a:r>
+            <a:endParaRPr lang="en-US" sz="1400" dirty="0"/>
+          </a:p>
+          <a:p>
+            <a:pPr algn="ctr"/>
+            <a:r>
+              <a:rPr lang="en-US" sz="1400" dirty="0"/>
               <a:t>MQTT Broker</a:t>
             </a:r>
-            <a:endParaRPr lang="en-US" sz="1400" dirty="0"/>
-          </a:p>
-          <a:p>
-            <a:pPr algn="ctr"/>
-            <a:r>
-              <a:rPr lang="en-US" sz="1400" dirty="0"/>
-              <a:t>(RPi)</a:t>
-            </a:r>
+            <a:endParaRPr lang="en-US" dirty="0"/>
           </a:p>
         </p:txBody>
       </p:sp>
@@ -3679,17 +3341,30 @@
               </a:ext>
             </a:extLst>
           </p:cNvPr>
-          <p:cNvSpPr/>
-          <p:nvPr/>
-        </p:nvSpPr>
-        <p:spPr>
-          <a:xfrm>
-            <a:off x="467194" y="1800224"/>
-            <a:ext cx="1207290" cy="1885950"/>
+          <p:cNvSpPr>
+            <a:spLocks noChangeAspect="1"/>
+          </p:cNvSpPr>
+          <p:nvPr/>
+        </p:nvSpPr>
+        <p:spPr>
+          <a:xfrm>
+            <a:off x="1830596" y="5479226"/>
+            <a:ext cx="1207290" cy="1224305"/>
           </a:xfrm>
           <a:prstGeom prst="rect">
             <a:avLst/>
           </a:prstGeom>
+          <a:solidFill>
+            <a:schemeClr val="bg1">
+              <a:lumMod val="95000"/>
+            </a:schemeClr>
+          </a:solidFill>
+          <a:ln w="28575">
+            <a:solidFill>
+              <a:schemeClr val="tx1"/>
+            </a:solidFill>
+            <a:prstDash val="dash"/>
+          </a:ln>
         </p:spPr>
         <p:style>
           <a:lnRef idx="1">
@@ -3712,7 +3387,7 @@
             <a:pPr algn="ctr"/>
             <a:r>
               <a:rPr lang="en-US" dirty="0"/>
-              <a:t>Dev/UI Laptop</a:t>
+              <a:t>Dev PC</a:t>
             </a:r>
           </a:p>
           <a:p>
@@ -3729,120 +3404,8 @@
               <a:t>VSCode</a:t>
             </a:r>
           </a:p>
-          <a:p>
-            <a:pPr algn="ctr"/>
-            <a:r>
-              <a:rPr lang="en-US" sz="1400" dirty="0"/>
-              <a:t>Node-Red MQTT Client</a:t>
-            </a:r>
-          </a:p>
-          <a:p>
-            <a:pPr algn="ctr"/>
-            <a:r>
-              <a:rPr lang="en-US" sz="1400" dirty="0" err="1"/>
-              <a:t>InfluxDB</a:t>
-            </a:r>
-            <a:endParaRPr lang="en-US" sz="1400" dirty="0"/>
-          </a:p>
-          <a:p>
-            <a:pPr algn="ctr"/>
-            <a:r>
-              <a:rPr lang="en-US" sz="1400" dirty="0"/>
-              <a:t>Grafana</a:t>
-            </a:r>
-          </a:p>
-        </p:txBody>
-      </p:sp>
-      <p:cxnSp>
-        <p:nvCxnSpPr>
-          <p:cNvPr id="16" name="Straight Arrow Connector 15">
-            <a:extLst>
-              <a:ext uri="{FF2B5EF4-FFF2-40B4-BE49-F238E27FC236}">
-                <a16:creationId xmlns:a16="http://schemas.microsoft.com/office/drawing/2014/main" id="{631FA538-9E6D-42D0-F395-2E25D0E02F29}"/>
-              </a:ext>
-            </a:extLst>
-          </p:cNvPr>
-          <p:cNvCxnSpPr>
-            <a:cxnSpLocks/>
-            <a:stCxn id="13" idx="3"/>
-            <a:endCxn id="5" idx="1"/>
-          </p:cNvCxnSpPr>
-          <p:nvPr/>
-        </p:nvCxnSpPr>
-        <p:spPr>
-          <a:xfrm>
-            <a:off x="2957141" y="2743199"/>
-            <a:ext cx="367553" cy="0"/>
-          </a:xfrm>
-          <a:prstGeom prst="straightConnector1">
-            <a:avLst/>
-          </a:prstGeom>
-          <a:ln>
-            <a:prstDash val="dash"/>
-            <a:headEnd type="triangle"/>
-            <a:tailEnd type="triangle"/>
-          </a:ln>
-        </p:spPr>
-        <p:style>
-          <a:lnRef idx="1">
-            <a:schemeClr val="accent1"/>
-          </a:lnRef>
-          <a:fillRef idx="0">
-            <a:schemeClr val="accent1"/>
-          </a:fillRef>
-          <a:effectRef idx="0">
-            <a:schemeClr val="accent1"/>
-          </a:effectRef>
-          <a:fontRef idx="minor">
-            <a:schemeClr val="tx1"/>
-          </a:fontRef>
-        </p:style>
-      </p:cxnSp>
-      <p:cxnSp>
-        <p:nvCxnSpPr>
-          <p:cNvPr id="17" name="Straight Arrow Connector 16">
-            <a:extLst>
-              <a:ext uri="{FF2B5EF4-FFF2-40B4-BE49-F238E27FC236}">
-                <a16:creationId xmlns:a16="http://schemas.microsoft.com/office/drawing/2014/main" id="{69B7222C-6668-C8E6-4EE5-B48E16EA5936}"/>
-              </a:ext>
-            </a:extLst>
-          </p:cNvPr>
-          <p:cNvCxnSpPr>
-            <a:cxnSpLocks/>
-            <a:stCxn id="14" idx="3"/>
-            <a:endCxn id="13" idx="1"/>
-          </p:cNvCxnSpPr>
-          <p:nvPr/>
-        </p:nvCxnSpPr>
-        <p:spPr>
-          <a:xfrm>
-            <a:off x="1674484" y="2743199"/>
-            <a:ext cx="425407" cy="0"/>
-          </a:xfrm>
-          <a:prstGeom prst="straightConnector1">
-            <a:avLst/>
-          </a:prstGeom>
-          <a:ln>
-            <a:prstDash val="dash"/>
-            <a:headEnd type="triangle"/>
-            <a:tailEnd type="triangle"/>
-          </a:ln>
-        </p:spPr>
-        <p:style>
-          <a:lnRef idx="1">
-            <a:schemeClr val="accent1"/>
-          </a:lnRef>
-          <a:fillRef idx="0">
-            <a:schemeClr val="accent1"/>
-          </a:fillRef>
-          <a:effectRef idx="0">
-            <a:schemeClr val="accent1"/>
-          </a:effectRef>
-          <a:fontRef idx="minor">
-            <a:schemeClr val="tx1"/>
-          </a:fontRef>
-        </p:style>
-      </p:cxnSp>
+        </p:txBody>
+      </p:sp>
       <p:sp>
         <p:nvSpPr>
           <p:cNvPr id="24" name="Rectangle 23">
@@ -3852,12 +3415,14 @@
               </a:ext>
             </a:extLst>
           </p:cNvPr>
-          <p:cNvSpPr/>
-          <p:nvPr/>
-        </p:nvSpPr>
-        <p:spPr>
-          <a:xfrm>
-            <a:off x="5524500" y="2134318"/>
+          <p:cNvSpPr>
+            <a:spLocks noChangeAspect="1"/>
+          </p:cNvSpPr>
+          <p:nvPr/>
+        </p:nvSpPr>
+        <p:spPr>
+          <a:xfrm>
+            <a:off x="7200900" y="3734519"/>
             <a:ext cx="342900" cy="1173806"/>
           </a:xfrm>
           <a:prstGeom prst="rect">
@@ -3903,12 +3468,14 @@
               </a:ext>
             </a:extLst>
           </p:cNvPr>
-          <p:cNvSpPr/>
-          <p:nvPr/>
-        </p:nvSpPr>
-        <p:spPr>
-          <a:xfrm>
-            <a:off x="7296150" y="2042019"/>
+          <p:cNvSpPr>
+            <a:spLocks noChangeAspect="1"/>
+          </p:cNvSpPr>
+          <p:nvPr/>
+        </p:nvSpPr>
+        <p:spPr>
+          <a:xfrm>
+            <a:off x="8972551" y="3642221"/>
             <a:ext cx="342900" cy="710009"/>
           </a:xfrm>
           <a:prstGeom prst="rect">
@@ -3954,12 +3521,14 @@
               </a:ext>
             </a:extLst>
           </p:cNvPr>
-          <p:cNvSpPr/>
-          <p:nvPr/>
-        </p:nvSpPr>
-        <p:spPr>
-          <a:xfrm>
-            <a:off x="7296151" y="2793816"/>
+          <p:cNvSpPr>
+            <a:spLocks noChangeAspect="1"/>
+          </p:cNvSpPr>
+          <p:nvPr/>
+        </p:nvSpPr>
+        <p:spPr>
+          <a:xfrm>
+            <a:off x="8972552" y="4394018"/>
             <a:ext cx="342900" cy="710009"/>
           </a:xfrm>
           <a:prstGeom prst="rect">
@@ -4005,12 +3574,14 @@
               </a:ext>
             </a:extLst>
           </p:cNvPr>
-          <p:cNvSpPr/>
-          <p:nvPr/>
-        </p:nvSpPr>
-        <p:spPr>
-          <a:xfrm>
-            <a:off x="7296151" y="3545613"/>
+          <p:cNvSpPr>
+            <a:spLocks noChangeAspect="1"/>
+          </p:cNvSpPr>
+          <p:nvPr/>
+        </p:nvSpPr>
+        <p:spPr>
+          <a:xfrm>
+            <a:off x="8972552" y="5145815"/>
             <a:ext cx="342900" cy="710009"/>
           </a:xfrm>
           <a:prstGeom prst="rect">
@@ -4056,12 +3627,14 @@
               </a:ext>
             </a:extLst>
           </p:cNvPr>
-          <p:cNvSpPr/>
-          <p:nvPr/>
-        </p:nvSpPr>
-        <p:spPr>
-          <a:xfrm>
-            <a:off x="8687269" y="3144697"/>
+          <p:cNvSpPr>
+            <a:spLocks noChangeAspect="1"/>
+          </p:cNvSpPr>
+          <p:nvPr/>
+        </p:nvSpPr>
+        <p:spPr>
+          <a:xfrm>
+            <a:off x="10363669" y="4744897"/>
             <a:ext cx="1162050" cy="1075626"/>
           </a:xfrm>
           <a:prstGeom prst="rect">
@@ -4117,12 +3690,14 @@
               </a:ext>
             </a:extLst>
           </p:cNvPr>
-          <p:cNvSpPr/>
-          <p:nvPr/>
-        </p:nvSpPr>
-        <p:spPr>
-          <a:xfrm>
-            <a:off x="8668219" y="2191335"/>
+          <p:cNvSpPr>
+            <a:spLocks noChangeAspect="1"/>
+          </p:cNvSpPr>
+          <p:nvPr/>
+        </p:nvSpPr>
+        <p:spPr>
+          <a:xfrm>
+            <a:off x="10344620" y="3791537"/>
             <a:ext cx="857250" cy="841847"/>
           </a:xfrm>
           <a:prstGeom prst="rect">
@@ -4178,12 +3753,14 @@
               </a:ext>
             </a:extLst>
           </p:cNvPr>
-          <p:cNvSpPr/>
-          <p:nvPr/>
-        </p:nvSpPr>
-        <p:spPr>
-          <a:xfrm>
-            <a:off x="8668218" y="4362447"/>
+          <p:cNvSpPr>
+            <a:spLocks noChangeAspect="1"/>
+          </p:cNvSpPr>
+          <p:nvPr/>
+        </p:nvSpPr>
+        <p:spPr>
+          <a:xfrm>
+            <a:off x="10344620" y="5962648"/>
             <a:ext cx="1035005" cy="1227593"/>
           </a:xfrm>
           <a:prstGeom prst="rect">
@@ -4248,7 +3825,7 @@
             </a:extLst>
           </p:cNvPr>
           <p:cNvCxnSpPr>
-            <a:cxnSpLocks/>
+            <a:cxnSpLocks noChangeAspect="1"/>
             <a:stCxn id="27" idx="3"/>
             <a:endCxn id="25" idx="1"/>
           </p:cNvCxnSpPr>
@@ -4256,7 +3833,7 @@
         </p:nvCxnSpPr>
         <p:spPr>
           <a:xfrm flipV="1">
-            <a:off x="7639050" y="1448028"/>
+            <a:off x="9315450" y="3048229"/>
             <a:ext cx="1028478" cy="948996"/>
           </a:xfrm>
           <a:prstGeom prst="bentConnector3">
@@ -4292,7 +3869,7 @@
             </a:extLst>
           </p:cNvPr>
           <p:cNvCxnSpPr>
-            <a:cxnSpLocks/>
+            <a:cxnSpLocks noChangeAspect="1"/>
             <a:stCxn id="28" idx="3"/>
             <a:endCxn id="31" idx="1"/>
           </p:cNvCxnSpPr>
@@ -4300,7 +3877,7 @@
         </p:nvCxnSpPr>
         <p:spPr>
           <a:xfrm flipV="1">
-            <a:off x="7639051" y="2612259"/>
+            <a:off x="9315451" y="4212460"/>
             <a:ext cx="1029168" cy="536562"/>
           </a:xfrm>
           <a:prstGeom prst="bentConnector3">
@@ -4336,7 +3913,7 @@
             </a:extLst>
           </p:cNvPr>
           <p:cNvCxnSpPr>
-            <a:cxnSpLocks/>
+            <a:cxnSpLocks noChangeAspect="1"/>
             <a:stCxn id="30" idx="1"/>
             <a:endCxn id="29" idx="3"/>
           </p:cNvCxnSpPr>
@@ -4344,7 +3921,7 @@
         </p:nvCxnSpPr>
         <p:spPr>
           <a:xfrm rot="10800000" flipV="1">
-            <a:off x="7639051" y="3682510"/>
+            <a:off x="9315451" y="5282711"/>
             <a:ext cx="1048218" cy="218108"/>
           </a:xfrm>
           <a:prstGeom prst="bentConnector3">
@@ -4382,7 +3959,7 @@
             </a:extLst>
           </p:cNvPr>
           <p:cNvCxnSpPr>
-            <a:cxnSpLocks/>
+            <a:cxnSpLocks noChangeAspect="1"/>
             <a:stCxn id="32" idx="1"/>
             <a:endCxn id="29" idx="3"/>
           </p:cNvCxnSpPr>
@@ -4390,7 +3967,7 @@
         </p:nvCxnSpPr>
         <p:spPr>
           <a:xfrm rot="10800000">
-            <a:off x="7639052" y="3900618"/>
+            <a:off x="9315454" y="5500818"/>
             <a:ext cx="1029167" cy="1075626"/>
           </a:xfrm>
           <a:prstGeom prst="bentConnector3">
@@ -4420,76 +3997,6 @@
       </p:cxnSp>
       <p:sp>
         <p:nvSpPr>
-          <p:cNvPr id="44" name="TextBox 43">
-            <a:extLst>
-              <a:ext uri="{FF2B5EF4-FFF2-40B4-BE49-F238E27FC236}">
-                <a16:creationId xmlns:a16="http://schemas.microsoft.com/office/drawing/2014/main" id="{975FB3DF-8D51-F41D-2477-3EAC9A70FADF}"/>
-              </a:ext>
-            </a:extLst>
-          </p:cNvPr>
-          <p:cNvSpPr txBox="1"/>
-          <p:nvPr/>
-        </p:nvSpPr>
-        <p:spPr>
-          <a:xfrm rot="16200000">
-            <a:off x="2882490" y="2401080"/>
-            <a:ext cx="508473" cy="276999"/>
-          </a:xfrm>
-          <a:prstGeom prst="rect">
-            <a:avLst/>
-          </a:prstGeom>
-          <a:noFill/>
-        </p:spPr>
-        <p:txBody>
-          <a:bodyPr wrap="none" rtlCol="0">
-            <a:spAutoFit/>
-          </a:bodyPr>
-          <a:lstStyle/>
-          <a:p>
-            <a:r>
-              <a:rPr lang="en-US" sz="1200" dirty="0"/>
-              <a:t>Wi-Fi</a:t>
-            </a:r>
-          </a:p>
-        </p:txBody>
-      </p:sp>
-      <p:sp>
-        <p:nvSpPr>
-          <p:cNvPr id="45" name="TextBox 44">
-            <a:extLst>
-              <a:ext uri="{FF2B5EF4-FFF2-40B4-BE49-F238E27FC236}">
-                <a16:creationId xmlns:a16="http://schemas.microsoft.com/office/drawing/2014/main" id="{C92175E0-B04E-19BE-5DEB-74CDF4F390AB}"/>
-              </a:ext>
-            </a:extLst>
-          </p:cNvPr>
-          <p:cNvSpPr txBox="1"/>
-          <p:nvPr/>
-        </p:nvSpPr>
-        <p:spPr>
-          <a:xfrm rot="16200000">
-            <a:off x="1599834" y="2373706"/>
-            <a:ext cx="508473" cy="276999"/>
-          </a:xfrm>
-          <a:prstGeom prst="rect">
-            <a:avLst/>
-          </a:prstGeom>
-          <a:noFill/>
-        </p:spPr>
-        <p:txBody>
-          <a:bodyPr wrap="none" rtlCol="0">
-            <a:spAutoFit/>
-          </a:bodyPr>
-          <a:lstStyle/>
-          <a:p>
-            <a:r>
-              <a:rPr lang="en-US" sz="1200" dirty="0"/>
-              <a:t>Wi-Fi</a:t>
-            </a:r>
-          </a:p>
-        </p:txBody>
-      </p:sp>
-      <p:sp>
-        <p:nvSpPr>
           <p:cNvPr id="48" name="Rectangle 47">
             <a:extLst>
               <a:ext uri="{FF2B5EF4-FFF2-40B4-BE49-F238E27FC236}">
@@ -4497,12 +4004,14 @@
               </a:ext>
             </a:extLst>
           </p:cNvPr>
-          <p:cNvSpPr/>
+          <p:cNvSpPr>
+            <a:spLocks noChangeAspect="1"/>
+          </p:cNvSpPr>
           <p:nvPr/>
         </p:nvSpPr>
         <p:spPr>
           <a:xfrm rot="10800000">
-            <a:off x="4323444" y="2127721"/>
+            <a:off x="5999844" y="3727922"/>
             <a:ext cx="342900" cy="1173806"/>
           </a:xfrm>
           <a:prstGeom prst="rect">
@@ -4549,13 +4058,13 @@
             </a:extLst>
           </p:cNvPr>
           <p:cNvCxnSpPr>
-            <a:cxnSpLocks/>
+            <a:cxnSpLocks noChangeAspect="1"/>
           </p:cNvCxnSpPr>
           <p:nvPr/>
         </p:nvCxnSpPr>
         <p:spPr>
           <a:xfrm>
-            <a:off x="9534994" y="1166833"/>
+            <a:off x="11211394" y="2767033"/>
             <a:ext cx="762000" cy="0"/>
           </a:xfrm>
           <a:prstGeom prst="straightConnector1">
@@ -4590,13 +4099,13 @@
             </a:extLst>
           </p:cNvPr>
           <p:cNvCxnSpPr>
-            <a:cxnSpLocks/>
+            <a:cxnSpLocks noChangeAspect="1"/>
           </p:cNvCxnSpPr>
           <p:nvPr/>
         </p:nvCxnSpPr>
         <p:spPr>
           <a:xfrm>
-            <a:off x="9534994" y="1395433"/>
+            <a:off x="11211394" y="2995633"/>
             <a:ext cx="762000" cy="0"/>
           </a:xfrm>
           <a:prstGeom prst="straightConnector1">
@@ -4631,13 +4140,13 @@
             </a:extLst>
           </p:cNvPr>
           <p:cNvCxnSpPr>
-            <a:cxnSpLocks/>
+            <a:cxnSpLocks noChangeAspect="1"/>
           </p:cNvCxnSpPr>
           <p:nvPr/>
         </p:nvCxnSpPr>
         <p:spPr>
           <a:xfrm>
-            <a:off x="9534994" y="1624033"/>
+            <a:off x="11211394" y="3224233"/>
             <a:ext cx="762000" cy="0"/>
           </a:xfrm>
           <a:prstGeom prst="straightConnector1">
@@ -4671,13 +4180,15 @@
               </a:ext>
             </a:extLst>
           </p:cNvPr>
-          <p:cNvSpPr/>
-          <p:nvPr/>
-        </p:nvSpPr>
-        <p:spPr>
-          <a:xfrm>
-            <a:off x="5400974" y="442849"/>
-            <a:ext cx="4610270" cy="5543549"/>
+          <p:cNvSpPr>
+            <a:spLocks noChangeAspect="1"/>
+          </p:cNvSpPr>
+          <p:nvPr/>
+        </p:nvSpPr>
+        <p:spPr>
+          <a:xfrm>
+            <a:off x="7077374" y="2043051"/>
+            <a:ext cx="4610270" cy="6872350"/>
           </a:xfrm>
           <a:prstGeom prst="rect">
             <a:avLst/>
@@ -4719,12 +4230,14 @@
               </a:ext>
             </a:extLst>
           </p:cNvPr>
-          <p:cNvSpPr txBox="1"/>
-          <p:nvPr/>
-        </p:nvSpPr>
-        <p:spPr>
-          <a:xfrm>
-            <a:off x="6677670" y="436773"/>
+          <p:cNvSpPr txBox="1">
+            <a:spLocks noChangeAspect="1"/>
+          </p:cNvSpPr>
+          <p:nvPr/>
+        </p:nvSpPr>
+        <p:spPr>
+          <a:xfrm>
+            <a:off x="8354070" y="2036973"/>
             <a:ext cx="2076274" cy="338554"/>
           </a:xfrm>
           <a:prstGeom prst="rect">
@@ -4754,12 +4267,14 @@
               </a:ext>
             </a:extLst>
           </p:cNvPr>
-          <p:cNvSpPr/>
-          <p:nvPr/>
-        </p:nvSpPr>
-        <p:spPr>
-          <a:xfrm>
-            <a:off x="10296994" y="4514849"/>
+          <p:cNvSpPr>
+            <a:spLocks noChangeAspect="1"/>
+          </p:cNvSpPr>
+          <p:nvPr/>
+        </p:nvSpPr>
+        <p:spPr>
+          <a:xfrm>
+            <a:off x="11973394" y="6115050"/>
             <a:ext cx="171450" cy="342898"/>
           </a:xfrm>
           <a:prstGeom prst="flowChartCollate">
@@ -4803,12 +4318,14 @@
               </a:ext>
             </a:extLst>
           </p:cNvPr>
-          <p:cNvSpPr/>
-          <p:nvPr/>
-        </p:nvSpPr>
-        <p:spPr>
-          <a:xfrm>
-            <a:off x="10296994" y="5018538"/>
+          <p:cNvSpPr>
+            <a:spLocks noChangeAspect="1"/>
+          </p:cNvSpPr>
+          <p:nvPr/>
+        </p:nvSpPr>
+        <p:spPr>
+          <a:xfrm>
+            <a:off x="11973394" y="6618738"/>
             <a:ext cx="171450" cy="342898"/>
           </a:xfrm>
           <a:prstGeom prst="flowChartCollate">
@@ -4853,14 +4370,14 @@
             </a:extLst>
           </p:cNvPr>
           <p:cNvCxnSpPr>
-            <a:cxnSpLocks/>
+            <a:cxnSpLocks noChangeAspect="1"/>
             <a:endCxn id="70" idx="1"/>
           </p:cNvCxnSpPr>
           <p:nvPr/>
         </p:nvCxnSpPr>
         <p:spPr>
           <a:xfrm>
-            <a:off x="9712749" y="4686298"/>
+            <a:off x="11389149" y="6286498"/>
             <a:ext cx="669970" cy="0"/>
           </a:xfrm>
           <a:prstGeom prst="straightConnector1">
@@ -4895,14 +4412,14 @@
             </a:extLst>
           </p:cNvPr>
           <p:cNvCxnSpPr>
-            <a:cxnSpLocks/>
+            <a:cxnSpLocks noChangeAspect="1"/>
             <a:endCxn id="71" idx="1"/>
           </p:cNvCxnSpPr>
           <p:nvPr/>
         </p:nvCxnSpPr>
         <p:spPr>
           <a:xfrm>
-            <a:off x="9703223" y="5189987"/>
+            <a:off x="11379623" y="6790187"/>
             <a:ext cx="679496" cy="0"/>
           </a:xfrm>
           <a:prstGeom prst="straightConnector1">
@@ -4936,12 +4453,14 @@
               </a:ext>
             </a:extLst>
           </p:cNvPr>
-          <p:cNvSpPr txBox="1"/>
-          <p:nvPr/>
-        </p:nvSpPr>
-        <p:spPr>
-          <a:xfrm>
-            <a:off x="10559797" y="4548090"/>
+          <p:cNvSpPr txBox="1">
+            <a:spLocks noChangeAspect="1"/>
+          </p:cNvSpPr>
+          <p:nvPr/>
+        </p:nvSpPr>
+        <p:spPr>
+          <a:xfrm>
+            <a:off x="12236199" y="6148290"/>
             <a:ext cx="857927" cy="738664"/>
           </a:xfrm>
           <a:prstGeom prst="rect">
@@ -4986,12 +4505,14 @@
               </a:ext>
             </a:extLst>
           </p:cNvPr>
-          <p:cNvSpPr txBox="1"/>
-          <p:nvPr/>
-        </p:nvSpPr>
-        <p:spPr>
-          <a:xfrm>
-            <a:off x="10341270" y="1241544"/>
+          <p:cNvSpPr txBox="1">
+            <a:spLocks noChangeAspect="1"/>
+          </p:cNvSpPr>
+          <p:nvPr/>
+        </p:nvSpPr>
+        <p:spPr>
+          <a:xfrm>
+            <a:off x="12017671" y="2841745"/>
             <a:ext cx="1316514" cy="307777"/>
           </a:xfrm>
           <a:prstGeom prst="rect">
@@ -5022,12 +4543,14 @@
               </a:ext>
             </a:extLst>
           </p:cNvPr>
-          <p:cNvSpPr/>
-          <p:nvPr/>
-        </p:nvSpPr>
-        <p:spPr>
-          <a:xfrm>
-            <a:off x="10229629" y="2127721"/>
+          <p:cNvSpPr>
+            <a:spLocks noChangeAspect="1"/>
+          </p:cNvSpPr>
+          <p:nvPr/>
+        </p:nvSpPr>
+        <p:spPr>
+          <a:xfrm>
+            <a:off x="11906029" y="3727922"/>
             <a:ext cx="323166" cy="298158"/>
           </a:xfrm>
           <a:prstGeom prst="flowChartConnector">
@@ -5068,13 +4591,13 @@
             </a:extLst>
           </p:cNvPr>
           <p:cNvCxnSpPr>
-            <a:cxnSpLocks/>
+            <a:cxnSpLocks noChangeAspect="1"/>
           </p:cNvCxnSpPr>
           <p:nvPr/>
         </p:nvCxnSpPr>
         <p:spPr>
           <a:xfrm flipH="1">
-            <a:off x="9534994" y="2276800"/>
+            <a:off x="11211394" y="3877000"/>
             <a:ext cx="694634" cy="8542"/>
           </a:xfrm>
           <a:prstGeom prst="straightConnector1">
@@ -5109,14 +4632,14 @@
             </a:extLst>
           </p:cNvPr>
           <p:cNvCxnSpPr>
-            <a:cxnSpLocks/>
+            <a:cxnSpLocks noChangeAspect="1"/>
             <a:stCxn id="118" idx="2"/>
           </p:cNvCxnSpPr>
           <p:nvPr/>
         </p:nvCxnSpPr>
         <p:spPr>
           <a:xfrm flipH="1">
-            <a:off x="9525469" y="2808768"/>
+            <a:off x="11201870" y="4408969"/>
             <a:ext cx="703810" cy="3326"/>
           </a:xfrm>
           <a:prstGeom prst="straightConnector1">
@@ -5150,12 +4673,14 @@
               </a:ext>
             </a:extLst>
           </p:cNvPr>
-          <p:cNvSpPr txBox="1"/>
-          <p:nvPr/>
-        </p:nvSpPr>
-        <p:spPr>
-          <a:xfrm>
-            <a:off x="7611100" y="1335785"/>
+          <p:cNvSpPr txBox="1">
+            <a:spLocks noChangeAspect="1"/>
+          </p:cNvSpPr>
+          <p:nvPr/>
+        </p:nvSpPr>
+        <p:spPr>
+          <a:xfrm>
+            <a:off x="9287502" y="2935986"/>
             <a:ext cx="518091" cy="276999"/>
           </a:xfrm>
           <a:prstGeom prst="rect">
@@ -5185,12 +4710,14 @@
               </a:ext>
             </a:extLst>
           </p:cNvPr>
-          <p:cNvSpPr txBox="1"/>
-          <p:nvPr/>
-        </p:nvSpPr>
-        <p:spPr>
-          <a:xfrm>
-            <a:off x="8133133" y="4695050"/>
+          <p:cNvSpPr txBox="1">
+            <a:spLocks noChangeAspect="1"/>
+          </p:cNvSpPr>
+          <p:nvPr/>
+        </p:nvSpPr>
+        <p:spPr>
+          <a:xfrm>
+            <a:off x="9809535" y="6295252"/>
             <a:ext cx="620811" cy="276999"/>
           </a:xfrm>
           <a:prstGeom prst="rect">
@@ -5220,12 +4747,14 @@
               </a:ext>
             </a:extLst>
           </p:cNvPr>
-          <p:cNvSpPr/>
-          <p:nvPr/>
-        </p:nvSpPr>
-        <p:spPr>
-          <a:xfrm>
-            <a:off x="10198794" y="3252242"/>
+          <p:cNvSpPr>
+            <a:spLocks noChangeAspect="1"/>
+          </p:cNvSpPr>
+          <p:nvPr/>
+        </p:nvSpPr>
+        <p:spPr>
+          <a:xfrm>
+            <a:off x="11875196" y="4852442"/>
             <a:ext cx="761747" cy="240482"/>
           </a:xfrm>
           <a:prstGeom prst="rect">
@@ -5269,14 +4798,14 @@
             </a:extLst>
           </p:cNvPr>
           <p:cNvCxnSpPr>
-            <a:cxnSpLocks/>
+            <a:cxnSpLocks noChangeAspect="1"/>
             <a:endCxn id="104" idx="1"/>
           </p:cNvCxnSpPr>
           <p:nvPr/>
         </p:nvCxnSpPr>
         <p:spPr>
           <a:xfrm>
-            <a:off x="9849319" y="3372483"/>
+            <a:off x="11525721" y="4972683"/>
             <a:ext cx="349475" cy="0"/>
           </a:xfrm>
           <a:prstGeom prst="straightConnector1">
@@ -5310,12 +4839,14 @@
               </a:ext>
             </a:extLst>
           </p:cNvPr>
-          <p:cNvSpPr/>
-          <p:nvPr/>
-        </p:nvSpPr>
-        <p:spPr>
-          <a:xfrm>
-            <a:off x="11234065" y="3262821"/>
+          <p:cNvSpPr>
+            <a:spLocks noChangeAspect="1"/>
+          </p:cNvSpPr>
+          <p:nvPr/>
+        </p:nvSpPr>
+        <p:spPr>
+          <a:xfrm>
+            <a:off x="12910465" y="4863021"/>
             <a:ext cx="228600" cy="223372"/>
           </a:xfrm>
           <a:prstGeom prst="flowChartDecision">
@@ -5365,7 +4896,7 @@
             </a:extLst>
           </p:cNvPr>
           <p:cNvCxnSpPr>
-            <a:cxnSpLocks/>
+            <a:cxnSpLocks noChangeAspect="1"/>
             <a:stCxn id="104" idx="3"/>
             <a:endCxn id="108" idx="1"/>
           </p:cNvCxnSpPr>
@@ -5373,7 +4904,7 @@
         </p:nvCxnSpPr>
         <p:spPr>
           <a:xfrm>
-            <a:off x="10960541" y="3372483"/>
+            <a:off x="12636942" y="4972683"/>
             <a:ext cx="273524" cy="2024"/>
           </a:xfrm>
           <a:prstGeom prst="straightConnector1">
@@ -5407,12 +4938,14 @@
               </a:ext>
             </a:extLst>
           </p:cNvPr>
-          <p:cNvSpPr/>
-          <p:nvPr/>
-        </p:nvSpPr>
-        <p:spPr>
-          <a:xfrm>
-            <a:off x="11239969" y="3583282"/>
+          <p:cNvSpPr>
+            <a:spLocks noChangeAspect="1"/>
+          </p:cNvSpPr>
+          <p:nvPr/>
+        </p:nvSpPr>
+        <p:spPr>
+          <a:xfrm>
+            <a:off x="12916369" y="5183482"/>
             <a:ext cx="228600" cy="223372"/>
           </a:xfrm>
           <a:prstGeom prst="flowChartDecision">
@@ -5462,7 +4995,7 @@
             </a:extLst>
           </p:cNvPr>
           <p:cNvCxnSpPr>
-            <a:cxnSpLocks/>
+            <a:cxnSpLocks noChangeAspect="1"/>
             <a:stCxn id="145" idx="3"/>
             <a:endCxn id="112" idx="1"/>
           </p:cNvCxnSpPr>
@@ -5470,7 +5003,7 @@
         </p:nvCxnSpPr>
         <p:spPr>
           <a:xfrm>
-            <a:off x="10954681" y="3694552"/>
+            <a:off x="12631082" y="5294752"/>
             <a:ext cx="285288" cy="416"/>
           </a:xfrm>
           <a:prstGeom prst="straightConnector1">
@@ -5504,12 +5037,14 @@
               </a:ext>
             </a:extLst>
           </p:cNvPr>
-          <p:cNvSpPr/>
-          <p:nvPr/>
-        </p:nvSpPr>
-        <p:spPr>
-          <a:xfrm>
-            <a:off x="11249494" y="3903743"/>
+          <p:cNvSpPr>
+            <a:spLocks noChangeAspect="1"/>
+          </p:cNvSpPr>
+          <p:nvPr/>
+        </p:nvSpPr>
+        <p:spPr>
+          <a:xfrm>
+            <a:off x="12925894" y="5503944"/>
             <a:ext cx="228600" cy="223372"/>
           </a:xfrm>
           <a:prstGeom prst="flowChartDecision">
@@ -5559,7 +5094,7 @@
             </a:extLst>
           </p:cNvPr>
           <p:cNvCxnSpPr>
-            <a:cxnSpLocks/>
+            <a:cxnSpLocks noChangeAspect="1"/>
             <a:stCxn id="148" idx="3"/>
             <a:endCxn id="114" idx="1"/>
           </p:cNvCxnSpPr>
@@ -5567,7 +5102,7 @@
         </p:nvCxnSpPr>
         <p:spPr>
           <a:xfrm flipV="1">
-            <a:off x="10954680" y="4015429"/>
+            <a:off x="12631081" y="5615629"/>
             <a:ext cx="294814" cy="5430"/>
           </a:xfrm>
           <a:prstGeom prst="straightConnector1">
@@ -5601,12 +5136,14 @@
               </a:ext>
             </a:extLst>
           </p:cNvPr>
-          <p:cNvSpPr txBox="1"/>
+          <p:cNvSpPr txBox="1">
+            <a:spLocks noChangeAspect="1"/>
+          </p:cNvSpPr>
           <p:nvPr/>
         </p:nvSpPr>
         <p:spPr>
           <a:xfrm rot="16200000">
-            <a:off x="11215798" y="3532285"/>
+            <a:off x="12892198" y="5132486"/>
             <a:ext cx="750270" cy="307777"/>
           </a:xfrm>
           <a:prstGeom prst="rect">
@@ -5637,12 +5174,14 @@
               </a:ext>
             </a:extLst>
           </p:cNvPr>
-          <p:cNvSpPr/>
-          <p:nvPr/>
-        </p:nvSpPr>
-        <p:spPr>
-          <a:xfrm>
-            <a:off x="10229279" y="2659689"/>
+          <p:cNvSpPr>
+            <a:spLocks noChangeAspect="1"/>
+          </p:cNvSpPr>
+          <p:nvPr/>
+        </p:nvSpPr>
+        <p:spPr>
+          <a:xfrm>
+            <a:off x="11905680" y="4259890"/>
             <a:ext cx="323166" cy="298158"/>
           </a:xfrm>
           <a:prstGeom prst="flowChartConnector">
@@ -5682,12 +5221,14 @@
               </a:ext>
             </a:extLst>
           </p:cNvPr>
-          <p:cNvSpPr txBox="1"/>
-          <p:nvPr/>
-        </p:nvSpPr>
-        <p:spPr>
-          <a:xfrm>
-            <a:off x="10592936" y="2162087"/>
+          <p:cNvSpPr txBox="1">
+            <a:spLocks noChangeAspect="1"/>
+          </p:cNvSpPr>
+          <p:nvPr/>
+        </p:nvSpPr>
+        <p:spPr>
+          <a:xfrm>
+            <a:off x="12269337" y="3762287"/>
             <a:ext cx="813108" cy="738664"/>
           </a:xfrm>
           <a:prstGeom prst="rect">
@@ -5732,12 +5273,14 @@
               </a:ext>
             </a:extLst>
           </p:cNvPr>
-          <p:cNvSpPr/>
-          <p:nvPr/>
-        </p:nvSpPr>
-        <p:spPr>
-          <a:xfrm>
-            <a:off x="3315169" y="4743828"/>
+          <p:cNvSpPr>
+            <a:spLocks noChangeAspect="1"/>
+          </p:cNvSpPr>
+          <p:nvPr/>
+        </p:nvSpPr>
+        <p:spPr>
+          <a:xfrm>
+            <a:off x="4991569" y="6344028"/>
             <a:ext cx="1332126" cy="1085852"/>
           </a:xfrm>
           <a:prstGeom prst="rect">
@@ -5791,20 +5334,26 @@
             </a:extLst>
           </p:cNvPr>
           <p:cNvCxnSpPr>
-            <a:stCxn id="14" idx="2"/>
+            <a:cxnSpLocks noChangeAspect="1"/>
+            <a:stCxn id="14" idx="3"/>
             <a:endCxn id="122" idx="1"/>
           </p:cNvCxnSpPr>
           <p:nvPr/>
         </p:nvCxnSpPr>
         <p:spPr>
-          <a:xfrm rot="16200000" flipH="1">
-            <a:off x="1392714" y="3364299"/>
-            <a:ext cx="1600580" cy="2244330"/>
-          </a:xfrm>
-          <a:prstGeom prst="bentConnector2">
-            <a:avLst/>
+          <a:xfrm>
+            <a:off x="3037886" y="6091379"/>
+            <a:ext cx="1953683" cy="795575"/>
+          </a:xfrm>
+          <a:prstGeom prst="bentConnector3">
+            <a:avLst>
+              <a:gd name="adj1" fmla="val 50000"/>
+            </a:avLst>
           </a:prstGeom>
           <a:ln w="19050">
+            <a:solidFill>
+              <a:schemeClr val="tx1"/>
+            </a:solidFill>
             <a:prstDash val="dash"/>
             <a:headEnd type="triangle"/>
             <a:tailEnd type="triangle"/>
@@ -5835,21 +5384,26 @@
             </a:extLst>
           </p:cNvPr>
           <p:cNvCxnSpPr>
-            <a:cxnSpLocks/>
+            <a:cxnSpLocks noChangeAspect="1"/>
             <a:stCxn id="122" idx="3"/>
-            <a:endCxn id="4" idx="2"/>
+            <a:endCxn id="6" idx="1"/>
           </p:cNvCxnSpPr>
           <p:nvPr/>
         </p:nvCxnSpPr>
         <p:spPr>
           <a:xfrm flipV="1">
-            <a:off x="4647295" y="4343398"/>
-            <a:ext cx="1934480" cy="943356"/>
-          </a:xfrm>
-          <a:prstGeom prst="bentConnector2">
-            <a:avLst/>
+            <a:off x="6323695" y="6558159"/>
+            <a:ext cx="877008" cy="328795"/>
+          </a:xfrm>
+          <a:prstGeom prst="bentConnector3">
+            <a:avLst>
+              <a:gd name="adj1" fmla="val 50000"/>
+            </a:avLst>
           </a:prstGeom>
           <a:ln w="19050">
+            <a:solidFill>
+              <a:schemeClr val="tx1"/>
+            </a:solidFill>
             <a:prstDash val="dash"/>
             <a:headEnd type="triangle"/>
             <a:tailEnd type="triangle"/>
@@ -5879,12 +5433,14 @@
               </a:ext>
             </a:extLst>
           </p:cNvPr>
-          <p:cNvSpPr txBox="1"/>
-          <p:nvPr/>
-        </p:nvSpPr>
-        <p:spPr>
-          <a:xfrm>
-            <a:off x="1866217" y="4972049"/>
+          <p:cNvSpPr txBox="1">
+            <a:spLocks noChangeAspect="1"/>
+          </p:cNvSpPr>
+          <p:nvPr/>
+        </p:nvSpPr>
+        <p:spPr>
+          <a:xfrm>
+            <a:off x="4298740" y="6618738"/>
             <a:ext cx="437940" cy="276999"/>
           </a:xfrm>
           <a:prstGeom prst="rect">
@@ -5905,41 +5461,6 @@
           </a:p>
         </p:txBody>
       </p:sp>
-      <p:sp>
-        <p:nvSpPr>
-          <p:cNvPr id="129" name="TextBox 128">
-            <a:extLst>
-              <a:ext uri="{FF2B5EF4-FFF2-40B4-BE49-F238E27FC236}">
-                <a16:creationId xmlns:a16="http://schemas.microsoft.com/office/drawing/2014/main" id="{F82CC977-5E6F-D018-54F7-46F79FACF7DB}"/>
-              </a:ext>
-            </a:extLst>
-          </p:cNvPr>
-          <p:cNvSpPr txBox="1"/>
-          <p:nvPr/>
-        </p:nvSpPr>
-        <p:spPr>
-          <a:xfrm>
-            <a:off x="4795639" y="5009755"/>
-            <a:ext cx="484876" cy="276999"/>
-          </a:xfrm>
-          <a:prstGeom prst="rect">
-            <a:avLst/>
-          </a:prstGeom>
-          <a:noFill/>
-        </p:spPr>
-        <p:txBody>
-          <a:bodyPr wrap="none" rtlCol="0">
-            <a:spAutoFit/>
-          </a:bodyPr>
-          <a:lstStyle/>
-          <a:p>
-            <a:r>
-              <a:rPr lang="en-US" sz="1200" dirty="0"/>
-              <a:t>SWD</a:t>
-            </a:r>
-          </a:p>
-        </p:txBody>
-      </p:sp>
       <p:cxnSp>
         <p:nvCxnSpPr>
           <p:cNvPr id="130" name="Connector: Elbow 129">
@@ -5950,23 +5471,24 @@
             </a:extLst>
           </p:cNvPr>
           <p:cNvCxnSpPr>
-            <a:cxnSpLocks/>
-            <a:stCxn id="14" idx="2"/>
+            <a:cxnSpLocks noChangeAspect="1"/>
+            <a:stCxn id="14" idx="3"/>
             <a:endCxn id="5" idx="2"/>
           </p:cNvCxnSpPr>
           <p:nvPr/>
         </p:nvCxnSpPr>
         <p:spPr>
-          <a:xfrm rot="16200000" flipH="1">
-            <a:off x="2287911" y="2469102"/>
-            <a:ext cx="485775" cy="2919918"/>
-          </a:xfrm>
-          <a:prstGeom prst="bentConnector3">
-            <a:avLst>
-              <a:gd name="adj1" fmla="val 147059"/>
-            </a:avLst>
+          <a:xfrm flipV="1">
+            <a:off x="3037886" y="5772150"/>
+            <a:ext cx="2629271" cy="319229"/>
+          </a:xfrm>
+          <a:prstGeom prst="bentConnector2">
+            <a:avLst/>
           </a:prstGeom>
           <a:ln w="19050">
+            <a:solidFill>
+              <a:schemeClr val="tx1"/>
+            </a:solidFill>
             <a:prstDash val="dash"/>
             <a:headEnd type="triangle"/>
             <a:tailEnd type="triangle"/>
@@ -5996,12 +5518,14 @@
               </a:ext>
             </a:extLst>
           </p:cNvPr>
-          <p:cNvSpPr txBox="1"/>
-          <p:nvPr/>
-        </p:nvSpPr>
-        <p:spPr>
-          <a:xfrm>
-            <a:off x="1873898" y="4110260"/>
+          <p:cNvSpPr txBox="1">
+            <a:spLocks noChangeAspect="1"/>
+          </p:cNvSpPr>
+          <p:nvPr/>
+        </p:nvSpPr>
+        <p:spPr>
+          <a:xfrm>
+            <a:off x="4319352" y="5805597"/>
             <a:ext cx="437940" cy="276999"/>
           </a:xfrm>
           <a:prstGeom prst="rect">
@@ -6031,12 +5555,14 @@
               </a:ext>
             </a:extLst>
           </p:cNvPr>
-          <p:cNvSpPr txBox="1"/>
-          <p:nvPr/>
-        </p:nvSpPr>
-        <p:spPr>
-          <a:xfrm>
-            <a:off x="1403773" y="242797"/>
+          <p:cNvSpPr txBox="1">
+            <a:spLocks noChangeAspect="1"/>
+          </p:cNvSpPr>
+          <p:nvPr/>
+        </p:nvSpPr>
+        <p:spPr>
+          <a:xfrm>
+            <a:off x="5657632" y="423026"/>
             <a:ext cx="3280513" cy="400110"/>
           </a:xfrm>
           <a:prstGeom prst="rect">
@@ -6066,12 +5592,14 @@
               </a:ext>
             </a:extLst>
           </p:cNvPr>
-          <p:cNvSpPr/>
-          <p:nvPr/>
-        </p:nvSpPr>
-        <p:spPr>
-          <a:xfrm>
-            <a:off x="10192934" y="3574311"/>
+          <p:cNvSpPr>
+            <a:spLocks noChangeAspect="1"/>
+          </p:cNvSpPr>
+          <p:nvPr/>
+        </p:nvSpPr>
+        <p:spPr>
+          <a:xfrm>
+            <a:off x="11869336" y="5174512"/>
             <a:ext cx="761747" cy="240482"/>
           </a:xfrm>
           <a:prstGeom prst="rect">
@@ -6114,12 +5642,14 @@
               </a:ext>
             </a:extLst>
           </p:cNvPr>
-          <p:cNvSpPr/>
-          <p:nvPr/>
-        </p:nvSpPr>
-        <p:spPr>
-          <a:xfrm>
-            <a:off x="10192933" y="3900618"/>
+          <p:cNvSpPr>
+            <a:spLocks noChangeAspect="1"/>
+          </p:cNvSpPr>
+          <p:nvPr/>
+        </p:nvSpPr>
+        <p:spPr>
+          <a:xfrm>
+            <a:off x="11869335" y="5500819"/>
             <a:ext cx="761747" cy="240482"/>
           </a:xfrm>
           <a:prstGeom prst="rect">
@@ -6163,7 +5693,7 @@
             </a:extLst>
           </p:cNvPr>
           <p:cNvCxnSpPr>
-            <a:cxnSpLocks/>
+            <a:cxnSpLocks noChangeAspect="1"/>
             <a:stCxn id="30" idx="3"/>
             <a:endCxn id="145" idx="1"/>
           </p:cNvCxnSpPr>
@@ -6171,7 +5701,7 @@
         </p:nvCxnSpPr>
         <p:spPr>
           <a:xfrm>
-            <a:off x="9849319" y="3682510"/>
+            <a:off x="11525721" y="5282710"/>
             <a:ext cx="343615" cy="12042"/>
           </a:xfrm>
           <a:prstGeom prst="straightConnector1">
@@ -6206,14 +5736,14 @@
             </a:extLst>
           </p:cNvPr>
           <p:cNvCxnSpPr>
-            <a:cxnSpLocks/>
+            <a:cxnSpLocks noChangeAspect="1"/>
             <a:endCxn id="148" idx="1"/>
           </p:cNvCxnSpPr>
           <p:nvPr/>
         </p:nvCxnSpPr>
         <p:spPr>
           <a:xfrm flipV="1">
-            <a:off x="9849319" y="4020859"/>
+            <a:off x="11525719" y="5621061"/>
             <a:ext cx="343614" cy="5307"/>
           </a:xfrm>
           <a:prstGeom prst="straightConnector1">
@@ -6247,12 +5777,14 @@
               </a:ext>
             </a:extLst>
           </p:cNvPr>
-          <p:cNvSpPr/>
-          <p:nvPr/>
-        </p:nvSpPr>
-        <p:spPr>
-          <a:xfrm>
-            <a:off x="7299499" y="1251191"/>
+          <p:cNvSpPr>
+            <a:spLocks noChangeAspect="1"/>
+          </p:cNvSpPr>
+          <p:nvPr/>
+        </p:nvSpPr>
+        <p:spPr>
+          <a:xfrm>
+            <a:off x="8975899" y="2851393"/>
             <a:ext cx="342900" cy="710009"/>
           </a:xfrm>
           <a:prstGeom prst="rect">
@@ -6299,7 +5831,7 @@
             </a:extLst>
           </p:cNvPr>
           <p:cNvCxnSpPr>
-            <a:cxnSpLocks/>
+            <a:cxnSpLocks noChangeAspect="1"/>
             <a:stCxn id="25" idx="1"/>
             <a:endCxn id="163" idx="3"/>
           </p:cNvCxnSpPr>
@@ -6307,7 +5839,7 @@
         </p:nvCxnSpPr>
         <p:spPr>
           <a:xfrm rot="10800000" flipV="1">
-            <a:off x="7642400" y="1448028"/>
+            <a:off x="9318802" y="3048229"/>
             <a:ext cx="1025129" cy="158168"/>
           </a:xfrm>
           <a:prstGeom prst="bentConnector3">
@@ -6344,12 +5876,14 @@
               </a:ext>
             </a:extLst>
           </p:cNvPr>
-          <p:cNvSpPr txBox="1"/>
-          <p:nvPr/>
-        </p:nvSpPr>
-        <p:spPr>
-          <a:xfrm>
-            <a:off x="8154750" y="3444782"/>
+          <p:cNvSpPr txBox="1">
+            <a:spLocks noChangeAspect="1"/>
+          </p:cNvSpPr>
+          <p:nvPr/>
+        </p:nvSpPr>
+        <p:spPr>
+          <a:xfrm>
+            <a:off x="9831151" y="5044983"/>
             <a:ext cx="532518" cy="276999"/>
           </a:xfrm>
           <a:prstGeom prst="rect">
@@ -6379,12 +5913,14 @@
               </a:ext>
             </a:extLst>
           </p:cNvPr>
-          <p:cNvSpPr/>
-          <p:nvPr/>
-        </p:nvSpPr>
-        <p:spPr>
-          <a:xfrm>
-            <a:off x="8667528" y="809682"/>
+          <p:cNvSpPr>
+            <a:spLocks noChangeAspect="1"/>
+          </p:cNvSpPr>
+          <p:nvPr/>
+        </p:nvSpPr>
+        <p:spPr>
+          <a:xfrm>
+            <a:off x="10343928" y="2409882"/>
             <a:ext cx="1029168" cy="1276692"/>
           </a:xfrm>
           <a:prstGeom prst="rect">
@@ -6431,6 +5967,935 @@
           </a:p>
         </p:txBody>
       </p:sp>
+      <p:sp>
+        <p:nvSpPr>
+          <p:cNvPr id="2" name="Rectangle 1">
+            <a:extLst>
+              <a:ext uri="{FF2B5EF4-FFF2-40B4-BE49-F238E27FC236}">
+                <a16:creationId xmlns:a16="http://schemas.microsoft.com/office/drawing/2014/main" id="{8C9F707B-7DEC-C8ED-C4BF-316B52A6239A}"/>
+              </a:ext>
+            </a:extLst>
+          </p:cNvPr>
+          <p:cNvSpPr>
+            <a:spLocks noChangeAspect="1"/>
+          </p:cNvSpPr>
+          <p:nvPr/>
+        </p:nvSpPr>
+        <p:spPr>
+          <a:xfrm>
+            <a:off x="10334975" y="7320093"/>
+            <a:ext cx="1162050" cy="530278"/>
+          </a:xfrm>
+          <a:prstGeom prst="rect">
+            <a:avLst/>
+          </a:prstGeom>
+          <a:noFill/>
+        </p:spPr>
+        <p:style>
+          <a:lnRef idx="1">
+            <a:schemeClr val="accent5"/>
+          </a:lnRef>
+          <a:fillRef idx="2">
+            <a:schemeClr val="accent5"/>
+          </a:fillRef>
+          <a:effectRef idx="1">
+            <a:schemeClr val="accent5"/>
+          </a:effectRef>
+          <a:fontRef idx="minor">
+            <a:schemeClr val="dk1"/>
+          </a:fontRef>
+        </p:style>
+        <p:txBody>
+          <a:bodyPr rtlCol="0" anchor="ctr"/>
+          <a:lstStyle/>
+          <a:p>
+            <a:pPr algn="ctr"/>
+            <a:r>
+              <a:rPr lang="en-US" dirty="0">
+                <a:solidFill>
+                  <a:schemeClr val="bg1">
+                    <a:lumMod val="65000"/>
+                  </a:schemeClr>
+                </a:solidFill>
+              </a:rPr>
+              <a:t>RTC</a:t>
+            </a:r>
+          </a:p>
+          <a:p>
+            <a:pPr algn="ctr"/>
+            <a:r>
+              <a:rPr lang="en-US" sz="1400" dirty="0">
+                <a:solidFill>
+                  <a:schemeClr val="bg1">
+                    <a:lumMod val="65000"/>
+                  </a:schemeClr>
+                </a:solidFill>
+              </a:rPr>
+              <a:t>(Future)</a:t>
+            </a:r>
+          </a:p>
+        </p:txBody>
+      </p:sp>
+      <p:sp>
+        <p:nvSpPr>
+          <p:cNvPr id="3" name="Rectangle 2">
+            <a:extLst>
+              <a:ext uri="{FF2B5EF4-FFF2-40B4-BE49-F238E27FC236}">
+                <a16:creationId xmlns:a16="http://schemas.microsoft.com/office/drawing/2014/main" id="{25CE05DE-46B3-36DD-7B6B-4267F286BA85}"/>
+              </a:ext>
+            </a:extLst>
+          </p:cNvPr>
+          <p:cNvSpPr>
+            <a:spLocks noChangeAspect="1"/>
+          </p:cNvSpPr>
+          <p:nvPr/>
+        </p:nvSpPr>
+        <p:spPr>
+          <a:xfrm>
+            <a:off x="10350924" y="7995413"/>
+            <a:ext cx="1162050" cy="642978"/>
+          </a:xfrm>
+          <a:prstGeom prst="rect">
+            <a:avLst/>
+          </a:prstGeom>
+          <a:noFill/>
+        </p:spPr>
+        <p:style>
+          <a:lnRef idx="1">
+            <a:schemeClr val="accent5"/>
+          </a:lnRef>
+          <a:fillRef idx="2">
+            <a:schemeClr val="accent5"/>
+          </a:fillRef>
+          <a:effectRef idx="1">
+            <a:schemeClr val="accent5"/>
+          </a:effectRef>
+          <a:fontRef idx="minor">
+            <a:schemeClr val="dk1"/>
+          </a:fontRef>
+        </p:style>
+        <p:txBody>
+          <a:bodyPr rtlCol="0" anchor="ctr"/>
+          <a:lstStyle/>
+          <a:p>
+            <a:pPr algn="ctr"/>
+            <a:r>
+              <a:rPr lang="en-US" dirty="0">
+                <a:solidFill>
+                  <a:schemeClr val="bg1">
+                    <a:lumMod val="65000"/>
+                  </a:schemeClr>
+                </a:solidFill>
+              </a:rPr>
+              <a:t>NV Mem</a:t>
+            </a:r>
+          </a:p>
+          <a:p>
+            <a:pPr algn="ctr"/>
+            <a:r>
+              <a:rPr lang="en-US" sz="1400" dirty="0">
+                <a:solidFill>
+                  <a:schemeClr val="bg1">
+                    <a:lumMod val="65000"/>
+                  </a:schemeClr>
+                </a:solidFill>
+              </a:rPr>
+              <a:t>(Future)</a:t>
+            </a:r>
+          </a:p>
+        </p:txBody>
+      </p:sp>
+      <p:sp>
+        <p:nvSpPr>
+          <p:cNvPr id="6" name="Rectangle 5">
+            <a:extLst>
+              <a:ext uri="{FF2B5EF4-FFF2-40B4-BE49-F238E27FC236}">
+                <a16:creationId xmlns:a16="http://schemas.microsoft.com/office/drawing/2014/main" id="{2A7DB386-29FE-BE9F-F3AC-2696E64F67DF}"/>
+              </a:ext>
+            </a:extLst>
+          </p:cNvPr>
+          <p:cNvSpPr>
+            <a:spLocks noChangeAspect="1"/>
+          </p:cNvSpPr>
+          <p:nvPr/>
+        </p:nvSpPr>
+        <p:spPr>
+          <a:xfrm>
+            <a:off x="7200703" y="6203154"/>
+            <a:ext cx="342900" cy="710009"/>
+          </a:xfrm>
+          <a:prstGeom prst="rect">
+            <a:avLst/>
+          </a:prstGeom>
+          <a:ln>
+            <a:headEnd type="none" w="med" len="med"/>
+            <a:tailEnd type="none" w="med" len="med"/>
+          </a:ln>
+        </p:spPr>
+        <p:style>
+          <a:lnRef idx="2">
+            <a:schemeClr val="dk1"/>
+          </a:lnRef>
+          <a:fillRef idx="1">
+            <a:schemeClr val="lt1"/>
+          </a:fillRef>
+          <a:effectRef idx="0">
+            <a:schemeClr val="dk1"/>
+          </a:effectRef>
+          <a:fontRef idx="minor">
+            <a:schemeClr val="dk1"/>
+          </a:fontRef>
+        </p:style>
+        <p:txBody>
+          <a:bodyPr vert="vert" rtlCol="0" anchor="ctr"/>
+          <a:lstStyle/>
+          <a:p>
+            <a:pPr algn="ctr"/>
+            <a:r>
+              <a:rPr lang="en-US" dirty="0"/>
+              <a:t>SWD</a:t>
+            </a:r>
+          </a:p>
+        </p:txBody>
+      </p:sp>
+      <p:sp>
+        <p:nvSpPr>
+          <p:cNvPr id="15" name="Rectangle 14">
+            <a:extLst>
+              <a:ext uri="{FF2B5EF4-FFF2-40B4-BE49-F238E27FC236}">
+                <a16:creationId xmlns:a16="http://schemas.microsoft.com/office/drawing/2014/main" id="{D2D1CC95-7B80-41ED-8005-1BEAE26C6780}"/>
+              </a:ext>
+            </a:extLst>
+          </p:cNvPr>
+          <p:cNvSpPr>
+            <a:spLocks noChangeAspect="1"/>
+          </p:cNvSpPr>
+          <p:nvPr/>
+        </p:nvSpPr>
+        <p:spPr>
+          <a:xfrm rot="16200000">
+            <a:off x="8623072" y="6891922"/>
+            <a:ext cx="342900" cy="846552"/>
+          </a:xfrm>
+          <a:prstGeom prst="rect">
+            <a:avLst/>
+          </a:prstGeom>
+          <a:ln>
+            <a:headEnd type="none" w="med" len="med"/>
+            <a:tailEnd type="none" w="med" len="med"/>
+          </a:ln>
+        </p:spPr>
+        <p:style>
+          <a:lnRef idx="2">
+            <a:schemeClr val="dk1"/>
+          </a:lnRef>
+          <a:fillRef idx="1">
+            <a:schemeClr val="lt1"/>
+          </a:fillRef>
+          <a:effectRef idx="0">
+            <a:schemeClr val="dk1"/>
+          </a:effectRef>
+          <a:fontRef idx="minor">
+            <a:schemeClr val="dk1"/>
+          </a:fontRef>
+        </p:style>
+        <p:txBody>
+          <a:bodyPr vert="vert" rtlCol="0" anchor="ctr"/>
+          <a:lstStyle/>
+          <a:p>
+            <a:pPr algn="ctr"/>
+            <a:r>
+              <a:rPr lang="en-US" dirty="0">
+                <a:solidFill>
+                  <a:schemeClr val="bg1">
+                    <a:lumMod val="65000"/>
+                  </a:schemeClr>
+                </a:solidFill>
+              </a:rPr>
+              <a:t>I2C/SPI</a:t>
+            </a:r>
+          </a:p>
+        </p:txBody>
+      </p:sp>
+      <p:cxnSp>
+        <p:nvCxnSpPr>
+          <p:cNvPr id="18" name="Connector: Elbow 17">
+            <a:extLst>
+              <a:ext uri="{FF2B5EF4-FFF2-40B4-BE49-F238E27FC236}">
+                <a16:creationId xmlns:a16="http://schemas.microsoft.com/office/drawing/2014/main" id="{AEE2925D-D48E-7986-3A7A-FA1245084304}"/>
+              </a:ext>
+            </a:extLst>
+          </p:cNvPr>
+          <p:cNvCxnSpPr>
+            <a:cxnSpLocks noChangeAspect="1"/>
+            <a:stCxn id="2" idx="1"/>
+            <a:endCxn id="15" idx="2"/>
+          </p:cNvCxnSpPr>
+          <p:nvPr/>
+        </p:nvCxnSpPr>
+        <p:spPr>
+          <a:xfrm rot="10800000">
+            <a:off x="9217799" y="7315198"/>
+            <a:ext cx="1117177" cy="270034"/>
+          </a:xfrm>
+          <a:prstGeom prst="bentConnector3">
+            <a:avLst>
+              <a:gd name="adj1" fmla="val 50000"/>
+            </a:avLst>
+          </a:prstGeom>
+          <a:ln w="25400">
+            <a:solidFill>
+              <a:schemeClr val="bg1">
+                <a:lumMod val="75000"/>
+              </a:schemeClr>
+            </a:solidFill>
+            <a:headEnd type="triangle"/>
+            <a:tailEnd type="none"/>
+          </a:ln>
+        </p:spPr>
+        <p:style>
+          <a:lnRef idx="1">
+            <a:schemeClr val="accent1"/>
+          </a:lnRef>
+          <a:fillRef idx="0">
+            <a:schemeClr val="accent1"/>
+          </a:fillRef>
+          <a:effectRef idx="0">
+            <a:schemeClr val="accent1"/>
+          </a:effectRef>
+          <a:fontRef idx="minor">
+            <a:schemeClr val="tx1"/>
+          </a:fontRef>
+        </p:style>
+      </p:cxnSp>
+      <p:cxnSp>
+        <p:nvCxnSpPr>
+          <p:cNvPr id="42" name="Connector: Elbow 41">
+            <a:extLst>
+              <a:ext uri="{FF2B5EF4-FFF2-40B4-BE49-F238E27FC236}">
+                <a16:creationId xmlns:a16="http://schemas.microsoft.com/office/drawing/2014/main" id="{097516E6-511D-1AF7-570F-EE0112201144}"/>
+              </a:ext>
+            </a:extLst>
+          </p:cNvPr>
+          <p:cNvCxnSpPr>
+            <a:cxnSpLocks noChangeAspect="1"/>
+            <a:stCxn id="3" idx="1"/>
+            <a:endCxn id="15" idx="1"/>
+          </p:cNvCxnSpPr>
+          <p:nvPr/>
+        </p:nvCxnSpPr>
+        <p:spPr>
+          <a:xfrm rot="10800000">
+            <a:off x="8794522" y="7486648"/>
+            <a:ext cx="1556402" cy="830254"/>
+          </a:xfrm>
+          <a:prstGeom prst="bentConnector2">
+            <a:avLst/>
+          </a:prstGeom>
+          <a:ln w="25400">
+            <a:solidFill>
+              <a:schemeClr val="bg1">
+                <a:lumMod val="75000"/>
+              </a:schemeClr>
+            </a:solidFill>
+            <a:headEnd type="triangle"/>
+            <a:tailEnd type="none"/>
+          </a:ln>
+        </p:spPr>
+        <p:style>
+          <a:lnRef idx="1">
+            <a:schemeClr val="accent1"/>
+          </a:lnRef>
+          <a:fillRef idx="0">
+            <a:schemeClr val="accent1"/>
+          </a:fillRef>
+          <a:effectRef idx="0">
+            <a:schemeClr val="accent1"/>
+          </a:effectRef>
+          <a:fontRef idx="minor">
+            <a:schemeClr val="tx1"/>
+          </a:fontRef>
+        </p:style>
+      </p:cxnSp>
+      <p:sp>
+        <p:nvSpPr>
+          <p:cNvPr id="52" name="Rectangle 51">
+            <a:extLst>
+              <a:ext uri="{FF2B5EF4-FFF2-40B4-BE49-F238E27FC236}">
+                <a16:creationId xmlns:a16="http://schemas.microsoft.com/office/drawing/2014/main" id="{9FB10360-54D7-8A5A-8389-A23A4F7ABAF0}"/>
+              </a:ext>
+            </a:extLst>
+          </p:cNvPr>
+          <p:cNvSpPr>
+            <a:spLocks noChangeAspect="1"/>
+          </p:cNvSpPr>
+          <p:nvPr/>
+        </p:nvSpPr>
+        <p:spPr>
+          <a:xfrm>
+            <a:off x="1894562" y="3591925"/>
+            <a:ext cx="1207290" cy="1457323"/>
+          </a:xfrm>
+          <a:prstGeom prst="rect">
+            <a:avLst/>
+          </a:prstGeom>
+        </p:spPr>
+        <p:style>
+          <a:lnRef idx="1">
+            <a:schemeClr val="accent4"/>
+          </a:lnRef>
+          <a:fillRef idx="2">
+            <a:schemeClr val="accent4"/>
+          </a:fillRef>
+          <a:effectRef idx="1">
+            <a:schemeClr val="accent4"/>
+          </a:effectRef>
+          <a:fontRef idx="minor">
+            <a:schemeClr val="dk1"/>
+          </a:fontRef>
+        </p:style>
+        <p:txBody>
+          <a:bodyPr rtlCol="0" anchor="ctr"/>
+          <a:lstStyle/>
+          <a:p>
+            <a:pPr algn="ctr"/>
+            <a:r>
+              <a:rPr lang="en-US" dirty="0"/>
+              <a:t>GUI PC</a:t>
+            </a:r>
+          </a:p>
+          <a:p>
+            <a:pPr algn="ctr"/>
+            <a:r>
+              <a:rPr lang="en-US" sz="1400" dirty="0"/>
+              <a:t>MQTT Client</a:t>
+            </a:r>
+          </a:p>
+          <a:p>
+            <a:pPr algn="ctr"/>
+            <a:r>
+              <a:rPr lang="en-US" sz="1400" dirty="0"/>
+              <a:t>Node-Red </a:t>
+            </a:r>
+            <a:r>
+              <a:rPr lang="en-US" sz="1400" dirty="0" err="1"/>
+              <a:t>InfluxDB</a:t>
+            </a:r>
+            <a:endParaRPr lang="en-US" sz="1400" dirty="0"/>
+          </a:p>
+          <a:p>
+            <a:pPr algn="ctr"/>
+            <a:r>
+              <a:rPr lang="en-US" sz="1400" dirty="0"/>
+              <a:t>Grafana</a:t>
+            </a:r>
+          </a:p>
+        </p:txBody>
+      </p:sp>
+      <p:sp>
+        <p:nvSpPr>
+          <p:cNvPr id="75" name="Cloud 74">
+            <a:extLst>
+              <a:ext uri="{FF2B5EF4-FFF2-40B4-BE49-F238E27FC236}">
+                <a16:creationId xmlns:a16="http://schemas.microsoft.com/office/drawing/2014/main" id="{555A7E6F-C5C7-C17E-4639-A1A7D8DBA7BE}"/>
+              </a:ext>
+            </a:extLst>
+          </p:cNvPr>
+          <p:cNvSpPr/>
+          <p:nvPr/>
+        </p:nvSpPr>
+        <p:spPr>
+          <a:xfrm>
+            <a:off x="4829834" y="7940951"/>
+            <a:ext cx="1416038" cy="687563"/>
+          </a:xfrm>
+          <a:prstGeom prst="cloud">
+            <a:avLst/>
+          </a:prstGeom>
+          <a:noFill/>
+          <a:ln>
+            <a:solidFill>
+              <a:schemeClr val="bg1">
+                <a:lumMod val="50000"/>
+              </a:schemeClr>
+            </a:solidFill>
+          </a:ln>
+        </p:spPr>
+        <p:style>
+          <a:lnRef idx="2">
+            <a:schemeClr val="accent1">
+              <a:shade val="50000"/>
+            </a:schemeClr>
+          </a:lnRef>
+          <a:fillRef idx="1">
+            <a:schemeClr val="accent1"/>
+          </a:fillRef>
+          <a:effectRef idx="0">
+            <a:schemeClr val="accent1"/>
+          </a:effectRef>
+          <a:fontRef idx="minor">
+            <a:schemeClr val="lt1"/>
+          </a:fontRef>
+        </p:style>
+        <p:txBody>
+          <a:bodyPr rtlCol="0" anchor="ctr"/>
+          <a:lstStyle/>
+          <a:p>
+            <a:pPr algn="ctr"/>
+            <a:r>
+              <a:rPr lang="en-US" dirty="0" err="1">
+                <a:solidFill>
+                  <a:schemeClr val="bg1">
+                    <a:lumMod val="50000"/>
+                  </a:schemeClr>
+                </a:solidFill>
+              </a:rPr>
+              <a:t>WiFi</a:t>
+            </a:r>
+            <a:endParaRPr lang="en-US" dirty="0">
+              <a:solidFill>
+                <a:schemeClr val="bg1">
+                  <a:lumMod val="50000"/>
+                </a:schemeClr>
+              </a:solidFill>
+            </a:endParaRPr>
+          </a:p>
+        </p:txBody>
+      </p:sp>
+      <p:cxnSp>
+        <p:nvCxnSpPr>
+          <p:cNvPr id="78" name="Connector: Curved 77">
+            <a:extLst>
+              <a:ext uri="{FF2B5EF4-FFF2-40B4-BE49-F238E27FC236}">
+                <a16:creationId xmlns:a16="http://schemas.microsoft.com/office/drawing/2014/main" id="{07EEF33A-DAE2-4C53-F841-96DC3EDDE33A}"/>
+              </a:ext>
+            </a:extLst>
+          </p:cNvPr>
+          <p:cNvCxnSpPr>
+            <a:cxnSpLocks/>
+            <a:stCxn id="52" idx="3"/>
+            <a:endCxn id="13" idx="1"/>
+          </p:cNvCxnSpPr>
+          <p:nvPr/>
+        </p:nvCxnSpPr>
+        <p:spPr>
+          <a:xfrm flipV="1">
+            <a:off x="3101852" y="4319429"/>
+            <a:ext cx="384084" cy="1158"/>
+          </a:xfrm>
+          <a:prstGeom prst="curvedConnector3">
+            <a:avLst>
+              <a:gd name="adj1" fmla="val 50000"/>
+            </a:avLst>
+          </a:prstGeom>
+          <a:ln w="19050">
+            <a:solidFill>
+              <a:srgbClr val="00B050"/>
+            </a:solidFill>
+            <a:headEnd type="triangle"/>
+            <a:tailEnd type="triangle"/>
+          </a:ln>
+        </p:spPr>
+        <p:style>
+          <a:lnRef idx="1">
+            <a:schemeClr val="accent1"/>
+          </a:lnRef>
+          <a:fillRef idx="0">
+            <a:schemeClr val="accent1"/>
+          </a:fillRef>
+          <a:effectRef idx="0">
+            <a:schemeClr val="accent1"/>
+          </a:effectRef>
+          <a:fontRef idx="minor">
+            <a:schemeClr val="tx1"/>
+          </a:fontRef>
+        </p:style>
+      </p:cxnSp>
+      <p:cxnSp>
+        <p:nvCxnSpPr>
+          <p:cNvPr id="80" name="Connector: Curved 79">
+            <a:extLst>
+              <a:ext uri="{FF2B5EF4-FFF2-40B4-BE49-F238E27FC236}">
+                <a16:creationId xmlns:a16="http://schemas.microsoft.com/office/drawing/2014/main" id="{6690667E-DE44-A9DD-17D5-153A465DFEB7}"/>
+              </a:ext>
+            </a:extLst>
+          </p:cNvPr>
+          <p:cNvCxnSpPr>
+            <a:cxnSpLocks/>
+            <a:stCxn id="13" idx="3"/>
+            <a:endCxn id="5" idx="1"/>
+          </p:cNvCxnSpPr>
+          <p:nvPr/>
+        </p:nvCxnSpPr>
+        <p:spPr>
+          <a:xfrm>
+            <a:off x="4343186" y="4319429"/>
+            <a:ext cx="657908" cy="23971"/>
+          </a:xfrm>
+          <a:prstGeom prst="curvedConnector3">
+            <a:avLst>
+              <a:gd name="adj1" fmla="val 50000"/>
+            </a:avLst>
+          </a:prstGeom>
+          <a:ln w="19050">
+            <a:solidFill>
+              <a:srgbClr val="00B050"/>
+            </a:solidFill>
+            <a:headEnd type="triangle"/>
+            <a:tailEnd type="triangle"/>
+          </a:ln>
+        </p:spPr>
+        <p:style>
+          <a:lnRef idx="1">
+            <a:schemeClr val="accent1"/>
+          </a:lnRef>
+          <a:fillRef idx="0">
+            <a:schemeClr val="accent1"/>
+          </a:fillRef>
+          <a:effectRef idx="0">
+            <a:schemeClr val="accent1"/>
+          </a:effectRef>
+          <a:fontRef idx="minor">
+            <a:schemeClr val="tx1"/>
+          </a:fontRef>
+        </p:style>
+      </p:cxnSp>
+      <p:sp>
+        <p:nvSpPr>
+          <p:cNvPr id="100" name="Rectangle 99">
+            <a:extLst>
+              <a:ext uri="{FF2B5EF4-FFF2-40B4-BE49-F238E27FC236}">
+                <a16:creationId xmlns:a16="http://schemas.microsoft.com/office/drawing/2014/main" id="{EF2F216E-ED99-C99D-DDE0-21704320D6F1}"/>
+              </a:ext>
+            </a:extLst>
+          </p:cNvPr>
+          <p:cNvSpPr>
+            <a:spLocks noChangeAspect="1"/>
+          </p:cNvSpPr>
+          <p:nvPr/>
+        </p:nvSpPr>
+        <p:spPr>
+          <a:xfrm rot="16200000">
+            <a:off x="7449817" y="6891922"/>
+            <a:ext cx="342900" cy="846552"/>
+          </a:xfrm>
+          <a:prstGeom prst="rect">
+            <a:avLst/>
+          </a:prstGeom>
+          <a:ln>
+            <a:headEnd type="none" w="med" len="med"/>
+            <a:tailEnd type="none" w="med" len="med"/>
+          </a:ln>
+        </p:spPr>
+        <p:style>
+          <a:lnRef idx="2">
+            <a:schemeClr val="dk1"/>
+          </a:lnRef>
+          <a:fillRef idx="1">
+            <a:schemeClr val="lt1"/>
+          </a:fillRef>
+          <a:effectRef idx="0">
+            <a:schemeClr val="dk1"/>
+          </a:effectRef>
+          <a:fontRef idx="minor">
+            <a:schemeClr val="dk1"/>
+          </a:fontRef>
+        </p:style>
+        <p:txBody>
+          <a:bodyPr vert="vert" rtlCol="0" anchor="ctr"/>
+          <a:lstStyle/>
+          <a:p>
+            <a:pPr algn="ctr"/>
+            <a:r>
+              <a:rPr lang="en-US" dirty="0" err="1">
+                <a:solidFill>
+                  <a:schemeClr val="bg1">
+                    <a:lumMod val="65000"/>
+                  </a:schemeClr>
+                </a:solidFill>
+              </a:rPr>
+              <a:t>WiFi</a:t>
+            </a:r>
+            <a:endParaRPr lang="en-US" dirty="0">
+              <a:solidFill>
+                <a:schemeClr val="bg1">
+                  <a:lumMod val="65000"/>
+                </a:schemeClr>
+              </a:solidFill>
+            </a:endParaRPr>
+          </a:p>
+        </p:txBody>
+      </p:sp>
+      <p:cxnSp>
+        <p:nvCxnSpPr>
+          <p:cNvPr id="101" name="Connector: Curved 100">
+            <a:extLst>
+              <a:ext uri="{FF2B5EF4-FFF2-40B4-BE49-F238E27FC236}">
+                <a16:creationId xmlns:a16="http://schemas.microsoft.com/office/drawing/2014/main" id="{CF2BBB4A-336F-0EDF-36FE-3EA318E2B3E5}"/>
+              </a:ext>
+            </a:extLst>
+          </p:cNvPr>
+          <p:cNvCxnSpPr>
+            <a:cxnSpLocks/>
+            <a:stCxn id="75" idx="0"/>
+            <a:endCxn id="100" idx="1"/>
+          </p:cNvCxnSpPr>
+          <p:nvPr/>
+        </p:nvCxnSpPr>
+        <p:spPr>
+          <a:xfrm flipV="1">
+            <a:off x="6244692" y="7486648"/>
+            <a:ext cx="1376575" cy="798085"/>
+          </a:xfrm>
+          <a:prstGeom prst="curvedConnector2">
+            <a:avLst/>
+          </a:prstGeom>
+          <a:ln w="19050">
+            <a:solidFill>
+              <a:schemeClr val="bg1">
+                <a:lumMod val="75000"/>
+              </a:schemeClr>
+            </a:solidFill>
+            <a:headEnd type="triangle"/>
+            <a:tailEnd type="triangle"/>
+          </a:ln>
+        </p:spPr>
+        <p:style>
+          <a:lnRef idx="1">
+            <a:schemeClr val="accent1"/>
+          </a:lnRef>
+          <a:fillRef idx="0">
+            <a:schemeClr val="accent1"/>
+          </a:fillRef>
+          <a:effectRef idx="0">
+            <a:schemeClr val="accent1"/>
+          </a:effectRef>
+          <a:fontRef idx="minor">
+            <a:schemeClr val="tx1"/>
+          </a:fontRef>
+        </p:style>
+      </p:cxnSp>
+      <p:pic>
+        <p:nvPicPr>
+          <p:cNvPr id="123" name="Graphic 122" descr="Web design outline">
+            <a:extLst>
+              <a:ext uri="{FF2B5EF4-FFF2-40B4-BE49-F238E27FC236}">
+                <a16:creationId xmlns:a16="http://schemas.microsoft.com/office/drawing/2014/main" id="{531E5DDA-F781-668A-97A6-7F1136770451}"/>
+              </a:ext>
+            </a:extLst>
+          </p:cNvPr>
+          <p:cNvPicPr>
+            <a:picLocks noChangeAspect="1"/>
+          </p:cNvPicPr>
+          <p:nvPr/>
+        </p:nvPicPr>
+        <p:blipFill>
+          <a:blip r:embed="rId2">
+            <a:extLst>
+              <a:ext uri="{28A0092B-C50C-407E-A947-70E740481C1C}">
+                <a14:useLocalDpi xmlns:a14="http://schemas.microsoft.com/office/drawing/2010/main" val="0"/>
+              </a:ext>
+              <a:ext uri="{96DAC541-7B7A-43D3-8B79-37D633B846F1}">
+                <asvg:svgBlip xmlns:asvg="http://schemas.microsoft.com/office/drawing/2016/SVG/main" r:embed="rId3"/>
+              </a:ext>
+            </a:extLst>
+          </a:blip>
+          <a:stretch>
+            <a:fillRect/>
+          </a:stretch>
+        </p:blipFill>
+        <p:spPr>
+          <a:xfrm>
+            <a:off x="3000161" y="7796658"/>
+            <a:ext cx="914400" cy="914400"/>
+          </a:xfrm>
+          <a:prstGeom prst="rect">
+            <a:avLst/>
+          </a:prstGeom>
+        </p:spPr>
+      </p:pic>
+      <p:cxnSp>
+        <p:nvCxnSpPr>
+          <p:cNvPr id="126" name="Connector: Curved 125">
+            <a:extLst>
+              <a:ext uri="{FF2B5EF4-FFF2-40B4-BE49-F238E27FC236}">
+                <a16:creationId xmlns:a16="http://schemas.microsoft.com/office/drawing/2014/main" id="{1BF53A48-8F8F-73BD-E482-FED4A9CE24E6}"/>
+              </a:ext>
+            </a:extLst>
+          </p:cNvPr>
+          <p:cNvCxnSpPr>
+            <a:cxnSpLocks/>
+            <a:stCxn id="123" idx="3"/>
+            <a:endCxn id="75" idx="2"/>
+          </p:cNvCxnSpPr>
+          <p:nvPr/>
+        </p:nvCxnSpPr>
+        <p:spPr>
+          <a:xfrm>
+            <a:off x="3914561" y="8253858"/>
+            <a:ext cx="919665" cy="30875"/>
+          </a:xfrm>
+          <a:prstGeom prst="curvedConnector3">
+            <a:avLst>
+              <a:gd name="adj1" fmla="val 50000"/>
+            </a:avLst>
+          </a:prstGeom>
+          <a:ln w="19050">
+            <a:solidFill>
+              <a:schemeClr val="bg1">
+                <a:lumMod val="75000"/>
+              </a:schemeClr>
+            </a:solidFill>
+            <a:headEnd type="triangle"/>
+            <a:tailEnd type="triangle"/>
+          </a:ln>
+        </p:spPr>
+        <p:style>
+          <a:lnRef idx="1">
+            <a:schemeClr val="accent1"/>
+          </a:lnRef>
+          <a:fillRef idx="0">
+            <a:schemeClr val="accent1"/>
+          </a:fillRef>
+          <a:effectRef idx="0">
+            <a:schemeClr val="accent1"/>
+          </a:effectRef>
+          <a:fontRef idx="minor">
+            <a:schemeClr val="tx1"/>
+          </a:fontRef>
+        </p:style>
+      </p:cxnSp>
+      <p:sp>
+        <p:nvSpPr>
+          <p:cNvPr id="135" name="TextBox 134">
+            <a:extLst>
+              <a:ext uri="{FF2B5EF4-FFF2-40B4-BE49-F238E27FC236}">
+                <a16:creationId xmlns:a16="http://schemas.microsoft.com/office/drawing/2014/main" id="{9FB0FE3C-69BD-47DB-7198-55F6547DE9E0}"/>
+              </a:ext>
+            </a:extLst>
+          </p:cNvPr>
+          <p:cNvSpPr txBox="1"/>
+          <p:nvPr/>
+        </p:nvSpPr>
+        <p:spPr>
+          <a:xfrm>
+            <a:off x="2933313" y="8521927"/>
+            <a:ext cx="1118319" cy="646331"/>
+          </a:xfrm>
+          <a:prstGeom prst="rect">
+            <a:avLst/>
+          </a:prstGeom>
+          <a:noFill/>
+        </p:spPr>
+        <p:txBody>
+          <a:bodyPr wrap="none" rtlCol="0">
+            <a:spAutoFit/>
+          </a:bodyPr>
+          <a:lstStyle/>
+          <a:p>
+            <a:pPr algn="ctr"/>
+            <a:r>
+              <a:rPr lang="en-US" dirty="0">
+                <a:solidFill>
+                  <a:schemeClr val="bg1">
+                    <a:lumMod val="50000"/>
+                  </a:schemeClr>
+                </a:solidFill>
+              </a:rPr>
+              <a:t>Web Page</a:t>
+            </a:r>
+          </a:p>
+          <a:p>
+            <a:pPr algn="ctr"/>
+            <a:r>
+              <a:rPr lang="en-US" dirty="0">
+                <a:solidFill>
+                  <a:schemeClr val="bg1">
+                    <a:lumMod val="50000"/>
+                  </a:schemeClr>
+                </a:solidFill>
+              </a:rPr>
+              <a:t>(Future)</a:t>
+            </a:r>
+          </a:p>
+        </p:txBody>
+      </p:sp>
+      <p:sp>
+        <p:nvSpPr>
+          <p:cNvPr id="140" name="TextBox 139">
+            <a:extLst>
+              <a:ext uri="{FF2B5EF4-FFF2-40B4-BE49-F238E27FC236}">
+                <a16:creationId xmlns:a16="http://schemas.microsoft.com/office/drawing/2014/main" id="{C1FF8434-02E9-93E0-24A9-0D7D16E4548F}"/>
+              </a:ext>
+            </a:extLst>
+          </p:cNvPr>
+          <p:cNvSpPr txBox="1">
+            <a:spLocks noChangeAspect="1"/>
+          </p:cNvSpPr>
+          <p:nvPr/>
+        </p:nvSpPr>
+        <p:spPr>
+          <a:xfrm>
+            <a:off x="4459532" y="3975648"/>
+            <a:ext cx="618284" cy="276999"/>
+          </a:xfrm>
+          <a:prstGeom prst="rect">
+            <a:avLst/>
+          </a:prstGeom>
+          <a:noFill/>
+        </p:spPr>
+        <p:txBody>
+          <a:bodyPr wrap="square" rtlCol="0">
+            <a:spAutoFit/>
+          </a:bodyPr>
+          <a:lstStyle/>
+          <a:p>
+            <a:r>
+              <a:rPr lang="en-US" sz="1200" dirty="0" err="1"/>
+              <a:t>WiFi</a:t>
+            </a:r>
+            <a:endParaRPr lang="en-US" sz="1200" dirty="0"/>
+          </a:p>
+        </p:txBody>
+      </p:sp>
+      <p:sp>
+        <p:nvSpPr>
+          <p:cNvPr id="141" name="TextBox 140">
+            <a:extLst>
+              <a:ext uri="{FF2B5EF4-FFF2-40B4-BE49-F238E27FC236}">
+                <a16:creationId xmlns:a16="http://schemas.microsoft.com/office/drawing/2014/main" id="{F405C692-72EB-639E-07D7-AF6EC2676E55}"/>
+              </a:ext>
+            </a:extLst>
+          </p:cNvPr>
+          <p:cNvSpPr txBox="1">
+            <a:spLocks noChangeAspect="1"/>
+          </p:cNvSpPr>
+          <p:nvPr/>
+        </p:nvSpPr>
+        <p:spPr>
+          <a:xfrm>
+            <a:off x="3046037" y="4021315"/>
+            <a:ext cx="618284" cy="276999"/>
+          </a:xfrm>
+          <a:prstGeom prst="rect">
+            <a:avLst/>
+          </a:prstGeom>
+          <a:noFill/>
+        </p:spPr>
+        <p:txBody>
+          <a:bodyPr wrap="square" rtlCol="0">
+            <a:spAutoFit/>
+          </a:bodyPr>
+          <a:lstStyle/>
+          <a:p>
+            <a:r>
+              <a:rPr lang="en-US" sz="1200" dirty="0" err="1"/>
+              <a:t>WiFi</a:t>
+            </a:r>
+            <a:endParaRPr lang="en-US" sz="1200" dirty="0"/>
+          </a:p>
+        </p:txBody>
+      </p:sp>
     </p:spTree>
     <p:extLst>
       <p:ext uri="{BB962C8B-B14F-4D97-AF65-F5344CB8AC3E}">
@@ -6444,10 +6909,396 @@
 </p:sld>
 </file>
 
+<file path=ppt/slides/slide2.xml><?xml version="1.0" encoding="utf-8"?>
+<p:sld xmlns:a="http://schemas.openxmlformats.org/drawingml/2006/main" xmlns:r="http://schemas.openxmlformats.org/officeDocument/2006/relationships" xmlns:p="http://schemas.openxmlformats.org/presentationml/2006/main">
+  <p:cSld>
+    <p:spTree>
+      <p:nvGrpSpPr>
+        <p:cNvPr id="1" name=""/>
+        <p:cNvGrpSpPr/>
+        <p:nvPr/>
+      </p:nvGrpSpPr>
+      <p:grpSpPr>
+        <a:xfrm>
+          <a:off x="0" y="0"/>
+          <a:ext cx="0" cy="0"/>
+          <a:chOff x="0" y="0"/>
+          <a:chExt cx="0" cy="0"/>
+        </a:xfrm>
+      </p:grpSpPr>
+      <p:sp>
+        <p:nvSpPr>
+          <p:cNvPr id="2" name="Title 1">
+            <a:extLst>
+              <a:ext uri="{FF2B5EF4-FFF2-40B4-BE49-F238E27FC236}">
+                <a16:creationId xmlns:a16="http://schemas.microsoft.com/office/drawing/2014/main" id="{96CDF0BD-9E4D-B0D4-FE93-277319BC805D}"/>
+              </a:ext>
+            </a:extLst>
+          </p:cNvPr>
+          <p:cNvSpPr>
+            <a:spLocks noGrp="1"/>
+          </p:cNvSpPr>
+          <p:nvPr>
+            <p:ph type="title"/>
+          </p:nvPr>
+        </p:nvSpPr>
+        <p:spPr>
+          <a:xfrm>
+            <a:off x="1068705" y="535519"/>
+            <a:ext cx="13407390" cy="378881"/>
+          </a:xfrm>
+        </p:spPr>
+        <p:txBody>
+          <a:bodyPr>
+            <a:normAutofit fontScale="90000"/>
+          </a:bodyPr>
+          <a:lstStyle/>
+          <a:p>
+            <a:endParaRPr lang="en-US"/>
+          </a:p>
+        </p:txBody>
+      </p:sp>
+      <p:sp>
+        <p:nvSpPr>
+          <p:cNvPr id="4" name="TextBox 3">
+            <a:extLst>
+              <a:ext uri="{FF2B5EF4-FFF2-40B4-BE49-F238E27FC236}">
+                <a16:creationId xmlns:a16="http://schemas.microsoft.com/office/drawing/2014/main" id="{4E2FC62E-4FBA-81FF-A02C-63DAC8A8A1EC}"/>
+              </a:ext>
+            </a:extLst>
+          </p:cNvPr>
+          <p:cNvSpPr txBox="1"/>
+          <p:nvPr/>
+        </p:nvSpPr>
+        <p:spPr>
+          <a:xfrm>
+            <a:off x="1246789" y="6273800"/>
+            <a:ext cx="1678601" cy="369332"/>
+          </a:xfrm>
+          <a:prstGeom prst="rect">
+            <a:avLst/>
+          </a:prstGeom>
+          <a:solidFill>
+            <a:schemeClr val="accent2">
+              <a:lumMod val="40000"/>
+              <a:lumOff val="60000"/>
+            </a:schemeClr>
+          </a:solidFill>
+        </p:spPr>
+        <p:txBody>
+          <a:bodyPr wrap="none" rtlCol="0">
+            <a:spAutoFit/>
+          </a:bodyPr>
+          <a:lstStyle/>
+          <a:p>
+            <a:pPr algn="ctr"/>
+            <a:r>
+              <a:rPr lang="en-US" dirty="0"/>
+              <a:t>Valve Controller</a:t>
+            </a:r>
+          </a:p>
+        </p:txBody>
+      </p:sp>
+      <p:sp>
+        <p:nvSpPr>
+          <p:cNvPr id="5" name="TextBox 4">
+            <a:extLst>
+              <a:ext uri="{FF2B5EF4-FFF2-40B4-BE49-F238E27FC236}">
+                <a16:creationId xmlns:a16="http://schemas.microsoft.com/office/drawing/2014/main" id="{9A7B6866-D724-2578-28E3-4DEC1752C8A4}"/>
+              </a:ext>
+            </a:extLst>
+          </p:cNvPr>
+          <p:cNvSpPr txBox="1"/>
+          <p:nvPr/>
+        </p:nvSpPr>
+        <p:spPr>
+          <a:xfrm>
+            <a:off x="3252270" y="6286500"/>
+            <a:ext cx="2391167" cy="369332"/>
+          </a:xfrm>
+          <a:prstGeom prst="rect">
+            <a:avLst/>
+          </a:prstGeom>
+          <a:solidFill>
+            <a:schemeClr val="accent2">
+              <a:lumMod val="40000"/>
+              <a:lumOff val="60000"/>
+            </a:schemeClr>
+          </a:solidFill>
+        </p:spPr>
+        <p:txBody>
+          <a:bodyPr wrap="none" rtlCol="0">
+            <a:spAutoFit/>
+          </a:bodyPr>
+          <a:lstStyle/>
+          <a:p>
+            <a:pPr algn="ctr"/>
+            <a:r>
+              <a:rPr lang="en-US" dirty="0"/>
+              <a:t>PWM Heater Controller</a:t>
+            </a:r>
+          </a:p>
+        </p:txBody>
+      </p:sp>
+      <p:sp>
+        <p:nvSpPr>
+          <p:cNvPr id="6" name="TextBox 5">
+            <a:extLst>
+              <a:ext uri="{FF2B5EF4-FFF2-40B4-BE49-F238E27FC236}">
+                <a16:creationId xmlns:a16="http://schemas.microsoft.com/office/drawing/2014/main" id="{DDF4B716-1696-A434-B979-8A1CF200E098}"/>
+              </a:ext>
+            </a:extLst>
+          </p:cNvPr>
+          <p:cNvSpPr txBox="1"/>
+          <p:nvPr/>
+        </p:nvSpPr>
+        <p:spPr>
+          <a:xfrm>
+            <a:off x="6000750" y="6286500"/>
+            <a:ext cx="2671885" cy="369332"/>
+          </a:xfrm>
+          <a:prstGeom prst="rect">
+            <a:avLst/>
+          </a:prstGeom>
+          <a:solidFill>
+            <a:schemeClr val="accent2">
+              <a:lumMod val="40000"/>
+              <a:lumOff val="60000"/>
+            </a:schemeClr>
+          </a:solidFill>
+        </p:spPr>
+        <p:txBody>
+          <a:bodyPr wrap="none" rtlCol="0">
+            <a:spAutoFit/>
+          </a:bodyPr>
+          <a:lstStyle/>
+          <a:p>
+            <a:pPr algn="ctr"/>
+            <a:r>
+              <a:rPr lang="en-US" dirty="0"/>
+              <a:t>Pressure Sensor Controller</a:t>
+            </a:r>
+          </a:p>
+        </p:txBody>
+      </p:sp>
+      <p:sp>
+        <p:nvSpPr>
+          <p:cNvPr id="7" name="TextBox 6">
+            <a:extLst>
+              <a:ext uri="{FF2B5EF4-FFF2-40B4-BE49-F238E27FC236}">
+                <a16:creationId xmlns:a16="http://schemas.microsoft.com/office/drawing/2014/main" id="{79CA5EBF-0D94-C328-17CE-DDADBBE0A2FE}"/>
+              </a:ext>
+            </a:extLst>
+          </p:cNvPr>
+          <p:cNvSpPr txBox="1"/>
+          <p:nvPr/>
+        </p:nvSpPr>
+        <p:spPr>
+          <a:xfrm>
+            <a:off x="9144000" y="6286500"/>
+            <a:ext cx="1492460" cy="369332"/>
+          </a:xfrm>
+          <a:prstGeom prst="rect">
+            <a:avLst/>
+          </a:prstGeom>
+          <a:solidFill>
+            <a:schemeClr val="accent2">
+              <a:lumMod val="40000"/>
+              <a:lumOff val="60000"/>
+            </a:schemeClr>
+          </a:solidFill>
+        </p:spPr>
+        <p:txBody>
+          <a:bodyPr wrap="none" rtlCol="0">
+            <a:spAutoFit/>
+          </a:bodyPr>
+          <a:lstStyle/>
+          <a:p>
+            <a:pPr algn="ctr"/>
+            <a:r>
+              <a:rPr lang="en-US" dirty="0"/>
+              <a:t>T/C Controller</a:t>
+            </a:r>
+          </a:p>
+        </p:txBody>
+      </p:sp>
+      <p:sp>
+        <p:nvSpPr>
+          <p:cNvPr id="8" name="TextBox 7">
+            <a:extLst>
+              <a:ext uri="{FF2B5EF4-FFF2-40B4-BE49-F238E27FC236}">
+                <a16:creationId xmlns:a16="http://schemas.microsoft.com/office/drawing/2014/main" id="{50D75F72-93A1-C221-91F4-FB047DED0EEA}"/>
+              </a:ext>
+            </a:extLst>
+          </p:cNvPr>
+          <p:cNvSpPr txBox="1"/>
+          <p:nvPr/>
+        </p:nvSpPr>
+        <p:spPr>
+          <a:xfrm>
+            <a:off x="11487150" y="6286500"/>
+            <a:ext cx="1237711" cy="369332"/>
+          </a:xfrm>
+          <a:prstGeom prst="rect">
+            <a:avLst/>
+          </a:prstGeom>
+          <a:solidFill>
+            <a:schemeClr val="accent6">
+              <a:lumMod val="40000"/>
+              <a:lumOff val="60000"/>
+            </a:schemeClr>
+          </a:solidFill>
+        </p:spPr>
+        <p:txBody>
+          <a:bodyPr wrap="none" rtlCol="0">
+            <a:spAutoFit/>
+          </a:bodyPr>
+          <a:lstStyle/>
+          <a:p>
+            <a:pPr algn="ctr"/>
+            <a:r>
+              <a:rPr lang="en-US" dirty="0"/>
+              <a:t>UART/UI IN</a:t>
+            </a:r>
+          </a:p>
+        </p:txBody>
+      </p:sp>
+      <p:sp>
+        <p:nvSpPr>
+          <p:cNvPr id="9" name="TextBox 8">
+            <a:extLst>
+              <a:ext uri="{FF2B5EF4-FFF2-40B4-BE49-F238E27FC236}">
+                <a16:creationId xmlns:a16="http://schemas.microsoft.com/office/drawing/2014/main" id="{E7C5AA30-245E-AE16-5FC3-61AB1C4F5414}"/>
+              </a:ext>
+            </a:extLst>
+          </p:cNvPr>
+          <p:cNvSpPr txBox="1"/>
+          <p:nvPr/>
+        </p:nvSpPr>
+        <p:spPr>
+          <a:xfrm>
+            <a:off x="12956695" y="6286500"/>
+            <a:ext cx="1442896" cy="369332"/>
+          </a:xfrm>
+          <a:prstGeom prst="rect">
+            <a:avLst/>
+          </a:prstGeom>
+          <a:solidFill>
+            <a:schemeClr val="accent6">
+              <a:lumMod val="40000"/>
+              <a:lumOff val="60000"/>
+            </a:schemeClr>
+          </a:solidFill>
+        </p:spPr>
+        <p:txBody>
+          <a:bodyPr wrap="none" rtlCol="0">
+            <a:spAutoFit/>
+          </a:bodyPr>
+          <a:lstStyle/>
+          <a:p>
+            <a:pPr algn="ctr"/>
+            <a:r>
+              <a:rPr lang="en-US" dirty="0"/>
+              <a:t>UART/UI OUT</a:t>
+            </a:r>
+          </a:p>
+        </p:txBody>
+      </p:sp>
+      <p:sp>
+        <p:nvSpPr>
+          <p:cNvPr id="10" name="TextBox 9">
+            <a:extLst>
+              <a:ext uri="{FF2B5EF4-FFF2-40B4-BE49-F238E27FC236}">
+                <a16:creationId xmlns:a16="http://schemas.microsoft.com/office/drawing/2014/main" id="{389AF04B-FCDF-3662-8CD9-52D4B52B3475}"/>
+              </a:ext>
+            </a:extLst>
+          </p:cNvPr>
+          <p:cNvSpPr txBox="1"/>
+          <p:nvPr/>
+        </p:nvSpPr>
+        <p:spPr>
+          <a:xfrm rot="16200000">
+            <a:off x="13219736" y="3415784"/>
+            <a:ext cx="1704762" cy="369332"/>
+          </a:xfrm>
+          <a:prstGeom prst="rect">
+            <a:avLst/>
+          </a:prstGeom>
+          <a:solidFill>
+            <a:srgbClr val="FFC000"/>
+          </a:solidFill>
+        </p:spPr>
+        <p:txBody>
+          <a:bodyPr wrap="none" rtlCol="0">
+            <a:spAutoFit/>
+          </a:bodyPr>
+          <a:lstStyle/>
+          <a:p>
+            <a:r>
+              <a:rPr lang="en-US" dirty="0"/>
+              <a:t>Recipe Manager</a:t>
+            </a:r>
+          </a:p>
+        </p:txBody>
+      </p:sp>
+      <p:sp>
+        <p:nvSpPr>
+          <p:cNvPr id="11" name="TextBox 10">
+            <a:extLst>
+              <a:ext uri="{FF2B5EF4-FFF2-40B4-BE49-F238E27FC236}">
+                <a16:creationId xmlns:a16="http://schemas.microsoft.com/office/drawing/2014/main" id="{CAA6301D-4544-5733-B53F-BD28635626F0}"/>
+              </a:ext>
+            </a:extLst>
+          </p:cNvPr>
+          <p:cNvSpPr txBox="1"/>
+          <p:nvPr/>
+        </p:nvSpPr>
+        <p:spPr>
+          <a:xfrm>
+            <a:off x="6000750" y="5657849"/>
+            <a:ext cx="4635710" cy="378881"/>
+          </a:xfrm>
+          <a:prstGeom prst="rect">
+            <a:avLst/>
+          </a:prstGeom>
+          <a:noFill/>
+          <a:ln>
+            <a:solidFill>
+              <a:schemeClr val="tx1"/>
+            </a:solidFill>
+          </a:ln>
+        </p:spPr>
+        <p:txBody>
+          <a:bodyPr wrap="square" rtlCol="0">
+            <a:spAutoFit/>
+          </a:bodyPr>
+          <a:lstStyle/>
+          <a:p>
+            <a:pPr algn="ctr"/>
+            <a:r>
+              <a:rPr lang="en-US" dirty="0"/>
+              <a:t>Signal Processing/Filtering</a:t>
+            </a:r>
+          </a:p>
+        </p:txBody>
+      </p:sp>
+    </p:spTree>
+    <p:extLst>
+      <p:ext uri="{BB962C8B-B14F-4D97-AF65-F5344CB8AC3E}">
+        <p14:creationId xmlns:p14="http://schemas.microsoft.com/office/powerpoint/2010/main" val="294776908"/>
+      </p:ext>
+    </p:extLst>
+  </p:cSld>
+  <p:clrMapOvr>
+    <a:masterClrMapping/>
+  </p:clrMapOvr>
+</p:sld>
+</file>
+
 <file path=ppt/theme/theme1.xml><?xml version="1.0" encoding="utf-8"?>
 <a:theme xmlns:a="http://schemas.openxmlformats.org/drawingml/2006/main" name="Office Theme">
   <a:themeElements>
-    <a:clrScheme name="Office">
+    <a:clrScheme name="Office Theme">
       <a:dk1>
         <a:sysClr val="windowText" lastClr="000000"/>
       </a:dk1>
@@ -6485,7 +7336,7 @@
         <a:srgbClr val="954F72"/>
       </a:folHlink>
     </a:clrScheme>
-    <a:fontScheme name="Office">
+    <a:fontScheme name="Office Theme">
       <a:majorFont>
         <a:latin typeface="Calibri Light" panose="020F0302020204030204"/>
         <a:ea typeface=""/>
@@ -6520,23 +7371,6 @@
         <a:font script="Viet" typeface="Times New Roman"/>
         <a:font script="Uigh" typeface="Microsoft Uighur"/>
         <a:font script="Geor" typeface="Sylfaen"/>
-        <a:font script="Armn" typeface="Arial"/>
-        <a:font script="Bugi" typeface="Leelawadee UI"/>
-        <a:font script="Bopo" typeface="Microsoft JhengHei"/>
-        <a:font script="Java" typeface="Javanese Text"/>
-        <a:font script="Lisu" typeface="Segoe UI"/>
-        <a:font script="Mymr" typeface="Myanmar Text"/>
-        <a:font script="Nkoo" typeface="Ebrima"/>
-        <a:font script="Olck" typeface="Nirmala UI"/>
-        <a:font script="Osma" typeface="Ebrima"/>
-        <a:font script="Phag" typeface="Phagspa"/>
-        <a:font script="Syrn" typeface="Estrangelo Edessa"/>
-        <a:font script="Syrj" typeface="Estrangelo Edessa"/>
-        <a:font script="Syre" typeface="Estrangelo Edessa"/>
-        <a:font script="Sora" typeface="Nirmala UI"/>
-        <a:font script="Tale" typeface="Microsoft Tai Le"/>
-        <a:font script="Talu" typeface="Microsoft New Tai Lue"/>
-        <a:font script="Tfng" typeface="Ebrima"/>
       </a:majorFont>
       <a:minorFont>
         <a:latin typeface="Calibri" panose="020F0502020204030204"/>
@@ -6572,26 +7406,9 @@
         <a:font script="Viet" typeface="Arial"/>
         <a:font script="Uigh" typeface="Microsoft Uighur"/>
         <a:font script="Geor" typeface="Sylfaen"/>
-        <a:font script="Armn" typeface="Arial"/>
-        <a:font script="Bugi" typeface="Leelawadee UI"/>
-        <a:font script="Bopo" typeface="Microsoft JhengHei"/>
-        <a:font script="Java" typeface="Javanese Text"/>
-        <a:font script="Lisu" typeface="Segoe UI"/>
-        <a:font script="Mymr" typeface="Myanmar Text"/>
-        <a:font script="Nkoo" typeface="Ebrima"/>
-        <a:font script="Olck" typeface="Nirmala UI"/>
-        <a:font script="Osma" typeface="Ebrima"/>
-        <a:font script="Phag" typeface="Phagspa"/>
-        <a:font script="Syrn" typeface="Estrangelo Edessa"/>
-        <a:font script="Syrj" typeface="Estrangelo Edessa"/>
-        <a:font script="Syre" typeface="Estrangelo Edessa"/>
-        <a:font script="Sora" typeface="Nirmala UI"/>
-        <a:font script="Tale" typeface="Microsoft Tai Le"/>
-        <a:font script="Talu" typeface="Microsoft New Tai Lue"/>
-        <a:font script="Tfng" typeface="Ebrima"/>
       </a:minorFont>
     </a:fontScheme>
-    <a:fmtScheme name="Office">
+    <a:fmtScheme name="Office Theme">
       <a:fillStyleLst>
         <a:solidFill>
           <a:schemeClr val="phClr"/>
@@ -6733,7 +7550,7 @@
   <a:extraClrSchemeLst/>
   <a:extLst>
     <a:ext uri="{05A4C25C-085E-4340-85A3-A5531E510DB2}">
-      <thm15:themeFamily xmlns:thm15="http://schemas.microsoft.com/office/thememl/2012/main" name="Office Theme" id="{62F939B6-93AF-4DB8-9C6B-D6C7DFDC589F}" vid="{4A3C46E8-61CC-4603-A589-7422A47A8E4A}"/>
+      <thm15:themeFamily xmlns:thm15="http://schemas.microsoft.com/office/thememl/2012/main" name="Office Theme 2013 - 2022" id="{62F939B6-93AF-4DB8-9C6B-D6C7DFDC589F}" vid="{4A3C46E8-61CC-4603-A589-7422A47A8E4A}"/>
     </a:ext>
   </a:extLst>
 </a:theme>

--- a/Laminator Block Diagram.pptx
+++ b/Laminator Block Diagram.pptx
@@ -7,6 +7,7 @@
   <p:sldIdLst>
     <p:sldId id="257" r:id="rId2"/>
     <p:sldId id="258" r:id="rId3"/>
+    <p:sldId id="259" r:id="rId4"/>
   </p:sldIdLst>
   <p:sldSz cx="15544800" cy="10058400"/>
   <p:notesSz cx="7102475" cy="9388475"/>
@@ -244,7 +245,7 @@
           <a:p>
             <a:fld id="{C5AA4219-73D4-4596-88D5-5D687887D893}" type="datetimeFigureOut">
               <a:rPr lang="en-US" smtClean="0"/>
-              <a:t>4/29/2023</a:t>
+              <a:t>5/5/2023</a:t>
             </a:fld>
             <a:endParaRPr lang="en-US"/>
           </a:p>
@@ -414,7 +415,7 @@
           <a:p>
             <a:fld id="{C5AA4219-73D4-4596-88D5-5D687887D893}" type="datetimeFigureOut">
               <a:rPr lang="en-US" smtClean="0"/>
-              <a:t>4/29/2023</a:t>
+              <a:t>5/5/2023</a:t>
             </a:fld>
             <a:endParaRPr lang="en-US"/>
           </a:p>
@@ -594,7 +595,7 @@
           <a:p>
             <a:fld id="{C5AA4219-73D4-4596-88D5-5D687887D893}" type="datetimeFigureOut">
               <a:rPr lang="en-US" smtClean="0"/>
-              <a:t>4/29/2023</a:t>
+              <a:t>5/5/2023</a:t>
             </a:fld>
             <a:endParaRPr lang="en-US"/>
           </a:p>
@@ -764,7 +765,7 @@
           <a:p>
             <a:fld id="{C5AA4219-73D4-4596-88D5-5D687887D893}" type="datetimeFigureOut">
               <a:rPr lang="en-US" smtClean="0"/>
-              <a:t>4/29/2023</a:t>
+              <a:t>5/5/2023</a:t>
             </a:fld>
             <a:endParaRPr lang="en-US"/>
           </a:p>
@@ -1008,7 +1009,7 @@
           <a:p>
             <a:fld id="{C5AA4219-73D4-4596-88D5-5D687887D893}" type="datetimeFigureOut">
               <a:rPr lang="en-US" smtClean="0"/>
-              <a:t>4/29/2023</a:t>
+              <a:t>5/5/2023</a:t>
             </a:fld>
             <a:endParaRPr lang="en-US"/>
           </a:p>
@@ -1240,7 +1241,7 @@
           <a:p>
             <a:fld id="{C5AA4219-73D4-4596-88D5-5D687887D893}" type="datetimeFigureOut">
               <a:rPr lang="en-US" smtClean="0"/>
-              <a:t>4/29/2023</a:t>
+              <a:t>5/5/2023</a:t>
             </a:fld>
             <a:endParaRPr lang="en-US"/>
           </a:p>
@@ -1607,7 +1608,7 @@
           <a:p>
             <a:fld id="{C5AA4219-73D4-4596-88D5-5D687887D893}" type="datetimeFigureOut">
               <a:rPr lang="en-US" smtClean="0"/>
-              <a:t>4/29/2023</a:t>
+              <a:t>5/5/2023</a:t>
             </a:fld>
             <a:endParaRPr lang="en-US"/>
           </a:p>
@@ -1725,7 +1726,7 @@
           <a:p>
             <a:fld id="{C5AA4219-73D4-4596-88D5-5D687887D893}" type="datetimeFigureOut">
               <a:rPr lang="en-US" smtClean="0"/>
-              <a:t>4/29/2023</a:t>
+              <a:t>5/5/2023</a:t>
             </a:fld>
             <a:endParaRPr lang="en-US"/>
           </a:p>
@@ -1820,7 +1821,7 @@
           <a:p>
             <a:fld id="{C5AA4219-73D4-4596-88D5-5D687887D893}" type="datetimeFigureOut">
               <a:rPr lang="en-US" smtClean="0"/>
-              <a:t>4/29/2023</a:t>
+              <a:t>5/5/2023</a:t>
             </a:fld>
             <a:endParaRPr lang="en-US"/>
           </a:p>
@@ -2097,7 +2098,7 @@
           <a:p>
             <a:fld id="{C5AA4219-73D4-4596-88D5-5D687887D893}" type="datetimeFigureOut">
               <a:rPr lang="en-US" smtClean="0"/>
-              <a:t>4/29/2023</a:t>
+              <a:t>5/5/2023</a:t>
             </a:fld>
             <a:endParaRPr lang="en-US"/>
           </a:p>
@@ -2354,7 +2355,7 @@
           <a:p>
             <a:fld id="{C5AA4219-73D4-4596-88D5-5D687887D893}" type="datetimeFigureOut">
               <a:rPr lang="en-US" smtClean="0"/>
-              <a:t>4/29/2023</a:t>
+              <a:t>5/5/2023</a:t>
             </a:fld>
             <a:endParaRPr lang="en-US"/>
           </a:p>
@@ -2567,7 +2568,7 @@
           <a:p>
             <a:fld id="{C5AA4219-73D4-4596-88D5-5D687887D893}" type="datetimeFigureOut">
               <a:rPr lang="en-US" smtClean="0"/>
-              <a:t>4/29/2023</a:t>
+              <a:t>5/5/2023</a:t>
             </a:fld>
             <a:endParaRPr lang="en-US"/>
           </a:p>
@@ -2972,6 +2973,57 @@
           <a:chExt cx="0" cy="0"/>
         </a:xfrm>
       </p:grpSpPr>
+      <p:cxnSp>
+        <p:nvCxnSpPr>
+          <p:cNvPr id="18" name="Connector: Elbow 17">
+            <a:extLst>
+              <a:ext uri="{FF2B5EF4-FFF2-40B4-BE49-F238E27FC236}">
+                <a16:creationId xmlns:a16="http://schemas.microsoft.com/office/drawing/2014/main" id="{AEE2925D-D48E-7986-3A7A-FA1245084304}"/>
+              </a:ext>
+            </a:extLst>
+          </p:cNvPr>
+          <p:cNvCxnSpPr>
+            <a:cxnSpLocks noChangeAspect="1"/>
+            <a:stCxn id="2" idx="1"/>
+            <a:endCxn id="28" idx="3"/>
+          </p:cNvCxnSpPr>
+          <p:nvPr/>
+        </p:nvCxnSpPr>
+        <p:spPr>
+          <a:xfrm rot="10800000">
+            <a:off x="9315453" y="4749024"/>
+            <a:ext cx="1009943" cy="258287"/>
+          </a:xfrm>
+          <a:prstGeom prst="bentConnector3">
+            <a:avLst>
+              <a:gd name="adj1" fmla="val 50000"/>
+            </a:avLst>
+          </a:prstGeom>
+          <a:ln w="25400">
+            <a:solidFill>
+              <a:schemeClr val="bg1">
+                <a:lumMod val="75000"/>
+              </a:schemeClr>
+            </a:solidFill>
+            <a:headEnd type="triangle" w="med" len="med"/>
+            <a:tailEnd type="triangle" w="med" len="med"/>
+          </a:ln>
+        </p:spPr>
+        <p:style>
+          <a:lnRef idx="1">
+            <a:schemeClr val="accent1"/>
+          </a:lnRef>
+          <a:fillRef idx="0">
+            <a:schemeClr val="accent1"/>
+          </a:fillRef>
+          <a:effectRef idx="0">
+            <a:schemeClr val="accent1"/>
+          </a:effectRef>
+          <a:fontRef idx="minor">
+            <a:schemeClr val="tx1"/>
+          </a:fontRef>
+        </p:style>
+      </p:cxnSp>
       <p:sp>
         <p:nvSpPr>
           <p:cNvPr id="4" name="Rectangle 3">
@@ -3581,7 +3633,7 @@
         </p:nvSpPr>
         <p:spPr>
           <a:xfrm>
-            <a:off x="8972552" y="5145815"/>
+            <a:off x="8982071" y="5782961"/>
             <a:ext cx="342900" cy="710009"/>
           </a:xfrm>
           <a:prstGeom prst="rect">
@@ -3634,7 +3686,7 @@
         </p:nvSpPr>
         <p:spPr>
           <a:xfrm>
-            <a:off x="10363669" y="4744897"/>
+            <a:off x="10373188" y="5382043"/>
             <a:ext cx="1162050" cy="1075626"/>
           </a:xfrm>
           <a:prstGeom prst="rect">
@@ -3760,7 +3812,7 @@
         </p:nvSpPr>
         <p:spPr>
           <a:xfrm>
-            <a:off x="10344620" y="5962648"/>
+            <a:off x="10354139" y="6599794"/>
             <a:ext cx="1035005" cy="1227593"/>
           </a:xfrm>
           <a:prstGeom prst="rect">
@@ -3921,7 +3973,7 @@
         </p:nvCxnSpPr>
         <p:spPr>
           <a:xfrm rot="10800000" flipV="1">
-            <a:off x="9315451" y="5282711"/>
+            <a:off x="9324970" y="5919857"/>
             <a:ext cx="1048218" cy="218108"/>
           </a:xfrm>
           <a:prstGeom prst="bentConnector3">
@@ -3967,7 +4019,7 @@
         </p:nvCxnSpPr>
         <p:spPr>
           <a:xfrm rot="10800000">
-            <a:off x="9315454" y="5500818"/>
+            <a:off x="9324973" y="6137964"/>
             <a:ext cx="1029167" cy="1075626"/>
           </a:xfrm>
           <a:prstGeom prst="bentConnector3">
@@ -4274,7 +4326,7 @@
         </p:nvSpPr>
         <p:spPr>
           <a:xfrm>
-            <a:off x="11973394" y="6115050"/>
+            <a:off x="11982913" y="6752196"/>
             <a:ext cx="171450" cy="342898"/>
           </a:xfrm>
           <a:prstGeom prst="flowChartCollate">
@@ -4325,7 +4377,7 @@
         </p:nvSpPr>
         <p:spPr>
           <a:xfrm>
-            <a:off x="11973394" y="6618738"/>
+            <a:off x="11982913" y="7255884"/>
             <a:ext cx="171450" cy="342898"/>
           </a:xfrm>
           <a:prstGeom prst="flowChartCollate">
@@ -4377,7 +4429,7 @@
         </p:nvCxnSpPr>
         <p:spPr>
           <a:xfrm>
-            <a:off x="11389149" y="6286498"/>
+            <a:off x="11398668" y="6923644"/>
             <a:ext cx="669970" cy="0"/>
           </a:xfrm>
           <a:prstGeom prst="straightConnector1">
@@ -4419,7 +4471,7 @@
         </p:nvCxnSpPr>
         <p:spPr>
           <a:xfrm>
-            <a:off x="11379623" y="6790187"/>
+            <a:off x="11389142" y="7427333"/>
             <a:ext cx="679496" cy="0"/>
           </a:xfrm>
           <a:prstGeom prst="straightConnector1">
@@ -4460,7 +4512,7 @@
         </p:nvSpPr>
         <p:spPr>
           <a:xfrm>
-            <a:off x="12236199" y="6148290"/>
+            <a:off x="12245718" y="6785436"/>
             <a:ext cx="857927" cy="738664"/>
           </a:xfrm>
           <a:prstGeom prst="rect">
@@ -4717,7 +4769,7 @@
         </p:nvSpPr>
         <p:spPr>
           <a:xfrm>
-            <a:off x="9809535" y="6295252"/>
+            <a:off x="9819054" y="6932398"/>
             <a:ext cx="620811" cy="276999"/>
           </a:xfrm>
           <a:prstGeom prst="rect">
@@ -4754,7 +4806,7 @@
         </p:nvSpPr>
         <p:spPr>
           <a:xfrm>
-            <a:off x="11875196" y="4852442"/>
+            <a:off x="11884715" y="5489588"/>
             <a:ext cx="761747" cy="240482"/>
           </a:xfrm>
           <a:prstGeom prst="rect">
@@ -4805,7 +4857,7 @@
         </p:nvCxnSpPr>
         <p:spPr>
           <a:xfrm>
-            <a:off x="11525721" y="4972683"/>
+            <a:off x="11535240" y="5609829"/>
             <a:ext cx="349475" cy="0"/>
           </a:xfrm>
           <a:prstGeom prst="straightConnector1">
@@ -4846,7 +4898,7 @@
         </p:nvSpPr>
         <p:spPr>
           <a:xfrm>
-            <a:off x="12910465" y="4863021"/>
+            <a:off x="12919984" y="5500167"/>
             <a:ext cx="228600" cy="223372"/>
           </a:xfrm>
           <a:prstGeom prst="flowChartDecision">
@@ -4904,7 +4956,7 @@
         </p:nvCxnSpPr>
         <p:spPr>
           <a:xfrm>
-            <a:off x="12636942" y="4972683"/>
+            <a:off x="12646461" y="5609829"/>
             <a:ext cx="273524" cy="2024"/>
           </a:xfrm>
           <a:prstGeom prst="straightConnector1">
@@ -4945,7 +4997,7 @@
         </p:nvSpPr>
         <p:spPr>
           <a:xfrm>
-            <a:off x="12916369" y="5183482"/>
+            <a:off x="12925888" y="5820628"/>
             <a:ext cx="228600" cy="223372"/>
           </a:xfrm>
           <a:prstGeom prst="flowChartDecision">
@@ -5003,7 +5055,7 @@
         </p:nvCxnSpPr>
         <p:spPr>
           <a:xfrm>
-            <a:off x="12631082" y="5294752"/>
+            <a:off x="12640601" y="5931898"/>
             <a:ext cx="285288" cy="416"/>
           </a:xfrm>
           <a:prstGeom prst="straightConnector1">
@@ -5044,7 +5096,7 @@
         </p:nvSpPr>
         <p:spPr>
           <a:xfrm>
-            <a:off x="12925894" y="5503944"/>
+            <a:off x="12935413" y="6141090"/>
             <a:ext cx="228600" cy="223372"/>
           </a:xfrm>
           <a:prstGeom prst="flowChartDecision">
@@ -5102,7 +5154,7 @@
         </p:nvCxnSpPr>
         <p:spPr>
           <a:xfrm flipV="1">
-            <a:off x="12631081" y="5615629"/>
+            <a:off x="12640600" y="6252775"/>
             <a:ext cx="294814" cy="5430"/>
           </a:xfrm>
           <a:prstGeom prst="straightConnector1">
@@ -5143,7 +5195,7 @@
         </p:nvSpPr>
         <p:spPr>
           <a:xfrm rot="16200000">
-            <a:off x="12892198" y="5132486"/>
+            <a:off x="12901717" y="5769632"/>
             <a:ext cx="750270" cy="307777"/>
           </a:xfrm>
           <a:prstGeom prst="rect">
@@ -5599,7 +5651,7 @@
         </p:nvSpPr>
         <p:spPr>
           <a:xfrm>
-            <a:off x="11869336" y="5174512"/>
+            <a:off x="11878855" y="5811658"/>
             <a:ext cx="761747" cy="240482"/>
           </a:xfrm>
           <a:prstGeom prst="rect">
@@ -5649,7 +5701,7 @@
         </p:nvSpPr>
         <p:spPr>
           <a:xfrm>
-            <a:off x="11869335" y="5500819"/>
+            <a:off x="11878854" y="6137965"/>
             <a:ext cx="761747" cy="240482"/>
           </a:xfrm>
           <a:prstGeom prst="rect">
@@ -5701,7 +5753,7 @@
         </p:nvCxnSpPr>
         <p:spPr>
           <a:xfrm>
-            <a:off x="11525721" y="5282710"/>
+            <a:off x="11535240" y="5919856"/>
             <a:ext cx="343615" cy="12042"/>
           </a:xfrm>
           <a:prstGeom prst="straightConnector1">
@@ -5743,7 +5795,7 @@
         </p:nvCxnSpPr>
         <p:spPr>
           <a:xfrm flipV="1">
-            <a:off x="11525719" y="5621061"/>
+            <a:off x="11535238" y="6258207"/>
             <a:ext cx="343614" cy="5307"/>
           </a:xfrm>
           <a:prstGeom prst="straightConnector1">
@@ -5883,7 +5935,7 @@
         </p:nvSpPr>
         <p:spPr>
           <a:xfrm>
-            <a:off x="9831151" y="5044983"/>
+            <a:off x="9840670" y="5682129"/>
             <a:ext cx="532518" cy="276999"/>
           </a:xfrm>
           <a:prstGeom prst="rect">
@@ -5983,7 +6035,7 @@
         </p:nvSpPr>
         <p:spPr>
           <a:xfrm>
-            <a:off x="10334975" y="7320093"/>
+            <a:off x="10325395" y="4742171"/>
             <a:ext cx="1162050" cy="530278"/>
           </a:xfrm>
           <a:prstGeom prst="rect">
@@ -6011,19 +6063,6 @@
           <a:p>
             <a:pPr algn="ctr"/>
             <a:r>
-              <a:rPr lang="en-US" dirty="0">
-                <a:solidFill>
-                  <a:schemeClr val="bg1">
-                    <a:lumMod val="65000"/>
-                  </a:schemeClr>
-                </a:solidFill>
-              </a:rPr>
-              <a:t>RTC</a:t>
-            </a:r>
-          </a:p>
-          <a:p>
-            <a:pPr algn="ctr"/>
-            <a:r>
               <a:rPr lang="en-US" sz="1400" dirty="0">
                 <a:solidFill>
                   <a:schemeClr val="bg1">
@@ -6031,8 +6070,28 @@
                   </a:schemeClr>
                 </a:solidFill>
               </a:rPr>
-              <a:t>(Future)</a:t>
-            </a:r>
+              <a:t>RTC (Future)</a:t>
+            </a:r>
+          </a:p>
+          <a:p>
+            <a:pPr algn="ctr"/>
+            <a:r>
+              <a:rPr lang="en-US" sz="1400" dirty="0">
+                <a:solidFill>
+                  <a:schemeClr val="bg1">
+                    <a:lumMod val="65000"/>
+                  </a:schemeClr>
+                </a:solidFill>
+              </a:rPr>
+              <a:t>PCF 8523</a:t>
+            </a:r>
+            <a:endParaRPr lang="en-US" sz="1100" dirty="0">
+              <a:solidFill>
+                <a:schemeClr val="bg1">
+                  <a:lumMod val="65000"/>
+                </a:schemeClr>
+              </a:solidFill>
+            </a:endParaRPr>
           </a:p>
         </p:txBody>
       </p:sp>
@@ -6158,116 +6217,6 @@
           </a:p>
         </p:txBody>
       </p:sp>
-      <p:sp>
-        <p:nvSpPr>
-          <p:cNvPr id="15" name="Rectangle 14">
-            <a:extLst>
-              <a:ext uri="{FF2B5EF4-FFF2-40B4-BE49-F238E27FC236}">
-                <a16:creationId xmlns:a16="http://schemas.microsoft.com/office/drawing/2014/main" id="{D2D1CC95-7B80-41ED-8005-1BEAE26C6780}"/>
-              </a:ext>
-            </a:extLst>
-          </p:cNvPr>
-          <p:cNvSpPr>
-            <a:spLocks noChangeAspect="1"/>
-          </p:cNvSpPr>
-          <p:nvPr/>
-        </p:nvSpPr>
-        <p:spPr>
-          <a:xfrm rot="16200000">
-            <a:off x="8623072" y="6891922"/>
-            <a:ext cx="342900" cy="846552"/>
-          </a:xfrm>
-          <a:prstGeom prst="rect">
-            <a:avLst/>
-          </a:prstGeom>
-          <a:ln>
-            <a:headEnd type="none" w="med" len="med"/>
-            <a:tailEnd type="none" w="med" len="med"/>
-          </a:ln>
-        </p:spPr>
-        <p:style>
-          <a:lnRef idx="2">
-            <a:schemeClr val="dk1"/>
-          </a:lnRef>
-          <a:fillRef idx="1">
-            <a:schemeClr val="lt1"/>
-          </a:fillRef>
-          <a:effectRef idx="0">
-            <a:schemeClr val="dk1"/>
-          </a:effectRef>
-          <a:fontRef idx="minor">
-            <a:schemeClr val="dk1"/>
-          </a:fontRef>
-        </p:style>
-        <p:txBody>
-          <a:bodyPr vert="vert" rtlCol="0" anchor="ctr"/>
-          <a:lstStyle/>
-          <a:p>
-            <a:pPr algn="ctr"/>
-            <a:r>
-              <a:rPr lang="en-US" dirty="0">
-                <a:solidFill>
-                  <a:schemeClr val="bg1">
-                    <a:lumMod val="65000"/>
-                  </a:schemeClr>
-                </a:solidFill>
-              </a:rPr>
-              <a:t>I2C/SPI</a:t>
-            </a:r>
-          </a:p>
-        </p:txBody>
-      </p:sp>
-      <p:cxnSp>
-        <p:nvCxnSpPr>
-          <p:cNvPr id="18" name="Connector: Elbow 17">
-            <a:extLst>
-              <a:ext uri="{FF2B5EF4-FFF2-40B4-BE49-F238E27FC236}">
-                <a16:creationId xmlns:a16="http://schemas.microsoft.com/office/drawing/2014/main" id="{AEE2925D-D48E-7986-3A7A-FA1245084304}"/>
-              </a:ext>
-            </a:extLst>
-          </p:cNvPr>
-          <p:cNvCxnSpPr>
-            <a:cxnSpLocks noChangeAspect="1"/>
-            <a:stCxn id="2" idx="1"/>
-            <a:endCxn id="15" idx="2"/>
-          </p:cNvCxnSpPr>
-          <p:nvPr/>
-        </p:nvCxnSpPr>
-        <p:spPr>
-          <a:xfrm rot="10800000">
-            <a:off x="9217799" y="7315198"/>
-            <a:ext cx="1117177" cy="270034"/>
-          </a:xfrm>
-          <a:prstGeom prst="bentConnector3">
-            <a:avLst>
-              <a:gd name="adj1" fmla="val 50000"/>
-            </a:avLst>
-          </a:prstGeom>
-          <a:ln w="25400">
-            <a:solidFill>
-              <a:schemeClr val="bg1">
-                <a:lumMod val="75000"/>
-              </a:schemeClr>
-            </a:solidFill>
-            <a:headEnd type="triangle"/>
-            <a:tailEnd type="none"/>
-          </a:ln>
-        </p:spPr>
-        <p:style>
-          <a:lnRef idx="1">
-            <a:schemeClr val="accent1"/>
-          </a:lnRef>
-          <a:fillRef idx="0">
-            <a:schemeClr val="accent1"/>
-          </a:fillRef>
-          <a:effectRef idx="0">
-            <a:schemeClr val="accent1"/>
-          </a:effectRef>
-          <a:fontRef idx="minor">
-            <a:schemeClr val="tx1"/>
-          </a:fontRef>
-        </p:style>
-      </p:cxnSp>
       <p:cxnSp>
         <p:nvCxnSpPr>
           <p:cNvPr id="42" name="Connector: Elbow 41">
@@ -6280,14 +6229,13 @@
           <p:cNvCxnSpPr>
             <a:cxnSpLocks noChangeAspect="1"/>
             <a:stCxn id="3" idx="1"/>
-            <a:endCxn id="15" idx="1"/>
           </p:cNvCxnSpPr>
           <p:nvPr/>
         </p:nvCxnSpPr>
         <p:spPr>
           <a:xfrm rot="10800000">
-            <a:off x="8794522" y="7486648"/>
-            <a:ext cx="1556402" cy="830254"/>
+            <a:off x="9999814" y="7940952"/>
+            <a:ext cx="351111" cy="375951"/>
           </a:xfrm>
           <a:prstGeom prst="bentConnector2">
             <a:avLst/>
@@ -7286,6 +7234,524 @@
     <p:extLst>
       <p:ext uri="{BB962C8B-B14F-4D97-AF65-F5344CB8AC3E}">
         <p14:creationId xmlns:p14="http://schemas.microsoft.com/office/powerpoint/2010/main" val="294776908"/>
+      </p:ext>
+    </p:extLst>
+  </p:cSld>
+  <p:clrMapOvr>
+    <a:masterClrMapping/>
+  </p:clrMapOvr>
+</p:sld>
+</file>
+
+<file path=ppt/slides/slide3.xml><?xml version="1.0" encoding="utf-8"?>
+<p:sld xmlns:a="http://schemas.openxmlformats.org/drawingml/2006/main" xmlns:r="http://schemas.openxmlformats.org/officeDocument/2006/relationships" xmlns:p="http://schemas.openxmlformats.org/presentationml/2006/main">
+  <p:cSld>
+    <p:spTree>
+      <p:nvGrpSpPr>
+        <p:cNvPr id="1" name=""/>
+        <p:cNvGrpSpPr/>
+        <p:nvPr/>
+      </p:nvGrpSpPr>
+      <p:grpSpPr>
+        <a:xfrm>
+          <a:off x="0" y="0"/>
+          <a:ext cx="0" cy="0"/>
+          <a:chOff x="0" y="0"/>
+          <a:chExt cx="0" cy="0"/>
+        </a:xfrm>
+      </p:grpSpPr>
+      <p:sp>
+        <p:nvSpPr>
+          <p:cNvPr id="7" name="Rectangle 6">
+            <a:extLst>
+              <a:ext uri="{FF2B5EF4-FFF2-40B4-BE49-F238E27FC236}">
+                <a16:creationId xmlns:a16="http://schemas.microsoft.com/office/drawing/2014/main" id="{90D1FF52-0797-2F66-5C3B-3D4AB0C84284}"/>
+              </a:ext>
+            </a:extLst>
+          </p:cNvPr>
+          <p:cNvSpPr/>
+          <p:nvPr/>
+        </p:nvSpPr>
+        <p:spPr>
+          <a:xfrm>
+            <a:off x="1828800" y="1885950"/>
+            <a:ext cx="10058400" cy="2044700"/>
+          </a:xfrm>
+          <a:prstGeom prst="rect">
+            <a:avLst/>
+          </a:prstGeom>
+          <a:solidFill>
+            <a:schemeClr val="accent6">
+              <a:lumMod val="20000"/>
+              <a:lumOff val="80000"/>
+            </a:schemeClr>
+          </a:solidFill>
+        </p:spPr>
+        <p:style>
+          <a:lnRef idx="2">
+            <a:schemeClr val="accent1">
+              <a:shade val="50000"/>
+            </a:schemeClr>
+          </a:lnRef>
+          <a:fillRef idx="1">
+            <a:schemeClr val="accent1"/>
+          </a:fillRef>
+          <a:effectRef idx="0">
+            <a:schemeClr val="accent1"/>
+          </a:effectRef>
+          <a:fontRef idx="minor">
+            <a:schemeClr val="lt1"/>
+          </a:fontRef>
+        </p:style>
+        <p:txBody>
+          <a:bodyPr rtlCol="0" anchor="t"/>
+          <a:lstStyle/>
+          <a:p>
+            <a:pPr algn="ctr"/>
+            <a:r>
+              <a:rPr lang="en-US" dirty="0">
+                <a:solidFill>
+                  <a:sysClr val="windowText" lastClr="000000"/>
+                </a:solidFill>
+              </a:rPr>
+              <a:t>User Application</a:t>
+            </a:r>
+          </a:p>
+        </p:txBody>
+      </p:sp>
+      <p:sp>
+        <p:nvSpPr>
+          <p:cNvPr id="8" name="Rectangle 7">
+            <a:extLst>
+              <a:ext uri="{FF2B5EF4-FFF2-40B4-BE49-F238E27FC236}">
+                <a16:creationId xmlns:a16="http://schemas.microsoft.com/office/drawing/2014/main" id="{AF97A83E-9098-43C2-4374-E561FBE3C5FE}"/>
+              </a:ext>
+            </a:extLst>
+          </p:cNvPr>
+          <p:cNvSpPr/>
+          <p:nvPr/>
+        </p:nvSpPr>
+        <p:spPr>
+          <a:xfrm>
+            <a:off x="1828800" y="3530600"/>
+            <a:ext cx="6705600" cy="400050"/>
+          </a:xfrm>
+          <a:prstGeom prst="rect">
+            <a:avLst/>
+          </a:prstGeom>
+          <a:solidFill>
+            <a:schemeClr val="bg1"/>
+          </a:solidFill>
+        </p:spPr>
+        <p:style>
+          <a:lnRef idx="2">
+            <a:schemeClr val="accent1">
+              <a:shade val="50000"/>
+            </a:schemeClr>
+          </a:lnRef>
+          <a:fillRef idx="1">
+            <a:schemeClr val="accent1"/>
+          </a:fillRef>
+          <a:effectRef idx="0">
+            <a:schemeClr val="accent1"/>
+          </a:effectRef>
+          <a:fontRef idx="minor">
+            <a:schemeClr val="lt1"/>
+          </a:fontRef>
+        </p:style>
+        <p:txBody>
+          <a:bodyPr rtlCol="0" anchor="ctr"/>
+          <a:lstStyle/>
+          <a:p>
+            <a:pPr algn="ctr"/>
+            <a:r>
+              <a:rPr lang="en-US" dirty="0">
+                <a:solidFill>
+                  <a:sysClr val="windowText" lastClr="000000"/>
+                </a:solidFill>
+              </a:rPr>
+              <a:t>rp2040-hal</a:t>
+            </a:r>
+          </a:p>
+        </p:txBody>
+      </p:sp>
+      <p:sp>
+        <p:nvSpPr>
+          <p:cNvPr id="9" name="Rectangle 8">
+            <a:extLst>
+              <a:ext uri="{FF2B5EF4-FFF2-40B4-BE49-F238E27FC236}">
+                <a16:creationId xmlns:a16="http://schemas.microsoft.com/office/drawing/2014/main" id="{56DEBCA8-7966-D8AB-D828-447A2CDA1250}"/>
+              </a:ext>
+            </a:extLst>
+          </p:cNvPr>
+          <p:cNvSpPr/>
+          <p:nvPr/>
+        </p:nvSpPr>
+        <p:spPr>
+          <a:xfrm>
+            <a:off x="8534400" y="3530600"/>
+            <a:ext cx="3352800" cy="400050"/>
+          </a:xfrm>
+          <a:prstGeom prst="rect">
+            <a:avLst/>
+          </a:prstGeom>
+          <a:solidFill>
+            <a:schemeClr val="bg1"/>
+          </a:solidFill>
+        </p:spPr>
+        <p:style>
+          <a:lnRef idx="2">
+            <a:schemeClr val="accent1">
+              <a:shade val="50000"/>
+            </a:schemeClr>
+          </a:lnRef>
+          <a:fillRef idx="1">
+            <a:schemeClr val="accent1"/>
+          </a:fillRef>
+          <a:effectRef idx="0">
+            <a:schemeClr val="accent1"/>
+          </a:effectRef>
+          <a:fontRef idx="minor">
+            <a:schemeClr val="lt1"/>
+          </a:fontRef>
+        </p:style>
+        <p:txBody>
+          <a:bodyPr rtlCol="0" anchor="ctr"/>
+          <a:lstStyle/>
+          <a:p>
+            <a:pPr algn="ctr"/>
+            <a:r>
+              <a:rPr lang="en-US" dirty="0">
+                <a:solidFill>
+                  <a:sysClr val="windowText" lastClr="000000"/>
+                </a:solidFill>
+              </a:rPr>
+              <a:t>cyw43 </a:t>
+            </a:r>
+            <a:r>
+              <a:rPr lang="en-US" dirty="0" err="1">
+                <a:solidFill>
+                  <a:sysClr val="windowText" lastClr="000000"/>
+                </a:solidFill>
+              </a:rPr>
+              <a:t>drvr</a:t>
+            </a:r>
+            <a:endParaRPr lang="en-US" dirty="0">
+              <a:solidFill>
+                <a:sysClr val="windowText" lastClr="000000"/>
+              </a:solidFill>
+            </a:endParaRPr>
+          </a:p>
+        </p:txBody>
+      </p:sp>
+      <p:sp>
+        <p:nvSpPr>
+          <p:cNvPr id="11" name="Rectangle 10">
+            <a:extLst>
+              <a:ext uri="{FF2B5EF4-FFF2-40B4-BE49-F238E27FC236}">
+                <a16:creationId xmlns:a16="http://schemas.microsoft.com/office/drawing/2014/main" id="{8D919D01-136D-CBAD-3B3D-45979870D28D}"/>
+              </a:ext>
+            </a:extLst>
+          </p:cNvPr>
+          <p:cNvSpPr/>
+          <p:nvPr/>
+        </p:nvSpPr>
+        <p:spPr>
+          <a:xfrm>
+            <a:off x="9639300" y="2343150"/>
+            <a:ext cx="2247900" cy="1187450"/>
+          </a:xfrm>
+          <a:prstGeom prst="rect">
+            <a:avLst/>
+          </a:prstGeom>
+          <a:solidFill>
+            <a:schemeClr val="bg1"/>
+          </a:solidFill>
+        </p:spPr>
+        <p:style>
+          <a:lnRef idx="2">
+            <a:schemeClr val="accent1">
+              <a:shade val="50000"/>
+            </a:schemeClr>
+          </a:lnRef>
+          <a:fillRef idx="1">
+            <a:schemeClr val="accent1"/>
+          </a:fillRef>
+          <a:effectRef idx="0">
+            <a:schemeClr val="accent1"/>
+          </a:effectRef>
+          <a:fontRef idx="minor">
+            <a:schemeClr val="lt1"/>
+          </a:fontRef>
+        </p:style>
+        <p:txBody>
+          <a:bodyPr rtlCol="0" anchor="t"/>
+          <a:lstStyle/>
+          <a:p>
+            <a:pPr algn="ctr"/>
+            <a:r>
+              <a:rPr lang="en-US" dirty="0">
+                <a:solidFill>
+                  <a:sysClr val="windowText" lastClr="000000"/>
+                </a:solidFill>
+              </a:rPr>
+              <a:t>embassy-network</a:t>
+            </a:r>
+          </a:p>
+        </p:txBody>
+      </p:sp>
+      <p:sp>
+        <p:nvSpPr>
+          <p:cNvPr id="12" name="Rectangle 11">
+            <a:extLst>
+              <a:ext uri="{FF2B5EF4-FFF2-40B4-BE49-F238E27FC236}">
+                <a16:creationId xmlns:a16="http://schemas.microsoft.com/office/drawing/2014/main" id="{7172475F-9279-E1C7-0819-DEBB7F188EC9}"/>
+              </a:ext>
+            </a:extLst>
+          </p:cNvPr>
+          <p:cNvSpPr/>
+          <p:nvPr/>
+        </p:nvSpPr>
+        <p:spPr>
+          <a:xfrm>
+            <a:off x="2457450" y="2743200"/>
+            <a:ext cx="2457450" cy="787400"/>
+          </a:xfrm>
+          <a:prstGeom prst="rect">
+            <a:avLst/>
+          </a:prstGeom>
+          <a:solidFill>
+            <a:schemeClr val="accent6">
+              <a:lumMod val="40000"/>
+              <a:lumOff val="60000"/>
+            </a:schemeClr>
+          </a:solidFill>
+        </p:spPr>
+        <p:style>
+          <a:lnRef idx="2">
+            <a:schemeClr val="accent1">
+              <a:shade val="50000"/>
+            </a:schemeClr>
+          </a:lnRef>
+          <a:fillRef idx="1">
+            <a:schemeClr val="accent1"/>
+          </a:fillRef>
+          <a:effectRef idx="0">
+            <a:schemeClr val="accent1"/>
+          </a:effectRef>
+          <a:fontRef idx="minor">
+            <a:schemeClr val="lt1"/>
+          </a:fontRef>
+        </p:style>
+        <p:txBody>
+          <a:bodyPr rtlCol="0" anchor="t"/>
+          <a:lstStyle/>
+          <a:p>
+            <a:pPr algn="ctr"/>
+            <a:r>
+              <a:rPr lang="en-US" dirty="0">
+                <a:solidFill>
+                  <a:sysClr val="windowText" lastClr="000000"/>
+                </a:solidFill>
+              </a:rPr>
+              <a:t>User IC Drivers</a:t>
+            </a:r>
+          </a:p>
+        </p:txBody>
+      </p:sp>
+      <p:sp>
+        <p:nvSpPr>
+          <p:cNvPr id="10" name="Rectangle 9">
+            <a:extLst>
+              <a:ext uri="{FF2B5EF4-FFF2-40B4-BE49-F238E27FC236}">
+                <a16:creationId xmlns:a16="http://schemas.microsoft.com/office/drawing/2014/main" id="{94455B71-598E-08BD-FBB4-41CC15D4462C}"/>
+              </a:ext>
+            </a:extLst>
+          </p:cNvPr>
+          <p:cNvSpPr/>
+          <p:nvPr/>
+        </p:nvSpPr>
+        <p:spPr>
+          <a:xfrm>
+            <a:off x="3829050" y="3130550"/>
+            <a:ext cx="5810250" cy="400050"/>
+          </a:xfrm>
+          <a:prstGeom prst="rect">
+            <a:avLst/>
+          </a:prstGeom>
+          <a:solidFill>
+            <a:schemeClr val="bg1"/>
+          </a:solidFill>
+        </p:spPr>
+        <p:style>
+          <a:lnRef idx="2">
+            <a:schemeClr val="accent1">
+              <a:shade val="50000"/>
+            </a:schemeClr>
+          </a:lnRef>
+          <a:fillRef idx="1">
+            <a:schemeClr val="accent1"/>
+          </a:fillRef>
+          <a:effectRef idx="0">
+            <a:schemeClr val="accent1"/>
+          </a:effectRef>
+          <a:fontRef idx="minor">
+            <a:schemeClr val="lt1"/>
+          </a:fontRef>
+        </p:style>
+        <p:txBody>
+          <a:bodyPr rtlCol="0" anchor="ctr"/>
+          <a:lstStyle/>
+          <a:p>
+            <a:pPr algn="ctr"/>
+            <a:r>
+              <a:rPr lang="en-US" dirty="0" err="1">
+                <a:solidFill>
+                  <a:sysClr val="windowText" lastClr="000000"/>
+                </a:solidFill>
+              </a:rPr>
+              <a:t>PicoW</a:t>
+            </a:r>
+            <a:r>
+              <a:rPr lang="en-US" dirty="0">
+                <a:solidFill>
+                  <a:sysClr val="windowText" lastClr="000000"/>
+                </a:solidFill>
+              </a:rPr>
+              <a:t> BSP</a:t>
+            </a:r>
+          </a:p>
+        </p:txBody>
+      </p:sp>
+      <p:sp>
+        <p:nvSpPr>
+          <p:cNvPr id="6" name="Rectangle 5">
+            <a:extLst>
+              <a:ext uri="{FF2B5EF4-FFF2-40B4-BE49-F238E27FC236}">
+                <a16:creationId xmlns:a16="http://schemas.microsoft.com/office/drawing/2014/main" id="{45EA97A8-CBC1-C484-3923-59348939DA33}"/>
+              </a:ext>
+            </a:extLst>
+          </p:cNvPr>
+          <p:cNvSpPr/>
+          <p:nvPr/>
+        </p:nvSpPr>
+        <p:spPr>
+          <a:xfrm>
+            <a:off x="6686550" y="2343150"/>
+            <a:ext cx="2952750" cy="400050"/>
+          </a:xfrm>
+          <a:prstGeom prst="rect">
+            <a:avLst/>
+          </a:prstGeom>
+          <a:solidFill>
+            <a:schemeClr val="bg1"/>
+          </a:solidFill>
+        </p:spPr>
+        <p:style>
+          <a:lnRef idx="2">
+            <a:schemeClr val="accent1">
+              <a:shade val="50000"/>
+            </a:schemeClr>
+          </a:lnRef>
+          <a:fillRef idx="1">
+            <a:schemeClr val="accent1"/>
+          </a:fillRef>
+          <a:effectRef idx="0">
+            <a:schemeClr val="accent1"/>
+          </a:effectRef>
+          <a:fontRef idx="minor">
+            <a:schemeClr val="lt1"/>
+          </a:fontRef>
+        </p:style>
+        <p:txBody>
+          <a:bodyPr rtlCol="0" anchor="ctr"/>
+          <a:lstStyle/>
+          <a:p>
+            <a:pPr algn="ctr"/>
+            <a:r>
+              <a:rPr lang="en-US" dirty="0">
+                <a:solidFill>
+                  <a:sysClr val="windowText" lastClr="000000"/>
+                </a:solidFill>
+              </a:rPr>
+              <a:t>embassy-</a:t>
+            </a:r>
+            <a:r>
+              <a:rPr lang="en-US" dirty="0" err="1">
+                <a:solidFill>
+                  <a:sysClr val="windowText" lastClr="000000"/>
+                </a:solidFill>
+              </a:rPr>
+              <a:t>rp</a:t>
+            </a:r>
+            <a:endParaRPr lang="en-US" dirty="0">
+              <a:solidFill>
+                <a:sysClr val="windowText" lastClr="000000"/>
+              </a:solidFill>
+            </a:endParaRPr>
+          </a:p>
+        </p:txBody>
+      </p:sp>
+      <p:sp>
+        <p:nvSpPr>
+          <p:cNvPr id="4" name="Rectangle 3">
+            <a:extLst>
+              <a:ext uri="{FF2B5EF4-FFF2-40B4-BE49-F238E27FC236}">
+                <a16:creationId xmlns:a16="http://schemas.microsoft.com/office/drawing/2014/main" id="{98AF7852-4381-C367-347B-D2DB10F431D0}"/>
+              </a:ext>
+            </a:extLst>
+          </p:cNvPr>
+          <p:cNvSpPr/>
+          <p:nvPr/>
+        </p:nvSpPr>
+        <p:spPr>
+          <a:xfrm>
+            <a:off x="6000750" y="2743200"/>
+            <a:ext cx="3638550" cy="387350"/>
+          </a:xfrm>
+          <a:prstGeom prst="rect">
+            <a:avLst/>
+          </a:prstGeom>
+          <a:solidFill>
+            <a:schemeClr val="bg1"/>
+          </a:solidFill>
+        </p:spPr>
+        <p:style>
+          <a:lnRef idx="2">
+            <a:schemeClr val="accent1">
+              <a:shade val="50000"/>
+            </a:schemeClr>
+          </a:lnRef>
+          <a:fillRef idx="1">
+            <a:schemeClr val="accent1"/>
+          </a:fillRef>
+          <a:effectRef idx="0">
+            <a:schemeClr val="accent1"/>
+          </a:effectRef>
+          <a:fontRef idx="minor">
+            <a:schemeClr val="lt1"/>
+          </a:fontRef>
+        </p:style>
+        <p:txBody>
+          <a:bodyPr rtlCol="0" anchor="ctr"/>
+          <a:lstStyle/>
+          <a:p>
+            <a:pPr algn="ctr"/>
+            <a:r>
+              <a:rPr lang="en-US" dirty="0">
+                <a:solidFill>
+                  <a:sysClr val="windowText" lastClr="000000"/>
+                </a:solidFill>
+              </a:rPr>
+              <a:t>RTIC 2.0</a:t>
+            </a:r>
+          </a:p>
+        </p:txBody>
+      </p:sp>
+    </p:spTree>
+    <p:extLst>
+      <p:ext uri="{BB962C8B-B14F-4D97-AF65-F5344CB8AC3E}">
+        <p14:creationId xmlns:p14="http://schemas.microsoft.com/office/powerpoint/2010/main" val="3884000891"/>
       </p:ext>
     </p:extLst>
   </p:cSld>
